--- a/TypeScript.pptx
+++ b/TypeScript.pptx
@@ -16053,11 +16053,7 @@
           <a:p>
             <a:r>
               <a:rPr lang="en-IN" dirty="0" smtClean="0"/>
-              <a:t>function </a:t>
-            </a:r>
-            <a:r>
-              <a:rPr lang="en-IN" dirty="0" smtClean="0"/>
-              <a:t>parameter as property</a:t>
+              <a:t>function parameter as property</a:t>
             </a:r>
             <a:endParaRPr lang="en-IN" dirty="0"/>
           </a:p>
@@ -16405,47 +16401,23 @@
                 </a:solidFill>
                 <a:latin typeface="Consolas" panose="020B0609020204030204" pitchFamily="49" charset="0"/>
               </a:rPr>
-              <a:t>[</a:t>
+              <a:t>[propertyN[:type]]]</a:t>
             </a:r>
             <a:r>
               <a:rPr lang="en-IN" sz="2000" dirty="0" smtClean="0">
+                <a:latin typeface="Consolas" panose="020B0609020204030204" pitchFamily="49" charset="0"/>
+              </a:rPr>
+              <a:t>}</a:t>
+            </a:r>
+            <a:r>
+              <a:rPr lang="en-IN" sz="2000" dirty="0" smtClean="0">
                 <a:solidFill>
                   <a:srgbClr val="999999"/>
                 </a:solidFill>
                 <a:latin typeface="Consolas" panose="020B0609020204030204" pitchFamily="49" charset="0"/>
               </a:rPr>
-              <a:t>propertyN</a:t>
-            </a:r>
-            <a:r>
-              <a:rPr lang="en-IN" sz="2000" dirty="0" smtClean="0">
-                <a:solidFill>
-                  <a:srgbClr val="999999"/>
-                </a:solidFill>
-                <a:latin typeface="Consolas" panose="020B0609020204030204" pitchFamily="49" charset="0"/>
-              </a:rPr>
-              <a:t>[:type]]]</a:t>
-            </a:r>
-            <a:r>
-              <a:rPr lang="en-IN" sz="2000" dirty="0" smtClean="0">
-                <a:latin typeface="Consolas" panose="020B0609020204030204" pitchFamily="49" charset="0"/>
-              </a:rPr>
-              <a:t>}</a:t>
-            </a:r>
-            <a:r>
-              <a:rPr lang="en-IN" sz="2000" dirty="0" smtClean="0">
-                <a:solidFill>
-                  <a:srgbClr val="999999"/>
-                </a:solidFill>
-                <a:latin typeface="Consolas" panose="020B0609020204030204" pitchFamily="49" charset="0"/>
-              </a:rPr>
               <a:t>])  </a:t>
             </a:r>
-            <a:endParaRPr lang="en-IN" sz="2000" dirty="0" smtClean="0">
-              <a:solidFill>
-                <a:srgbClr val="999999"/>
-              </a:solidFill>
-              <a:latin typeface="Consolas" panose="020B0609020204030204" pitchFamily="49" charset="0"/>
-            </a:endParaRPr>
           </a:p>
           <a:p>
             <a:r>
@@ -24064,7 +24036,7 @@
             <a:r>
               <a:rPr lang="en-IN" sz="3600" dirty="0">
                 <a:solidFill>
-                  <a:srgbClr val="B22251"/>
+                  <a:srgbClr val="13D9E3"/>
                 </a:solidFill>
                 <a:latin typeface="Segoe Print" panose="02000600000000000000" pitchFamily="2" charset="0"/>
               </a:rPr>
@@ -24076,7 +24048,7 @@
             <a:r>
               <a:rPr lang="en-IN" sz="3600" dirty="0">
                 <a:solidFill>
-                  <a:srgbClr val="B22251"/>
+                  <a:srgbClr val="13D9E3"/>
                 </a:solidFill>
                 <a:latin typeface="Segoe Print" panose="02000600000000000000" pitchFamily="2" charset="0"/>
               </a:rPr>

--- a/TypeScript.pptx
+++ b/TypeScript.pptx
@@ -285,7 +285,7 @@
             <a:fld id="{A7B1724D-A50F-4C38-8BDE-920DAD4008EA}" type="datetimeFigureOut">
               <a:rPr lang="en-US" smtClean="0"/>
               <a:pPr/>
-              <a:t>1/2/2019</a:t>
+              <a:t>1/5/2019</a:t>
             </a:fld>
             <a:endParaRPr lang="en-US"/>
           </a:p>
@@ -5461,9 +5461,8 @@
           </a:bodyPr>
           <a:lstStyle/>
           <a:p>
-            <a:pPr algn="l"/>
-            <a:r>
-              <a:rPr lang="en-US" sz="4200" b="1" i="1" dirty="0">
+            <a:r>
+              <a:rPr lang="en-US" sz="4200" b="1" i="1" smtClean="0">
                 <a:solidFill>
                   <a:srgbClr val="D6F901"/>
                 </a:solidFill>
@@ -5471,8 +5470,16 @@
                 <a:ea typeface="SimSun" panose="02010600030101010101" pitchFamily="2" charset="-122"/>
                 <a:cs typeface="Arial" pitchFamily="34" charset="0"/>
               </a:rPr>
-              <a:t>JavaScript Framework - TypeScript</a:t>
-            </a:r>
+              <a:t>TypeScript</a:t>
+            </a:r>
+            <a:endParaRPr lang="en-US" sz="4200" b="1" i="1" dirty="0">
+              <a:solidFill>
+                <a:srgbClr val="D6F901"/>
+              </a:solidFill>
+              <a:latin typeface="SimSun" panose="02010600030101010101" pitchFamily="2" charset="-122"/>
+              <a:ea typeface="SimSun" panose="02010600030101010101" pitchFamily="2" charset="-122"/>
+              <a:cs typeface="Arial" pitchFamily="34" charset="0"/>
+            </a:endParaRPr>
           </a:p>
         </p:txBody>
       </p:sp>

--- a/TypeScript.pptx
+++ b/TypeScript.pptx
@@ -5,7 +5,7 @@
     <p:sldMasterId id="2147483829" r:id="rId1"/>
   </p:sldMasterIdLst>
   <p:notesMasterIdLst>
-    <p:notesMasterId r:id="rId49"/>
+    <p:notesMasterId r:id="rId52"/>
   </p:notesMasterIdLst>
   <p:sldIdLst>
     <p:sldId id="651" r:id="rId2"/>
@@ -43,18 +43,21 @@
     <p:sldId id="639" r:id="rId34"/>
     <p:sldId id="671" r:id="rId35"/>
     <p:sldId id="666" r:id="rId36"/>
-    <p:sldId id="646" r:id="rId37"/>
-    <p:sldId id="635" r:id="rId38"/>
-    <p:sldId id="655" r:id="rId39"/>
-    <p:sldId id="637" r:id="rId40"/>
-    <p:sldId id="636" r:id="rId41"/>
-    <p:sldId id="656" r:id="rId42"/>
-    <p:sldId id="665" r:id="rId43"/>
-    <p:sldId id="653" r:id="rId44"/>
-    <p:sldId id="654" r:id="rId45"/>
-    <p:sldId id="660" r:id="rId46"/>
-    <p:sldId id="657" r:id="rId47"/>
-    <p:sldId id="658" r:id="rId48"/>
+    <p:sldId id="676" r:id="rId37"/>
+    <p:sldId id="677" r:id="rId38"/>
+    <p:sldId id="646" r:id="rId39"/>
+    <p:sldId id="635" r:id="rId40"/>
+    <p:sldId id="655" r:id="rId41"/>
+    <p:sldId id="637" r:id="rId42"/>
+    <p:sldId id="636" r:id="rId43"/>
+    <p:sldId id="656" r:id="rId44"/>
+    <p:sldId id="665" r:id="rId45"/>
+    <p:sldId id="653" r:id="rId46"/>
+    <p:sldId id="654" r:id="rId47"/>
+    <p:sldId id="660" r:id="rId48"/>
+    <p:sldId id="657" r:id="rId49"/>
+    <p:sldId id="658" r:id="rId50"/>
+    <p:sldId id="675" r:id="rId51"/>
   </p:sldIdLst>
   <p:sldSz cx="9144000" cy="6858000" type="screen4x3"/>
   <p:notesSz cx="6858000" cy="9144000"/>
@@ -285,7 +288,7 @@
             <a:fld id="{A7B1724D-A50F-4C38-8BDE-920DAD4008EA}" type="datetimeFigureOut">
               <a:rPr lang="en-US" smtClean="0"/>
               <a:pPr/>
-              <a:t>1/5/2019</a:t>
+              <a:t>1/17/2019</a:t>
             </a:fld>
             <a:endParaRPr lang="en-US"/>
           </a:p>
@@ -16509,6 +16512,484 @@
           </a:p>
         </p:txBody>
       </p:sp>
+      <p:sp>
+        <p:nvSpPr>
+          <p:cNvPr id="3" name="Rectangle 2"/>
+          <p:cNvSpPr/>
+          <p:nvPr/>
+        </p:nvSpPr>
+        <p:spPr>
+          <a:xfrm>
+            <a:off x="114300" y="3429000"/>
+            <a:ext cx="8915400" cy="1938992"/>
+          </a:xfrm>
+          <a:prstGeom prst="rect">
+            <a:avLst/>
+          </a:prstGeom>
+        </p:spPr>
+        <p:txBody>
+          <a:bodyPr wrap="square">
+            <a:spAutoFit/>
+          </a:bodyPr>
+          <a:lstStyle/>
+          <a:p>
+            <a:r>
+              <a:rPr lang="en-US" sz="2000" dirty="0">
+                <a:solidFill>
+                  <a:srgbClr val="98676A"/>
+                </a:solidFill>
+                <a:latin typeface="Consolas" panose="020B0609020204030204" pitchFamily="49" charset="0"/>
+              </a:rPr>
+              <a:t>let</a:t>
+            </a:r>
+            <a:r>
+              <a:rPr lang="en-US" sz="2000" dirty="0">
+                <a:solidFill>
+                  <a:srgbClr val="D3AF86"/>
+                </a:solidFill>
+                <a:latin typeface="Consolas" panose="020B0609020204030204" pitchFamily="49" charset="0"/>
+              </a:rPr>
+              <a:t> </a:t>
+            </a:r>
+            <a:r>
+              <a:rPr lang="en-US" sz="2000" dirty="0">
+                <a:solidFill>
+                  <a:srgbClr val="8AB1B0"/>
+                </a:solidFill>
+                <a:latin typeface="Consolas" panose="020B0609020204030204" pitchFamily="49" charset="0"/>
+              </a:rPr>
+              <a:t>fn</a:t>
+            </a:r>
+            <a:r>
+              <a:rPr lang="en-US" sz="2000" dirty="0">
+                <a:solidFill>
+                  <a:srgbClr val="D3AF86"/>
+                </a:solidFill>
+                <a:latin typeface="Consolas" panose="020B0609020204030204" pitchFamily="49" charset="0"/>
+              </a:rPr>
+              <a:t> = (</a:t>
+            </a:r>
+            <a:r>
+              <a:rPr lang="en-US" sz="2000" dirty="0">
+                <a:solidFill>
+                  <a:srgbClr val="DC3958"/>
+                </a:solidFill>
+                <a:latin typeface="Consolas" panose="020B0609020204030204" pitchFamily="49" charset="0"/>
+              </a:rPr>
+              <a:t>a</a:t>
+            </a:r>
+            <a:r>
+              <a:rPr lang="en-US" sz="2000" dirty="0">
+                <a:solidFill>
+                  <a:srgbClr val="D3AF86"/>
+                </a:solidFill>
+                <a:latin typeface="Consolas" panose="020B0609020204030204" pitchFamily="49" charset="0"/>
+              </a:rPr>
+              <a:t> : { </a:t>
+            </a:r>
+            <a:r>
+              <a:rPr lang="en-US" sz="2000" dirty="0">
+                <a:solidFill>
+                  <a:srgbClr val="DC3958"/>
+                </a:solidFill>
+                <a:latin typeface="Consolas" panose="020B0609020204030204" pitchFamily="49" charset="0"/>
+              </a:rPr>
+              <a:t>_id</a:t>
+            </a:r>
+            <a:r>
+              <a:rPr lang="en-US" sz="2000" dirty="0">
+                <a:solidFill>
+                  <a:srgbClr val="D3AF86"/>
+                </a:solidFill>
+                <a:latin typeface="Consolas" panose="020B0609020204030204" pitchFamily="49" charset="0"/>
+              </a:rPr>
+              <a:t>:number, </a:t>
+            </a:r>
+            <a:r>
+              <a:rPr lang="en-US" sz="2000" dirty="0">
+                <a:solidFill>
+                  <a:srgbClr val="DC3958"/>
+                </a:solidFill>
+                <a:latin typeface="Consolas" panose="020B0609020204030204" pitchFamily="49" charset="0"/>
+              </a:rPr>
+              <a:t>_firstName</a:t>
+            </a:r>
+            <a:r>
+              <a:rPr lang="en-US" sz="2000" dirty="0">
+                <a:solidFill>
+                  <a:srgbClr val="D3AF86"/>
+                </a:solidFill>
+                <a:latin typeface="Consolas" panose="020B0609020204030204" pitchFamily="49" charset="0"/>
+              </a:rPr>
+              <a:t>:string, </a:t>
+            </a:r>
+            <a:r>
+              <a:rPr lang="en-US" sz="2000" dirty="0">
+                <a:solidFill>
+                  <a:srgbClr val="DC3958"/>
+                </a:solidFill>
+                <a:latin typeface="Consolas" panose="020B0609020204030204" pitchFamily="49" charset="0"/>
+              </a:rPr>
+              <a:t>_age</a:t>
+            </a:r>
+            <a:r>
+              <a:rPr lang="en-US" sz="2000" dirty="0">
+                <a:solidFill>
+                  <a:srgbClr val="D3AF86"/>
+                </a:solidFill>
+                <a:latin typeface="Consolas" panose="020B0609020204030204" pitchFamily="49" charset="0"/>
+              </a:rPr>
+              <a:t>:number</a:t>
+            </a:r>
+            <a:r>
+              <a:rPr lang="en-US" sz="2000" dirty="0" smtClean="0">
+                <a:solidFill>
+                  <a:srgbClr val="D3AF86"/>
+                </a:solidFill>
+                <a:latin typeface="Consolas" panose="020B0609020204030204" pitchFamily="49" charset="0"/>
+              </a:rPr>
+              <a:t>, </a:t>
+            </a:r>
+            <a:r>
+              <a:rPr lang="en-US" sz="2000" dirty="0" smtClean="0">
+                <a:solidFill>
+                  <a:srgbClr val="DC3958"/>
+                </a:solidFill>
+                <a:latin typeface="Consolas" panose="020B0609020204030204" pitchFamily="49" charset="0"/>
+              </a:rPr>
+              <a:t>_canVote</a:t>
+            </a:r>
+            <a:r>
+              <a:rPr lang="en-US" sz="2000" dirty="0" smtClean="0">
+                <a:solidFill>
+                  <a:srgbClr val="D3AF86"/>
+                </a:solidFill>
+                <a:latin typeface="Consolas" panose="020B0609020204030204" pitchFamily="49" charset="0"/>
+              </a:rPr>
+              <a:t>:boolean</a:t>
+            </a:r>
+            <a:r>
+              <a:rPr lang="en-US" sz="2000" dirty="0">
+                <a:solidFill>
+                  <a:srgbClr val="D3AF86"/>
+                </a:solidFill>
+                <a:latin typeface="Consolas" panose="020B0609020204030204" pitchFamily="49" charset="0"/>
+              </a:rPr>
+              <a:t>}) :void </a:t>
+            </a:r>
+            <a:r>
+              <a:rPr lang="en-US" sz="2000" dirty="0">
+                <a:solidFill>
+                  <a:srgbClr val="98676A"/>
+                </a:solidFill>
+                <a:latin typeface="Consolas" panose="020B0609020204030204" pitchFamily="49" charset="0"/>
+              </a:rPr>
+              <a:t>=&gt;</a:t>
+            </a:r>
+            <a:r>
+              <a:rPr lang="en-US" sz="2000" dirty="0">
+                <a:solidFill>
+                  <a:srgbClr val="D3AF86"/>
+                </a:solidFill>
+                <a:latin typeface="Consolas" panose="020B0609020204030204" pitchFamily="49" charset="0"/>
+              </a:rPr>
+              <a:t> {</a:t>
+            </a:r>
+          </a:p>
+          <a:p>
+            <a:r>
+              <a:rPr lang="en-US" sz="2000" dirty="0" smtClean="0">
+                <a:solidFill>
+                  <a:srgbClr val="F06431"/>
+                </a:solidFill>
+                <a:latin typeface="Consolas" panose="020B0609020204030204" pitchFamily="49" charset="0"/>
+              </a:rPr>
+              <a:t>    console</a:t>
+            </a:r>
+            <a:r>
+              <a:rPr lang="en-US" sz="2000" dirty="0" smtClean="0">
+                <a:solidFill>
+                  <a:srgbClr val="D3AF86"/>
+                </a:solidFill>
+                <a:latin typeface="Consolas" panose="020B0609020204030204" pitchFamily="49" charset="0"/>
+              </a:rPr>
+              <a:t>.</a:t>
+            </a:r>
+            <a:r>
+              <a:rPr lang="en-US" sz="2000" dirty="0" smtClean="0">
+                <a:solidFill>
+                  <a:srgbClr val="7E602C"/>
+                </a:solidFill>
+                <a:latin typeface="Consolas" panose="020B0609020204030204" pitchFamily="49" charset="0"/>
+              </a:rPr>
+              <a:t>log</a:t>
+            </a:r>
+            <a:r>
+              <a:rPr lang="en-US" sz="2000" dirty="0" smtClean="0">
+                <a:solidFill>
+                  <a:srgbClr val="D3AF86"/>
+                </a:solidFill>
+                <a:latin typeface="Consolas" panose="020B0609020204030204" pitchFamily="49" charset="0"/>
+              </a:rPr>
+              <a:t>(</a:t>
+            </a:r>
+            <a:r>
+              <a:rPr lang="en-US" sz="2000" dirty="0" smtClean="0">
+                <a:solidFill>
+                  <a:srgbClr val="DC3958"/>
+                </a:solidFill>
+                <a:latin typeface="Consolas" panose="020B0609020204030204" pitchFamily="49" charset="0"/>
+              </a:rPr>
+              <a:t>a</a:t>
+            </a:r>
+            <a:r>
+              <a:rPr lang="en-US" sz="2000" dirty="0">
+                <a:solidFill>
+                  <a:srgbClr val="D3AF86"/>
+                </a:solidFill>
+                <a:latin typeface="Consolas" panose="020B0609020204030204" pitchFamily="49" charset="0"/>
+              </a:rPr>
+              <a:t>.</a:t>
+            </a:r>
+            <a:r>
+              <a:rPr lang="en-US" sz="2000" dirty="0">
+                <a:solidFill>
+                  <a:srgbClr val="DC3958"/>
+                </a:solidFill>
+                <a:latin typeface="Consolas" panose="020B0609020204030204" pitchFamily="49" charset="0"/>
+              </a:rPr>
+              <a:t>_id</a:t>
+            </a:r>
+            <a:r>
+              <a:rPr lang="en-US" sz="2000" dirty="0">
+                <a:solidFill>
+                  <a:srgbClr val="D3AF86"/>
+                </a:solidFill>
+                <a:latin typeface="Consolas" panose="020B0609020204030204" pitchFamily="49" charset="0"/>
+              </a:rPr>
+              <a:t>, </a:t>
+            </a:r>
+            <a:r>
+              <a:rPr lang="en-US" sz="2000" dirty="0">
+                <a:solidFill>
+                  <a:srgbClr val="DC3958"/>
+                </a:solidFill>
+                <a:latin typeface="Consolas" panose="020B0609020204030204" pitchFamily="49" charset="0"/>
+              </a:rPr>
+              <a:t>a</a:t>
+            </a:r>
+            <a:r>
+              <a:rPr lang="en-US" sz="2000" dirty="0">
+                <a:solidFill>
+                  <a:srgbClr val="D3AF86"/>
+                </a:solidFill>
+                <a:latin typeface="Consolas" panose="020B0609020204030204" pitchFamily="49" charset="0"/>
+              </a:rPr>
+              <a:t>.</a:t>
+            </a:r>
+            <a:r>
+              <a:rPr lang="en-US" sz="2000" dirty="0">
+                <a:solidFill>
+                  <a:srgbClr val="DC3958"/>
+                </a:solidFill>
+                <a:latin typeface="Consolas" panose="020B0609020204030204" pitchFamily="49" charset="0"/>
+              </a:rPr>
+              <a:t>_firstName</a:t>
+            </a:r>
+            <a:r>
+              <a:rPr lang="en-US" sz="2000" dirty="0">
+                <a:solidFill>
+                  <a:srgbClr val="D3AF86"/>
+                </a:solidFill>
+                <a:latin typeface="Consolas" panose="020B0609020204030204" pitchFamily="49" charset="0"/>
+              </a:rPr>
+              <a:t>, </a:t>
+            </a:r>
+            <a:r>
+              <a:rPr lang="en-US" sz="2000" dirty="0">
+                <a:solidFill>
+                  <a:srgbClr val="DC3958"/>
+                </a:solidFill>
+                <a:latin typeface="Consolas" panose="020B0609020204030204" pitchFamily="49" charset="0"/>
+              </a:rPr>
+              <a:t>a</a:t>
+            </a:r>
+            <a:r>
+              <a:rPr lang="en-US" sz="2000" dirty="0">
+                <a:solidFill>
+                  <a:srgbClr val="D3AF86"/>
+                </a:solidFill>
+                <a:latin typeface="Consolas" panose="020B0609020204030204" pitchFamily="49" charset="0"/>
+              </a:rPr>
+              <a:t>.</a:t>
+            </a:r>
+            <a:r>
+              <a:rPr lang="en-US" sz="2000" dirty="0">
+                <a:solidFill>
+                  <a:srgbClr val="DC3958"/>
+                </a:solidFill>
+                <a:latin typeface="Consolas" panose="020B0609020204030204" pitchFamily="49" charset="0"/>
+              </a:rPr>
+              <a:t>_age</a:t>
+            </a:r>
+            <a:r>
+              <a:rPr lang="en-US" sz="2000" dirty="0">
+                <a:solidFill>
+                  <a:srgbClr val="D3AF86"/>
+                </a:solidFill>
+                <a:latin typeface="Consolas" panose="020B0609020204030204" pitchFamily="49" charset="0"/>
+              </a:rPr>
+              <a:t>, </a:t>
+            </a:r>
+            <a:r>
+              <a:rPr lang="en-US" sz="2000" dirty="0">
+                <a:solidFill>
+                  <a:srgbClr val="DC3958"/>
+                </a:solidFill>
+                <a:latin typeface="Consolas" panose="020B0609020204030204" pitchFamily="49" charset="0"/>
+              </a:rPr>
+              <a:t>a</a:t>
+            </a:r>
+            <a:r>
+              <a:rPr lang="en-US" sz="2000" dirty="0">
+                <a:solidFill>
+                  <a:srgbClr val="D3AF86"/>
+                </a:solidFill>
+                <a:latin typeface="Consolas" panose="020B0609020204030204" pitchFamily="49" charset="0"/>
+              </a:rPr>
+              <a:t>.</a:t>
+            </a:r>
+            <a:r>
+              <a:rPr lang="en-US" sz="2000" dirty="0">
+                <a:solidFill>
+                  <a:srgbClr val="DC3958"/>
+                </a:solidFill>
+                <a:latin typeface="Consolas" panose="020B0609020204030204" pitchFamily="49" charset="0"/>
+              </a:rPr>
+              <a:t>_canVote</a:t>
+            </a:r>
+            <a:r>
+              <a:rPr lang="en-US" sz="2000" dirty="0">
+                <a:solidFill>
+                  <a:srgbClr val="D3AF86"/>
+                </a:solidFill>
+                <a:latin typeface="Consolas" panose="020B0609020204030204" pitchFamily="49" charset="0"/>
+              </a:rPr>
+              <a:t>);</a:t>
+            </a:r>
+          </a:p>
+          <a:p>
+            <a:r>
+              <a:rPr lang="en-US" sz="2000" dirty="0">
+                <a:solidFill>
+                  <a:srgbClr val="D3AF86"/>
+                </a:solidFill>
+                <a:latin typeface="Consolas" panose="020B0609020204030204" pitchFamily="49" charset="0"/>
+              </a:rPr>
+              <a:t>}</a:t>
+            </a:r>
+          </a:p>
+          <a:p>
+            <a:r>
+              <a:rPr lang="en-US" sz="2000" dirty="0">
+                <a:solidFill>
+                  <a:srgbClr val="8AB1B0"/>
+                </a:solidFill>
+                <a:latin typeface="Consolas" panose="020B0609020204030204" pitchFamily="49" charset="0"/>
+              </a:rPr>
+              <a:t>fn</a:t>
+            </a:r>
+            <a:r>
+              <a:rPr lang="en-US" sz="2000" dirty="0">
+                <a:solidFill>
+                  <a:srgbClr val="D3AF86"/>
+                </a:solidFill>
+                <a:latin typeface="Consolas" panose="020B0609020204030204" pitchFamily="49" charset="0"/>
+              </a:rPr>
+              <a:t>({ _id: </a:t>
+            </a:r>
+            <a:r>
+              <a:rPr lang="en-US" sz="2000" dirty="0">
+                <a:solidFill>
+                  <a:srgbClr val="F79A32"/>
+                </a:solidFill>
+                <a:latin typeface="Consolas" panose="020B0609020204030204" pitchFamily="49" charset="0"/>
+              </a:rPr>
+              <a:t>1001</a:t>
+            </a:r>
+            <a:r>
+              <a:rPr lang="en-US" sz="2000" dirty="0">
+                <a:solidFill>
+                  <a:srgbClr val="D3AF86"/>
+                </a:solidFill>
+                <a:latin typeface="Consolas" panose="020B0609020204030204" pitchFamily="49" charset="0"/>
+              </a:rPr>
+              <a:t>, _firstName: '</a:t>
+            </a:r>
+            <a:r>
+              <a:rPr lang="en-US" sz="2000" dirty="0">
+                <a:solidFill>
+                  <a:srgbClr val="889B4A"/>
+                </a:solidFill>
+                <a:latin typeface="Consolas" panose="020B0609020204030204" pitchFamily="49" charset="0"/>
+              </a:rPr>
+              <a:t>saleel bagde</a:t>
+            </a:r>
+            <a:r>
+              <a:rPr lang="en-US" sz="2000" dirty="0">
+                <a:solidFill>
+                  <a:srgbClr val="D3AF86"/>
+                </a:solidFill>
+                <a:latin typeface="Consolas" panose="020B0609020204030204" pitchFamily="49" charset="0"/>
+              </a:rPr>
+              <a:t>', _age: </a:t>
+            </a:r>
+            <a:r>
+              <a:rPr lang="en-US" sz="2000" dirty="0">
+                <a:solidFill>
+                  <a:srgbClr val="F79A32"/>
+                </a:solidFill>
+                <a:latin typeface="Consolas" panose="020B0609020204030204" pitchFamily="49" charset="0"/>
+              </a:rPr>
+              <a:t>50</a:t>
+            </a:r>
+            <a:r>
+              <a:rPr lang="en-US" sz="2000" dirty="0">
+                <a:solidFill>
+                  <a:srgbClr val="D3AF86"/>
+                </a:solidFill>
+                <a:latin typeface="Consolas" panose="020B0609020204030204" pitchFamily="49" charset="0"/>
+              </a:rPr>
+              <a:t>, _canVote: </a:t>
+            </a:r>
+            <a:r>
+              <a:rPr lang="en-US" sz="2000" dirty="0">
+                <a:solidFill>
+                  <a:srgbClr val="F79A32"/>
+                </a:solidFill>
+                <a:latin typeface="Consolas" panose="020B0609020204030204" pitchFamily="49" charset="0"/>
+              </a:rPr>
+              <a:t>true</a:t>
+            </a:r>
+            <a:r>
+              <a:rPr lang="en-US" sz="2000" dirty="0">
+                <a:solidFill>
+                  <a:srgbClr val="D3AF86"/>
+                </a:solidFill>
+                <a:latin typeface="Consolas" panose="020B0609020204030204" pitchFamily="49" charset="0"/>
+              </a:rPr>
+              <a:t> });</a:t>
+            </a:r>
+            <a:endParaRPr lang="en-US" sz="2000" b="0" dirty="0">
+              <a:solidFill>
+                <a:srgbClr val="D3AF86"/>
+              </a:solidFill>
+              <a:effectLst/>
+              <a:latin typeface="Consolas" panose="020B0609020204030204" pitchFamily="49" charset="0"/>
+            </a:endParaRPr>
+          </a:p>
+        </p:txBody>
+      </p:sp>
     </p:spTree>
     <p:extLst>
       <p:ext uri="{BB962C8B-B14F-4D97-AF65-F5344CB8AC3E}">
@@ -16644,6 +17125,981 @@
           </a:fontRef>
         </p:style>
       </p:cxnSp>
+      <p:sp>
+        <p:nvSpPr>
+          <p:cNvPr id="3" name="Rectangle 2"/>
+          <p:cNvSpPr/>
+          <p:nvPr/>
+        </p:nvSpPr>
+        <p:spPr>
+          <a:xfrm>
+            <a:off x="152400" y="1676400"/>
+            <a:ext cx="8839200" cy="4770537"/>
+          </a:xfrm>
+          <a:prstGeom prst="rect">
+            <a:avLst/>
+          </a:prstGeom>
+        </p:spPr>
+        <p:txBody>
+          <a:bodyPr wrap="square">
+            <a:spAutoFit/>
+          </a:bodyPr>
+          <a:lstStyle/>
+          <a:p>
+            <a:r>
+              <a:rPr lang="en-US" sz="2000" dirty="0">
+                <a:solidFill>
+                  <a:srgbClr val="98676A"/>
+                </a:solidFill>
+                <a:latin typeface="Consolas" panose="020B0609020204030204" pitchFamily="49" charset="0"/>
+              </a:rPr>
+              <a:t>let</a:t>
+            </a:r>
+            <a:r>
+              <a:rPr lang="en-US" sz="2000" dirty="0">
+                <a:solidFill>
+                  <a:srgbClr val="D3AF86"/>
+                </a:solidFill>
+                <a:latin typeface="Consolas" panose="020B0609020204030204" pitchFamily="49" charset="0"/>
+              </a:rPr>
+              <a:t> </a:t>
+            </a:r>
+            <a:r>
+              <a:rPr lang="en-US" sz="2000" dirty="0">
+                <a:solidFill>
+                  <a:srgbClr val="8AB1B0"/>
+                </a:solidFill>
+                <a:latin typeface="Consolas" panose="020B0609020204030204" pitchFamily="49" charset="0"/>
+              </a:rPr>
+              <a:t>fn</a:t>
+            </a:r>
+            <a:r>
+              <a:rPr lang="en-US" sz="2000" dirty="0">
+                <a:solidFill>
+                  <a:srgbClr val="D3AF86"/>
+                </a:solidFill>
+                <a:latin typeface="Consolas" panose="020B0609020204030204" pitchFamily="49" charset="0"/>
+              </a:rPr>
+              <a:t> = (</a:t>
+            </a:r>
+            <a:r>
+              <a:rPr lang="en-US" sz="2000" dirty="0">
+                <a:solidFill>
+                  <a:srgbClr val="DC3958"/>
+                </a:solidFill>
+                <a:latin typeface="Consolas" panose="020B0609020204030204" pitchFamily="49" charset="0"/>
+              </a:rPr>
+              <a:t>a</a:t>
+            </a:r>
+            <a:r>
+              <a:rPr lang="en-US" sz="2000" dirty="0">
+                <a:solidFill>
+                  <a:srgbClr val="D3AF86"/>
+                </a:solidFill>
+                <a:latin typeface="Consolas" panose="020B0609020204030204" pitchFamily="49" charset="0"/>
+              </a:rPr>
+              <a:t>: { </a:t>
+            </a:r>
+            <a:r>
+              <a:rPr lang="en-US" sz="2000" dirty="0">
+                <a:solidFill>
+                  <a:srgbClr val="DC3958"/>
+                </a:solidFill>
+                <a:latin typeface="Consolas" panose="020B0609020204030204" pitchFamily="49" charset="0"/>
+              </a:rPr>
+              <a:t>_id</a:t>
+            </a:r>
+            <a:r>
+              <a:rPr lang="en-US" sz="2000" dirty="0">
+                <a:solidFill>
+                  <a:srgbClr val="D3AF86"/>
+                </a:solidFill>
+                <a:latin typeface="Consolas" panose="020B0609020204030204" pitchFamily="49" charset="0"/>
+              </a:rPr>
+              <a:t>:number, </a:t>
+            </a:r>
+            <a:r>
+              <a:rPr lang="en-US" sz="2000" dirty="0">
+                <a:solidFill>
+                  <a:srgbClr val="DC3958"/>
+                </a:solidFill>
+                <a:latin typeface="Consolas" panose="020B0609020204030204" pitchFamily="49" charset="0"/>
+              </a:rPr>
+              <a:t>_firstName</a:t>
+            </a:r>
+            <a:r>
+              <a:rPr lang="en-US" sz="2000" dirty="0">
+                <a:solidFill>
+                  <a:srgbClr val="D3AF86"/>
+                </a:solidFill>
+                <a:latin typeface="Consolas" panose="020B0609020204030204" pitchFamily="49" charset="0"/>
+              </a:rPr>
+              <a:t>:string, </a:t>
+            </a:r>
+            <a:r>
+              <a:rPr lang="en-US" sz="2000" dirty="0">
+                <a:solidFill>
+                  <a:srgbClr val="DC3958"/>
+                </a:solidFill>
+                <a:latin typeface="Consolas" panose="020B0609020204030204" pitchFamily="49" charset="0"/>
+              </a:rPr>
+              <a:t>_age</a:t>
+            </a:r>
+            <a:r>
+              <a:rPr lang="en-US" sz="2000" dirty="0">
+                <a:solidFill>
+                  <a:srgbClr val="D3AF86"/>
+                </a:solidFill>
+                <a:latin typeface="Consolas" panose="020B0609020204030204" pitchFamily="49" charset="0"/>
+              </a:rPr>
+              <a:t>:number</a:t>
+            </a:r>
+            <a:r>
+              <a:rPr lang="en-US" sz="2000" dirty="0" smtClean="0">
+                <a:solidFill>
+                  <a:srgbClr val="D3AF86"/>
+                </a:solidFill>
+                <a:latin typeface="Consolas" panose="020B0609020204030204" pitchFamily="49" charset="0"/>
+              </a:rPr>
+              <a:t>, </a:t>
+            </a:r>
+            <a:r>
+              <a:rPr lang="en-US" sz="2000" dirty="0" smtClean="0">
+                <a:solidFill>
+                  <a:srgbClr val="DC3958"/>
+                </a:solidFill>
+                <a:latin typeface="Consolas" panose="020B0609020204030204" pitchFamily="49" charset="0"/>
+              </a:rPr>
+              <a:t>_</a:t>
+            </a:r>
+            <a:r>
+              <a:rPr lang="en-US" sz="2000" dirty="0">
+                <a:solidFill>
+                  <a:srgbClr val="DC3958"/>
+                </a:solidFill>
+                <a:latin typeface="Consolas" panose="020B0609020204030204" pitchFamily="49" charset="0"/>
+              </a:rPr>
+              <a:t>canVote</a:t>
+            </a:r>
+            <a:r>
+              <a:rPr lang="en-US" sz="2000" dirty="0">
+                <a:solidFill>
+                  <a:srgbClr val="D3AF86"/>
+                </a:solidFill>
+                <a:latin typeface="Consolas" panose="020B0609020204030204" pitchFamily="49" charset="0"/>
+              </a:rPr>
+              <a:t>:boolean}[]) :void </a:t>
+            </a:r>
+            <a:r>
+              <a:rPr lang="en-US" sz="2000" dirty="0">
+                <a:solidFill>
+                  <a:srgbClr val="98676A"/>
+                </a:solidFill>
+                <a:latin typeface="Consolas" panose="020B0609020204030204" pitchFamily="49" charset="0"/>
+              </a:rPr>
+              <a:t>=&gt;</a:t>
+            </a:r>
+            <a:r>
+              <a:rPr lang="en-US" sz="2000" dirty="0">
+                <a:solidFill>
+                  <a:srgbClr val="D3AF86"/>
+                </a:solidFill>
+                <a:latin typeface="Consolas" panose="020B0609020204030204" pitchFamily="49" charset="0"/>
+              </a:rPr>
+              <a:t> {</a:t>
+            </a:r>
+          </a:p>
+          <a:p>
+            <a:r>
+              <a:rPr lang="en-US" sz="2000" dirty="0" smtClean="0">
+                <a:solidFill>
+                  <a:srgbClr val="98676A"/>
+                </a:solidFill>
+                <a:latin typeface="Consolas" panose="020B0609020204030204" pitchFamily="49" charset="0"/>
+              </a:rPr>
+              <a:t>    for</a:t>
+            </a:r>
+            <a:r>
+              <a:rPr lang="en-US" sz="2000" dirty="0" smtClean="0">
+                <a:solidFill>
+                  <a:srgbClr val="D3AF86"/>
+                </a:solidFill>
+                <a:latin typeface="Consolas" panose="020B0609020204030204" pitchFamily="49" charset="0"/>
+              </a:rPr>
+              <a:t> </a:t>
+            </a:r>
+            <a:r>
+              <a:rPr lang="en-US" sz="2000" dirty="0">
+                <a:solidFill>
+                  <a:srgbClr val="D3AF86"/>
+                </a:solidFill>
+                <a:latin typeface="Consolas" panose="020B0609020204030204" pitchFamily="49" charset="0"/>
+              </a:rPr>
+              <a:t>(</a:t>
+            </a:r>
+            <a:r>
+              <a:rPr lang="en-US" sz="2000" dirty="0">
+                <a:solidFill>
+                  <a:srgbClr val="98676A"/>
+                </a:solidFill>
+                <a:latin typeface="Consolas" panose="020B0609020204030204" pitchFamily="49" charset="0"/>
+              </a:rPr>
+              <a:t>const</a:t>
+            </a:r>
+            <a:r>
+              <a:rPr lang="en-US" sz="2000" dirty="0">
+                <a:solidFill>
+                  <a:srgbClr val="D3AF86"/>
+                </a:solidFill>
+                <a:latin typeface="Consolas" panose="020B0609020204030204" pitchFamily="49" charset="0"/>
+              </a:rPr>
+              <a:t> </a:t>
+            </a:r>
+            <a:r>
+              <a:rPr lang="en-US" sz="2000" dirty="0">
+                <a:solidFill>
+                  <a:srgbClr val="DC3958"/>
+                </a:solidFill>
+                <a:latin typeface="Consolas" panose="020B0609020204030204" pitchFamily="49" charset="0"/>
+              </a:rPr>
+              <a:t>key</a:t>
+            </a:r>
+            <a:r>
+              <a:rPr lang="en-US" sz="2000" dirty="0">
+                <a:solidFill>
+                  <a:srgbClr val="D3AF86"/>
+                </a:solidFill>
+                <a:latin typeface="Consolas" panose="020B0609020204030204" pitchFamily="49" charset="0"/>
+              </a:rPr>
+              <a:t> in </a:t>
+            </a:r>
+            <a:r>
+              <a:rPr lang="en-US" sz="2000" dirty="0">
+                <a:solidFill>
+                  <a:srgbClr val="DC3958"/>
+                </a:solidFill>
+                <a:latin typeface="Consolas" panose="020B0609020204030204" pitchFamily="49" charset="0"/>
+              </a:rPr>
+              <a:t>a</a:t>
+            </a:r>
+            <a:r>
+              <a:rPr lang="en-US" sz="2000" dirty="0">
+                <a:solidFill>
+                  <a:srgbClr val="D3AF86"/>
+                </a:solidFill>
+                <a:latin typeface="Consolas" panose="020B0609020204030204" pitchFamily="49" charset="0"/>
+              </a:rPr>
+              <a:t>) {</a:t>
+            </a:r>
+          </a:p>
+          <a:p>
+            <a:r>
+              <a:rPr lang="en-US" sz="2000" dirty="0" smtClean="0">
+                <a:solidFill>
+                  <a:srgbClr val="98676A"/>
+                </a:solidFill>
+                <a:latin typeface="Consolas" panose="020B0609020204030204" pitchFamily="49" charset="0"/>
+              </a:rPr>
+              <a:t>        const</a:t>
+            </a:r>
+            <a:r>
+              <a:rPr lang="en-US" sz="2000" dirty="0" smtClean="0">
+                <a:solidFill>
+                  <a:srgbClr val="D3AF86"/>
+                </a:solidFill>
+                <a:latin typeface="Consolas" panose="020B0609020204030204" pitchFamily="49" charset="0"/>
+              </a:rPr>
+              <a:t> </a:t>
+            </a:r>
+            <a:r>
+              <a:rPr lang="en-US" sz="2000" dirty="0">
+                <a:solidFill>
+                  <a:srgbClr val="DC3958"/>
+                </a:solidFill>
+                <a:latin typeface="Consolas" panose="020B0609020204030204" pitchFamily="49" charset="0"/>
+              </a:rPr>
+              <a:t>element</a:t>
+            </a:r>
+            <a:r>
+              <a:rPr lang="en-US" sz="2000" dirty="0">
+                <a:solidFill>
+                  <a:srgbClr val="D3AF86"/>
+                </a:solidFill>
+                <a:latin typeface="Consolas" panose="020B0609020204030204" pitchFamily="49" charset="0"/>
+              </a:rPr>
+              <a:t> = </a:t>
+            </a:r>
+            <a:r>
+              <a:rPr lang="en-US" sz="2000" dirty="0">
+                <a:solidFill>
+                  <a:srgbClr val="DC3958"/>
+                </a:solidFill>
+                <a:latin typeface="Consolas" panose="020B0609020204030204" pitchFamily="49" charset="0"/>
+              </a:rPr>
+              <a:t>a</a:t>
+            </a:r>
+            <a:r>
+              <a:rPr lang="en-US" sz="2000" dirty="0">
+                <a:solidFill>
+                  <a:srgbClr val="D3AF86"/>
+                </a:solidFill>
+                <a:latin typeface="Consolas" panose="020B0609020204030204" pitchFamily="49" charset="0"/>
+              </a:rPr>
+              <a:t>[</a:t>
+            </a:r>
+            <a:r>
+              <a:rPr lang="en-US" sz="2000" dirty="0">
+                <a:solidFill>
+                  <a:srgbClr val="DC3958"/>
+                </a:solidFill>
+                <a:latin typeface="Consolas" panose="020B0609020204030204" pitchFamily="49" charset="0"/>
+              </a:rPr>
+              <a:t>key</a:t>
+            </a:r>
+            <a:r>
+              <a:rPr lang="en-US" sz="2000" dirty="0">
+                <a:solidFill>
+                  <a:srgbClr val="D3AF86"/>
+                </a:solidFill>
+                <a:latin typeface="Consolas" panose="020B0609020204030204" pitchFamily="49" charset="0"/>
+              </a:rPr>
+              <a:t>];</a:t>
+            </a:r>
+          </a:p>
+          <a:p>
+            <a:r>
+              <a:rPr lang="en-US" sz="2000" dirty="0" smtClean="0">
+                <a:solidFill>
+                  <a:srgbClr val="F06431"/>
+                </a:solidFill>
+                <a:latin typeface="Consolas" panose="020B0609020204030204" pitchFamily="49" charset="0"/>
+              </a:rPr>
+              <a:t>        console</a:t>
+            </a:r>
+            <a:r>
+              <a:rPr lang="en-US" sz="2000" dirty="0" smtClean="0">
+                <a:solidFill>
+                  <a:srgbClr val="D3AF86"/>
+                </a:solidFill>
+                <a:latin typeface="Consolas" panose="020B0609020204030204" pitchFamily="49" charset="0"/>
+              </a:rPr>
+              <a:t>.</a:t>
+            </a:r>
+            <a:r>
+              <a:rPr lang="en-US" sz="2000" dirty="0" smtClean="0">
+                <a:solidFill>
+                  <a:srgbClr val="7E602C"/>
+                </a:solidFill>
+                <a:latin typeface="Consolas" panose="020B0609020204030204" pitchFamily="49" charset="0"/>
+              </a:rPr>
+              <a:t>log</a:t>
+            </a:r>
+            <a:r>
+              <a:rPr lang="en-US" sz="2000" dirty="0">
+                <a:solidFill>
+                  <a:srgbClr val="D3AF86"/>
+                </a:solidFill>
+                <a:latin typeface="Consolas" panose="020B0609020204030204" pitchFamily="49" charset="0"/>
+              </a:rPr>
+              <a:t>('</a:t>
+            </a:r>
+            <a:r>
+              <a:rPr lang="en-US" sz="2000" dirty="0">
+                <a:solidFill>
+                  <a:srgbClr val="889B4A"/>
+                </a:solidFill>
+                <a:latin typeface="Consolas" panose="020B0609020204030204" pitchFamily="49" charset="0"/>
+              </a:rPr>
+              <a:t>-----------------------------</a:t>
+            </a:r>
+            <a:r>
+              <a:rPr lang="en-US" sz="2000" dirty="0">
+                <a:solidFill>
+                  <a:srgbClr val="D3AF86"/>
+                </a:solidFill>
+                <a:latin typeface="Consolas" panose="020B0609020204030204" pitchFamily="49" charset="0"/>
+              </a:rPr>
+              <a:t>');</a:t>
+            </a:r>
+          </a:p>
+          <a:p>
+            <a:r>
+              <a:rPr lang="en-US" sz="2000" dirty="0" smtClean="0">
+                <a:solidFill>
+                  <a:srgbClr val="F06431"/>
+                </a:solidFill>
+                <a:latin typeface="Consolas" panose="020B0609020204030204" pitchFamily="49" charset="0"/>
+              </a:rPr>
+              <a:t>        console</a:t>
+            </a:r>
+            <a:r>
+              <a:rPr lang="en-US" sz="2000" dirty="0" smtClean="0">
+                <a:solidFill>
+                  <a:srgbClr val="D3AF86"/>
+                </a:solidFill>
+                <a:latin typeface="Consolas" panose="020B0609020204030204" pitchFamily="49" charset="0"/>
+              </a:rPr>
+              <a:t>.</a:t>
+            </a:r>
+            <a:r>
+              <a:rPr lang="en-US" sz="2000" dirty="0" smtClean="0">
+                <a:solidFill>
+                  <a:srgbClr val="7E602C"/>
+                </a:solidFill>
+                <a:latin typeface="Consolas" panose="020B0609020204030204" pitchFamily="49" charset="0"/>
+              </a:rPr>
+              <a:t>log</a:t>
+            </a:r>
+            <a:r>
+              <a:rPr lang="en-US" sz="2000" dirty="0" smtClean="0">
+                <a:solidFill>
+                  <a:srgbClr val="D3AF86"/>
+                </a:solidFill>
+                <a:latin typeface="Consolas" panose="020B0609020204030204" pitchFamily="49" charset="0"/>
+              </a:rPr>
+              <a:t>( </a:t>
+            </a:r>
+            <a:r>
+              <a:rPr lang="en-US" sz="2000" dirty="0" smtClean="0">
+                <a:solidFill>
+                  <a:srgbClr val="DC3958"/>
+                </a:solidFill>
+                <a:latin typeface="Consolas" panose="020B0609020204030204" pitchFamily="49" charset="0"/>
+              </a:rPr>
+              <a:t>element</a:t>
+            </a:r>
+            <a:r>
+              <a:rPr lang="en-US" sz="2000" dirty="0">
+                <a:solidFill>
+                  <a:srgbClr val="D3AF86"/>
+                </a:solidFill>
+                <a:latin typeface="Consolas" panose="020B0609020204030204" pitchFamily="49" charset="0"/>
+              </a:rPr>
+              <a:t>.</a:t>
+            </a:r>
+            <a:r>
+              <a:rPr lang="en-US" sz="2000" dirty="0">
+                <a:solidFill>
+                  <a:srgbClr val="DC3958"/>
+                </a:solidFill>
+                <a:latin typeface="Consolas" panose="020B0609020204030204" pitchFamily="49" charset="0"/>
+              </a:rPr>
+              <a:t>_id</a:t>
+            </a:r>
+            <a:r>
+              <a:rPr lang="en-US" sz="2000" dirty="0">
+                <a:solidFill>
+                  <a:srgbClr val="D3AF86"/>
+                </a:solidFill>
+                <a:latin typeface="Consolas" panose="020B0609020204030204" pitchFamily="49" charset="0"/>
+              </a:rPr>
+              <a:t>);</a:t>
+            </a:r>
+          </a:p>
+          <a:p>
+            <a:r>
+              <a:rPr lang="en-US" sz="2000" dirty="0" smtClean="0">
+                <a:solidFill>
+                  <a:srgbClr val="F06431"/>
+                </a:solidFill>
+                <a:latin typeface="Consolas" panose="020B0609020204030204" pitchFamily="49" charset="0"/>
+              </a:rPr>
+              <a:t>        console</a:t>
+            </a:r>
+            <a:r>
+              <a:rPr lang="en-US" sz="2000" dirty="0" smtClean="0">
+                <a:solidFill>
+                  <a:srgbClr val="D3AF86"/>
+                </a:solidFill>
+                <a:latin typeface="Consolas" panose="020B0609020204030204" pitchFamily="49" charset="0"/>
+              </a:rPr>
+              <a:t>.</a:t>
+            </a:r>
+            <a:r>
+              <a:rPr lang="en-US" sz="2000" dirty="0" smtClean="0">
+                <a:solidFill>
+                  <a:srgbClr val="7E602C"/>
+                </a:solidFill>
+                <a:latin typeface="Consolas" panose="020B0609020204030204" pitchFamily="49" charset="0"/>
+              </a:rPr>
+              <a:t>log</a:t>
+            </a:r>
+            <a:r>
+              <a:rPr lang="en-US" sz="2000" dirty="0" smtClean="0">
+                <a:solidFill>
+                  <a:srgbClr val="D3AF86"/>
+                </a:solidFill>
+                <a:latin typeface="Consolas" panose="020B0609020204030204" pitchFamily="49" charset="0"/>
+              </a:rPr>
+              <a:t>( </a:t>
+            </a:r>
+            <a:r>
+              <a:rPr lang="en-US" sz="2000" dirty="0" smtClean="0">
+                <a:solidFill>
+                  <a:srgbClr val="DC3958"/>
+                </a:solidFill>
+                <a:latin typeface="Consolas" panose="020B0609020204030204" pitchFamily="49" charset="0"/>
+              </a:rPr>
+              <a:t>element</a:t>
+            </a:r>
+            <a:r>
+              <a:rPr lang="en-US" sz="2000" dirty="0">
+                <a:solidFill>
+                  <a:srgbClr val="D3AF86"/>
+                </a:solidFill>
+                <a:latin typeface="Consolas" panose="020B0609020204030204" pitchFamily="49" charset="0"/>
+              </a:rPr>
+              <a:t>.</a:t>
+            </a:r>
+            <a:r>
+              <a:rPr lang="en-US" sz="2000" dirty="0">
+                <a:solidFill>
+                  <a:srgbClr val="DC3958"/>
+                </a:solidFill>
+                <a:latin typeface="Consolas" panose="020B0609020204030204" pitchFamily="49" charset="0"/>
+              </a:rPr>
+              <a:t>_firstName</a:t>
+            </a:r>
+            <a:r>
+              <a:rPr lang="en-US" sz="2000" dirty="0">
+                <a:solidFill>
+                  <a:srgbClr val="D3AF86"/>
+                </a:solidFill>
+                <a:latin typeface="Consolas" panose="020B0609020204030204" pitchFamily="49" charset="0"/>
+              </a:rPr>
+              <a:t>);</a:t>
+            </a:r>
+          </a:p>
+          <a:p>
+            <a:r>
+              <a:rPr lang="en-US" sz="2000" dirty="0" smtClean="0">
+                <a:solidFill>
+                  <a:srgbClr val="F06431"/>
+                </a:solidFill>
+                <a:latin typeface="Consolas" panose="020B0609020204030204" pitchFamily="49" charset="0"/>
+              </a:rPr>
+              <a:t>        console</a:t>
+            </a:r>
+            <a:r>
+              <a:rPr lang="en-US" sz="2000" dirty="0" smtClean="0">
+                <a:solidFill>
+                  <a:srgbClr val="D3AF86"/>
+                </a:solidFill>
+                <a:latin typeface="Consolas" panose="020B0609020204030204" pitchFamily="49" charset="0"/>
+              </a:rPr>
+              <a:t>.</a:t>
+            </a:r>
+            <a:r>
+              <a:rPr lang="en-US" sz="2000" dirty="0" smtClean="0">
+                <a:solidFill>
+                  <a:srgbClr val="7E602C"/>
+                </a:solidFill>
+                <a:latin typeface="Consolas" panose="020B0609020204030204" pitchFamily="49" charset="0"/>
+              </a:rPr>
+              <a:t>log</a:t>
+            </a:r>
+            <a:r>
+              <a:rPr lang="en-US" sz="2000" dirty="0" smtClean="0">
+                <a:solidFill>
+                  <a:srgbClr val="D3AF86"/>
+                </a:solidFill>
+                <a:latin typeface="Consolas" panose="020B0609020204030204" pitchFamily="49" charset="0"/>
+              </a:rPr>
+              <a:t>( </a:t>
+            </a:r>
+            <a:r>
+              <a:rPr lang="en-US" sz="2000" dirty="0" smtClean="0">
+                <a:solidFill>
+                  <a:srgbClr val="DC3958"/>
+                </a:solidFill>
+                <a:latin typeface="Consolas" panose="020B0609020204030204" pitchFamily="49" charset="0"/>
+              </a:rPr>
+              <a:t>element</a:t>
+            </a:r>
+            <a:r>
+              <a:rPr lang="en-US" sz="2000" dirty="0">
+                <a:solidFill>
+                  <a:srgbClr val="D3AF86"/>
+                </a:solidFill>
+                <a:latin typeface="Consolas" panose="020B0609020204030204" pitchFamily="49" charset="0"/>
+              </a:rPr>
+              <a:t>.</a:t>
+            </a:r>
+            <a:r>
+              <a:rPr lang="en-US" sz="2000" dirty="0">
+                <a:solidFill>
+                  <a:srgbClr val="DC3958"/>
+                </a:solidFill>
+                <a:latin typeface="Consolas" panose="020B0609020204030204" pitchFamily="49" charset="0"/>
+              </a:rPr>
+              <a:t>_age</a:t>
+            </a:r>
+            <a:r>
+              <a:rPr lang="en-US" sz="2000" dirty="0">
+                <a:solidFill>
+                  <a:srgbClr val="D3AF86"/>
+                </a:solidFill>
+                <a:latin typeface="Consolas" panose="020B0609020204030204" pitchFamily="49" charset="0"/>
+              </a:rPr>
+              <a:t>);</a:t>
+            </a:r>
+          </a:p>
+          <a:p>
+            <a:r>
+              <a:rPr lang="en-US" sz="2000" dirty="0" smtClean="0">
+                <a:solidFill>
+                  <a:srgbClr val="F06431"/>
+                </a:solidFill>
+                <a:latin typeface="Consolas" panose="020B0609020204030204" pitchFamily="49" charset="0"/>
+              </a:rPr>
+              <a:t>        console</a:t>
+            </a:r>
+            <a:r>
+              <a:rPr lang="en-US" sz="2000" dirty="0" smtClean="0">
+                <a:solidFill>
+                  <a:srgbClr val="D3AF86"/>
+                </a:solidFill>
+                <a:latin typeface="Consolas" panose="020B0609020204030204" pitchFamily="49" charset="0"/>
+              </a:rPr>
+              <a:t>.</a:t>
+            </a:r>
+            <a:r>
+              <a:rPr lang="en-US" sz="2000" dirty="0" smtClean="0">
+                <a:solidFill>
+                  <a:srgbClr val="7E602C"/>
+                </a:solidFill>
+                <a:latin typeface="Consolas" panose="020B0609020204030204" pitchFamily="49" charset="0"/>
+              </a:rPr>
+              <a:t>log</a:t>
+            </a:r>
+            <a:r>
+              <a:rPr lang="en-US" sz="2000" dirty="0" smtClean="0">
+                <a:solidFill>
+                  <a:srgbClr val="D3AF86"/>
+                </a:solidFill>
+                <a:latin typeface="Consolas" panose="020B0609020204030204" pitchFamily="49" charset="0"/>
+              </a:rPr>
+              <a:t>( </a:t>
+            </a:r>
+            <a:r>
+              <a:rPr lang="en-US" sz="2000" dirty="0" smtClean="0">
+                <a:solidFill>
+                  <a:srgbClr val="DC3958"/>
+                </a:solidFill>
+                <a:latin typeface="Consolas" panose="020B0609020204030204" pitchFamily="49" charset="0"/>
+              </a:rPr>
+              <a:t>element</a:t>
+            </a:r>
+            <a:r>
+              <a:rPr lang="en-US" sz="2000" dirty="0">
+                <a:solidFill>
+                  <a:srgbClr val="D3AF86"/>
+                </a:solidFill>
+                <a:latin typeface="Consolas" panose="020B0609020204030204" pitchFamily="49" charset="0"/>
+              </a:rPr>
+              <a:t>.</a:t>
+            </a:r>
+            <a:r>
+              <a:rPr lang="en-US" sz="2000" dirty="0">
+                <a:solidFill>
+                  <a:srgbClr val="DC3958"/>
+                </a:solidFill>
+                <a:latin typeface="Consolas" panose="020B0609020204030204" pitchFamily="49" charset="0"/>
+              </a:rPr>
+              <a:t>_canVote</a:t>
+            </a:r>
+            <a:r>
+              <a:rPr lang="en-US" sz="2000" dirty="0">
+                <a:solidFill>
+                  <a:srgbClr val="D3AF86"/>
+                </a:solidFill>
+                <a:latin typeface="Consolas" panose="020B0609020204030204" pitchFamily="49" charset="0"/>
+              </a:rPr>
+              <a:t>);</a:t>
+            </a:r>
+          </a:p>
+          <a:p>
+            <a:r>
+              <a:rPr lang="en-US" sz="2000" dirty="0" smtClean="0">
+                <a:solidFill>
+                  <a:srgbClr val="D3AF86"/>
+                </a:solidFill>
+                <a:latin typeface="Consolas" panose="020B0609020204030204" pitchFamily="49" charset="0"/>
+              </a:rPr>
+              <a:t>    }</a:t>
+            </a:r>
+            <a:endParaRPr lang="en-US" sz="2000" dirty="0">
+              <a:solidFill>
+                <a:srgbClr val="D3AF86"/>
+              </a:solidFill>
+              <a:latin typeface="Consolas" panose="020B0609020204030204" pitchFamily="49" charset="0"/>
+            </a:endParaRPr>
+          </a:p>
+          <a:p>
+            <a:r>
+              <a:rPr lang="en-US" sz="2000" dirty="0">
+                <a:solidFill>
+                  <a:srgbClr val="D3AF86"/>
+                </a:solidFill>
+                <a:latin typeface="Consolas" panose="020B0609020204030204" pitchFamily="49" charset="0"/>
+              </a:rPr>
+              <a:t>}</a:t>
+            </a:r>
+          </a:p>
+          <a:p>
+            <a:r>
+              <a:rPr lang="en-US" sz="2000" dirty="0">
+                <a:solidFill>
+                  <a:srgbClr val="8AB1B0"/>
+                </a:solidFill>
+                <a:latin typeface="Consolas" panose="020B0609020204030204" pitchFamily="49" charset="0"/>
+              </a:rPr>
+              <a:t>fn</a:t>
+            </a:r>
+            <a:r>
+              <a:rPr lang="en-US" sz="2000" dirty="0">
+                <a:solidFill>
+                  <a:srgbClr val="D3AF86"/>
+                </a:solidFill>
+                <a:latin typeface="Consolas" panose="020B0609020204030204" pitchFamily="49" charset="0"/>
+              </a:rPr>
+              <a:t>([{ _id: </a:t>
+            </a:r>
+            <a:r>
+              <a:rPr lang="en-US" sz="2000" dirty="0">
+                <a:solidFill>
+                  <a:srgbClr val="F79A32"/>
+                </a:solidFill>
+                <a:latin typeface="Consolas" panose="020B0609020204030204" pitchFamily="49" charset="0"/>
+              </a:rPr>
+              <a:t>1001</a:t>
+            </a:r>
+            <a:r>
+              <a:rPr lang="en-US" sz="2000" dirty="0">
+                <a:solidFill>
+                  <a:srgbClr val="D3AF86"/>
+                </a:solidFill>
+                <a:latin typeface="Consolas" panose="020B0609020204030204" pitchFamily="49" charset="0"/>
+              </a:rPr>
+              <a:t>, _firstName: '</a:t>
+            </a:r>
+            <a:r>
+              <a:rPr lang="en-US" sz="2000" dirty="0">
+                <a:solidFill>
+                  <a:srgbClr val="889B4A"/>
+                </a:solidFill>
+                <a:latin typeface="Consolas" panose="020B0609020204030204" pitchFamily="49" charset="0"/>
+              </a:rPr>
+              <a:t>saleel bagde</a:t>
+            </a:r>
+            <a:r>
+              <a:rPr lang="en-US" sz="2000" dirty="0">
+                <a:solidFill>
+                  <a:srgbClr val="D3AF86"/>
+                </a:solidFill>
+                <a:latin typeface="Consolas" panose="020B0609020204030204" pitchFamily="49" charset="0"/>
+              </a:rPr>
+              <a:t>', _age: </a:t>
+            </a:r>
+            <a:r>
+              <a:rPr lang="en-US" sz="2000" dirty="0">
+                <a:solidFill>
+                  <a:srgbClr val="F79A32"/>
+                </a:solidFill>
+                <a:latin typeface="Consolas" panose="020B0609020204030204" pitchFamily="49" charset="0"/>
+              </a:rPr>
+              <a:t>50</a:t>
+            </a:r>
+            <a:r>
+              <a:rPr lang="en-US" sz="2000" dirty="0">
+                <a:solidFill>
+                  <a:srgbClr val="D3AF86"/>
+                </a:solidFill>
+                <a:latin typeface="Consolas" panose="020B0609020204030204" pitchFamily="49" charset="0"/>
+              </a:rPr>
+              <a:t>, _canVote: </a:t>
+            </a:r>
+            <a:r>
+              <a:rPr lang="en-US" sz="2000" dirty="0">
+                <a:solidFill>
+                  <a:srgbClr val="F79A32"/>
+                </a:solidFill>
+                <a:latin typeface="Consolas" panose="020B0609020204030204" pitchFamily="49" charset="0"/>
+              </a:rPr>
+              <a:t>true</a:t>
+            </a:r>
+            <a:r>
+              <a:rPr lang="en-US" sz="2000" dirty="0">
+                <a:solidFill>
+                  <a:srgbClr val="D3AF86"/>
+                </a:solidFill>
+                <a:latin typeface="Consolas" panose="020B0609020204030204" pitchFamily="49" charset="0"/>
+              </a:rPr>
+              <a:t> }, { _id:</a:t>
+            </a:r>
+            <a:r>
+              <a:rPr lang="en-US" sz="2000" dirty="0">
+                <a:solidFill>
+                  <a:srgbClr val="F79A32"/>
+                </a:solidFill>
+                <a:latin typeface="Consolas" panose="020B0609020204030204" pitchFamily="49" charset="0"/>
+              </a:rPr>
+              <a:t>1002</a:t>
+            </a:r>
+            <a:r>
+              <a:rPr lang="en-US" sz="2000" dirty="0">
+                <a:solidFill>
+                  <a:srgbClr val="D3AF86"/>
+                </a:solidFill>
+                <a:latin typeface="Consolas" panose="020B0609020204030204" pitchFamily="49" charset="0"/>
+              </a:rPr>
+              <a:t>, _firstName: '</a:t>
+            </a:r>
+            <a:r>
+              <a:rPr lang="en-US" sz="2000" dirty="0" smtClean="0">
+                <a:solidFill>
+                  <a:srgbClr val="889B4A"/>
+                </a:solidFill>
+                <a:latin typeface="Consolas" panose="020B0609020204030204" pitchFamily="49" charset="0"/>
+              </a:rPr>
+              <a:t>vrushali </a:t>
+            </a:r>
+            <a:r>
+              <a:rPr lang="en-US" sz="2000" dirty="0">
+                <a:solidFill>
+                  <a:srgbClr val="889B4A"/>
+                </a:solidFill>
+                <a:latin typeface="Consolas" panose="020B0609020204030204" pitchFamily="49" charset="0"/>
+              </a:rPr>
+              <a:t>bagde</a:t>
+            </a:r>
+            <a:r>
+              <a:rPr lang="en-US" sz="2000" dirty="0">
+                <a:solidFill>
+                  <a:srgbClr val="D3AF86"/>
+                </a:solidFill>
+                <a:latin typeface="Consolas" panose="020B0609020204030204" pitchFamily="49" charset="0"/>
+              </a:rPr>
+              <a:t>', _age: </a:t>
+            </a:r>
+            <a:r>
+              <a:rPr lang="en-US" sz="2000" dirty="0">
+                <a:solidFill>
+                  <a:srgbClr val="F79A32"/>
+                </a:solidFill>
+                <a:latin typeface="Consolas" panose="020B0609020204030204" pitchFamily="49" charset="0"/>
+              </a:rPr>
+              <a:t>49</a:t>
+            </a:r>
+            <a:r>
+              <a:rPr lang="en-US" sz="2000" dirty="0">
+                <a:solidFill>
+                  <a:srgbClr val="D3AF86"/>
+                </a:solidFill>
+                <a:latin typeface="Consolas" panose="020B0609020204030204" pitchFamily="49" charset="0"/>
+              </a:rPr>
+              <a:t>, _canVote: </a:t>
+            </a:r>
+            <a:r>
+              <a:rPr lang="en-US" sz="2000" dirty="0">
+                <a:solidFill>
+                  <a:srgbClr val="F79A32"/>
+                </a:solidFill>
+                <a:latin typeface="Consolas" panose="020B0609020204030204" pitchFamily="49" charset="0"/>
+              </a:rPr>
+              <a:t>true</a:t>
+            </a:r>
+            <a:r>
+              <a:rPr lang="en-US" sz="2000" dirty="0">
+                <a:solidFill>
+                  <a:srgbClr val="D3AF86"/>
+                </a:solidFill>
+                <a:latin typeface="Consolas" panose="020B0609020204030204" pitchFamily="49" charset="0"/>
+              </a:rPr>
+              <a:t> }, { _id: </a:t>
+            </a:r>
+            <a:r>
+              <a:rPr lang="en-US" sz="2000" dirty="0">
+                <a:solidFill>
+                  <a:srgbClr val="F79A32"/>
+                </a:solidFill>
+                <a:latin typeface="Consolas" panose="020B0609020204030204" pitchFamily="49" charset="0"/>
+              </a:rPr>
+              <a:t>1003</a:t>
+            </a:r>
+            <a:r>
+              <a:rPr lang="en-US" sz="2000" dirty="0">
+                <a:solidFill>
+                  <a:srgbClr val="D3AF86"/>
+                </a:solidFill>
+                <a:latin typeface="Consolas" panose="020B0609020204030204" pitchFamily="49" charset="0"/>
+              </a:rPr>
+              <a:t> ,_firstName: '</a:t>
+            </a:r>
+            <a:r>
+              <a:rPr lang="en-US" sz="2000" dirty="0">
+                <a:solidFill>
+                  <a:srgbClr val="889B4A"/>
+                </a:solidFill>
+                <a:latin typeface="Consolas" panose="020B0609020204030204" pitchFamily="49" charset="0"/>
+              </a:rPr>
+              <a:t>sharmin bagde</a:t>
+            </a:r>
+            <a:r>
+              <a:rPr lang="en-US" sz="2000" dirty="0">
+                <a:solidFill>
+                  <a:srgbClr val="D3AF86"/>
+                </a:solidFill>
+                <a:latin typeface="Consolas" panose="020B0609020204030204" pitchFamily="49" charset="0"/>
+              </a:rPr>
+              <a:t>', _age: </a:t>
+            </a:r>
+            <a:r>
+              <a:rPr lang="en-US" sz="2000" dirty="0">
+                <a:solidFill>
+                  <a:srgbClr val="F79A32"/>
+                </a:solidFill>
+                <a:latin typeface="Consolas" panose="020B0609020204030204" pitchFamily="49" charset="0"/>
+              </a:rPr>
+              <a:t>19</a:t>
+            </a:r>
+            <a:r>
+              <a:rPr lang="en-US" sz="2000" dirty="0">
+                <a:solidFill>
+                  <a:srgbClr val="D3AF86"/>
+                </a:solidFill>
+                <a:latin typeface="Consolas" panose="020B0609020204030204" pitchFamily="49" charset="0"/>
+              </a:rPr>
+              <a:t>, _canVote: </a:t>
+            </a:r>
+            <a:r>
+              <a:rPr lang="en-US" sz="2000" dirty="0">
+                <a:solidFill>
+                  <a:srgbClr val="F79A32"/>
+                </a:solidFill>
+                <a:latin typeface="Consolas" panose="020B0609020204030204" pitchFamily="49" charset="0"/>
+              </a:rPr>
+              <a:t>true</a:t>
+            </a:r>
+            <a:r>
+              <a:rPr lang="en-US" sz="2000" dirty="0">
+                <a:solidFill>
+                  <a:srgbClr val="D3AF86"/>
+                </a:solidFill>
+                <a:latin typeface="Consolas" panose="020B0609020204030204" pitchFamily="49" charset="0"/>
+              </a:rPr>
+              <a:t> }]);</a:t>
+            </a:r>
+            <a:endParaRPr lang="en-US" sz="2000" b="0" dirty="0">
+              <a:solidFill>
+                <a:srgbClr val="D3AF86"/>
+              </a:solidFill>
+              <a:effectLst/>
+              <a:latin typeface="Consolas" panose="020B0609020204030204" pitchFamily="49" charset="0"/>
+            </a:endParaRPr>
+          </a:p>
+        </p:txBody>
+      </p:sp>
     </p:spTree>
     <p:extLst>
       <p:ext uri="{BB962C8B-B14F-4D97-AF65-F5344CB8AC3E}">
@@ -19358,6 +20814,1263 @@
           </a:lstStyle>
           <a:p>
             <a:r>
+              <a:rPr lang="en-IN" dirty="0" smtClean="0"/>
+              <a:t>callback function</a:t>
+            </a:r>
+            <a:endParaRPr lang="en-IN" dirty="0"/>
+          </a:p>
+        </p:txBody>
+      </p:sp>
+    </p:spTree>
+    <p:extLst>
+      <p:ext uri="{BB962C8B-B14F-4D97-AF65-F5344CB8AC3E}">
+        <p14:creationId xmlns:p14="http://schemas.microsoft.com/office/powerpoint/2010/main" val="3841433479"/>
+      </p:ext>
+    </p:extLst>
+  </p:cSld>
+  <p:clrMapOvr>
+    <a:masterClrMapping/>
+  </p:clrMapOvr>
+  <p:timing>
+    <p:tnLst>
+      <p:par>
+        <p:cTn id="1" dur="indefinite" restart="never" nodeType="tmRoot"/>
+      </p:par>
+    </p:tnLst>
+  </p:timing>
+</p:sld>
+</file>
+
+<file path=ppt/slides/slide37.xml><?xml version="1.0" encoding="utf-8"?>
+<p:sld xmlns:a="http://schemas.openxmlformats.org/drawingml/2006/main" xmlns:r="http://schemas.openxmlformats.org/officeDocument/2006/relationships" xmlns:p="http://schemas.openxmlformats.org/presentationml/2006/main">
+  <p:cSld>
+    <p:spTree>
+      <p:nvGrpSpPr>
+        <p:cNvPr id="1" name=""/>
+        <p:cNvGrpSpPr/>
+        <p:nvPr/>
+      </p:nvGrpSpPr>
+      <p:grpSpPr>
+        <a:xfrm>
+          <a:off x="0" y="0"/>
+          <a:ext cx="0" cy="0"/>
+          <a:chOff x="0" y="0"/>
+          <a:chExt cx="0" cy="0"/>
+        </a:xfrm>
+      </p:grpSpPr>
+      <p:sp>
+        <p:nvSpPr>
+          <p:cNvPr id="9" name="Rectangle 8"/>
+          <p:cNvSpPr/>
+          <p:nvPr/>
+        </p:nvSpPr>
+        <p:spPr>
+          <a:xfrm>
+            <a:off x="0" y="0"/>
+            <a:ext cx="9144000" cy="707886"/>
+          </a:xfrm>
+          <a:prstGeom prst="rect">
+            <a:avLst/>
+          </a:prstGeom>
+          <a:solidFill>
+            <a:srgbClr val="EAEF2D"/>
+          </a:solidFill>
+        </p:spPr>
+        <p:txBody>
+          <a:bodyPr wrap="square">
+            <a:spAutoFit/>
+          </a:bodyPr>
+          <a:lstStyle/>
+          <a:p>
+            <a:pPr algn="r"/>
+            <a:r>
+              <a:rPr lang="en-IN" sz="4000" dirty="0" smtClean="0">
+                <a:solidFill>
+                  <a:srgbClr val="00B050"/>
+                </a:solidFill>
+                <a:latin typeface="Segoe UI Light" panose="020B0502040204020203" pitchFamily="34" charset="0"/>
+                <a:cs typeface="Segoe UI Light" panose="020B0502040204020203" pitchFamily="34" charset="0"/>
+              </a:rPr>
+              <a:t>callback function</a:t>
+            </a:r>
+            <a:endParaRPr lang="en-IN" sz="4000" dirty="0">
+              <a:solidFill>
+                <a:srgbClr val="00B050"/>
+              </a:solidFill>
+              <a:latin typeface="Segoe UI Light" panose="020B0502040204020203" pitchFamily="34" charset="0"/>
+              <a:cs typeface="Segoe UI Light" panose="020B0502040204020203" pitchFamily="34" charset="0"/>
+            </a:endParaRPr>
+          </a:p>
+        </p:txBody>
+      </p:sp>
+      <p:sp>
+        <p:nvSpPr>
+          <p:cNvPr id="2" name="Rectangle 1"/>
+          <p:cNvSpPr/>
+          <p:nvPr/>
+        </p:nvSpPr>
+        <p:spPr>
+          <a:xfrm>
+            <a:off x="114300" y="838200"/>
+            <a:ext cx="8915400" cy="2616101"/>
+          </a:xfrm>
+          <a:prstGeom prst="rect">
+            <a:avLst/>
+          </a:prstGeom>
+        </p:spPr>
+        <p:txBody>
+          <a:bodyPr wrap="square">
+            <a:spAutoFit/>
+          </a:bodyPr>
+          <a:lstStyle/>
+          <a:p>
+            <a:r>
+              <a:rPr lang="en-US" sz="2000" dirty="0">
+                <a:solidFill>
+                  <a:srgbClr val="98676A"/>
+                </a:solidFill>
+                <a:latin typeface="Consolas" panose="020B0609020204030204" pitchFamily="49" charset="0"/>
+              </a:rPr>
+              <a:t>let</a:t>
+            </a:r>
+            <a:r>
+              <a:rPr lang="en-US" sz="2000" dirty="0">
+                <a:solidFill>
+                  <a:srgbClr val="D3AF86"/>
+                </a:solidFill>
+                <a:latin typeface="Consolas" panose="020B0609020204030204" pitchFamily="49" charset="0"/>
+              </a:rPr>
+              <a:t> </a:t>
+            </a:r>
+            <a:r>
+              <a:rPr lang="en-US" sz="2000" dirty="0">
+                <a:solidFill>
+                  <a:srgbClr val="8AB1B0"/>
+                </a:solidFill>
+                <a:latin typeface="Consolas" panose="020B0609020204030204" pitchFamily="49" charset="0"/>
+              </a:rPr>
+              <a:t>add</a:t>
+            </a:r>
+            <a:r>
+              <a:rPr lang="en-US" sz="2000" dirty="0">
+                <a:solidFill>
+                  <a:srgbClr val="D3AF86"/>
+                </a:solidFill>
+                <a:latin typeface="Consolas" panose="020B0609020204030204" pitchFamily="49" charset="0"/>
+              </a:rPr>
+              <a:t> = (</a:t>
+            </a:r>
+            <a:r>
+              <a:rPr lang="en-US" sz="2000" dirty="0">
+                <a:solidFill>
+                  <a:srgbClr val="DC3958"/>
+                </a:solidFill>
+                <a:latin typeface="Consolas" panose="020B0609020204030204" pitchFamily="49" charset="0"/>
+              </a:rPr>
+              <a:t>a</a:t>
+            </a:r>
+            <a:r>
+              <a:rPr lang="en-US" sz="2000" dirty="0">
+                <a:solidFill>
+                  <a:srgbClr val="D3AF86"/>
+                </a:solidFill>
+                <a:latin typeface="Consolas" panose="020B0609020204030204" pitchFamily="49" charset="0"/>
+              </a:rPr>
+              <a:t>: number, </a:t>
+            </a:r>
+            <a:r>
+              <a:rPr lang="en-US" sz="2000" dirty="0">
+                <a:solidFill>
+                  <a:srgbClr val="DC3958"/>
+                </a:solidFill>
+                <a:latin typeface="Consolas" panose="020B0609020204030204" pitchFamily="49" charset="0"/>
+              </a:rPr>
+              <a:t>b</a:t>
+            </a:r>
+            <a:r>
+              <a:rPr lang="en-US" sz="2000" dirty="0">
+                <a:solidFill>
+                  <a:srgbClr val="D3AF86"/>
+                </a:solidFill>
+                <a:latin typeface="Consolas" panose="020B0609020204030204" pitchFamily="49" charset="0"/>
+              </a:rPr>
+              <a:t>: number): number </a:t>
+            </a:r>
+            <a:r>
+              <a:rPr lang="en-US" sz="2000" dirty="0">
+                <a:solidFill>
+                  <a:srgbClr val="98676A"/>
+                </a:solidFill>
+                <a:latin typeface="Consolas" panose="020B0609020204030204" pitchFamily="49" charset="0"/>
+              </a:rPr>
+              <a:t>=&gt;</a:t>
+            </a:r>
+            <a:r>
+              <a:rPr lang="en-US" sz="2000" dirty="0">
+                <a:solidFill>
+                  <a:srgbClr val="D3AF86"/>
+                </a:solidFill>
+                <a:latin typeface="Consolas" panose="020B0609020204030204" pitchFamily="49" charset="0"/>
+              </a:rPr>
+              <a:t> {</a:t>
+            </a:r>
+          </a:p>
+          <a:p>
+            <a:r>
+              <a:rPr lang="en-US" sz="2000" dirty="0" smtClean="0">
+                <a:solidFill>
+                  <a:srgbClr val="98676A"/>
+                </a:solidFill>
+                <a:latin typeface="Consolas" panose="020B0609020204030204" pitchFamily="49" charset="0"/>
+              </a:rPr>
+              <a:t>    return</a:t>
+            </a:r>
+            <a:r>
+              <a:rPr lang="en-US" sz="2000" dirty="0" smtClean="0">
+                <a:solidFill>
+                  <a:srgbClr val="D3AF86"/>
+                </a:solidFill>
+                <a:latin typeface="Consolas" panose="020B0609020204030204" pitchFamily="49" charset="0"/>
+              </a:rPr>
+              <a:t> </a:t>
+            </a:r>
+            <a:r>
+              <a:rPr lang="en-US" sz="2000" dirty="0">
+                <a:solidFill>
+                  <a:srgbClr val="D3AF86"/>
+                </a:solidFill>
+                <a:latin typeface="Consolas" panose="020B0609020204030204" pitchFamily="49" charset="0"/>
+              </a:rPr>
+              <a:t>(</a:t>
+            </a:r>
+            <a:r>
+              <a:rPr lang="en-US" sz="2000" dirty="0">
+                <a:solidFill>
+                  <a:srgbClr val="DC3958"/>
+                </a:solidFill>
+                <a:latin typeface="Consolas" panose="020B0609020204030204" pitchFamily="49" charset="0"/>
+              </a:rPr>
+              <a:t>a</a:t>
+            </a:r>
+            <a:r>
+              <a:rPr lang="en-US" sz="2000" dirty="0">
+                <a:solidFill>
+                  <a:srgbClr val="D3AF86"/>
+                </a:solidFill>
+                <a:latin typeface="Consolas" panose="020B0609020204030204" pitchFamily="49" charset="0"/>
+              </a:rPr>
+              <a:t> + </a:t>
+            </a:r>
+            <a:r>
+              <a:rPr lang="en-US" sz="2000" dirty="0">
+                <a:solidFill>
+                  <a:srgbClr val="DC3958"/>
+                </a:solidFill>
+                <a:latin typeface="Consolas" panose="020B0609020204030204" pitchFamily="49" charset="0"/>
+              </a:rPr>
+              <a:t>b</a:t>
+            </a:r>
+            <a:r>
+              <a:rPr lang="en-US" sz="2000" dirty="0">
+                <a:solidFill>
+                  <a:srgbClr val="D3AF86"/>
+                </a:solidFill>
+                <a:latin typeface="Consolas" panose="020B0609020204030204" pitchFamily="49" charset="0"/>
+              </a:rPr>
+              <a:t>);</a:t>
+            </a:r>
+          </a:p>
+          <a:p>
+            <a:r>
+              <a:rPr lang="en-US" sz="2000" dirty="0">
+                <a:solidFill>
+                  <a:srgbClr val="D3AF86"/>
+                </a:solidFill>
+                <a:latin typeface="Consolas" panose="020B0609020204030204" pitchFamily="49" charset="0"/>
+              </a:rPr>
+              <a:t>}</a:t>
+            </a:r>
+          </a:p>
+          <a:p>
+            <a:r>
+              <a:rPr lang="en-US" sz="2000" dirty="0">
+                <a:solidFill>
+                  <a:srgbClr val="D3AF86"/>
+                </a:solidFill>
+                <a:latin typeface="Consolas" panose="020B0609020204030204" pitchFamily="49" charset="0"/>
+              </a:rPr>
+              <a:t/>
+            </a:r>
+            <a:br>
+              <a:rPr lang="en-US" sz="2000" dirty="0">
+                <a:solidFill>
+                  <a:srgbClr val="D3AF86"/>
+                </a:solidFill>
+                <a:latin typeface="Consolas" panose="020B0609020204030204" pitchFamily="49" charset="0"/>
+              </a:rPr>
+            </a:br>
+            <a:r>
+              <a:rPr lang="en-US" sz="2000" dirty="0">
+                <a:solidFill>
+                  <a:srgbClr val="98676A"/>
+                </a:solidFill>
+                <a:latin typeface="Consolas" panose="020B0609020204030204" pitchFamily="49" charset="0"/>
+              </a:rPr>
+              <a:t>let</a:t>
+            </a:r>
+            <a:r>
+              <a:rPr lang="en-US" sz="2000" dirty="0">
+                <a:solidFill>
+                  <a:srgbClr val="D3AF86"/>
+                </a:solidFill>
+                <a:latin typeface="Consolas" panose="020B0609020204030204" pitchFamily="49" charset="0"/>
+              </a:rPr>
+              <a:t> </a:t>
+            </a:r>
+            <a:r>
+              <a:rPr lang="en-US" sz="2000" dirty="0">
+                <a:solidFill>
+                  <a:srgbClr val="8AB1B0"/>
+                </a:solidFill>
+                <a:latin typeface="Consolas" panose="020B0609020204030204" pitchFamily="49" charset="0"/>
+              </a:rPr>
+              <a:t>call</a:t>
+            </a:r>
+            <a:r>
+              <a:rPr lang="en-US" sz="2000" dirty="0">
+                <a:solidFill>
+                  <a:srgbClr val="D3AF86"/>
+                </a:solidFill>
+                <a:latin typeface="Consolas" panose="020B0609020204030204" pitchFamily="49" charset="0"/>
+              </a:rPr>
+              <a:t> = (</a:t>
+            </a:r>
+            <a:r>
+              <a:rPr lang="en-US" sz="2000" dirty="0">
+                <a:solidFill>
+                  <a:srgbClr val="DC3958"/>
+                </a:solidFill>
+                <a:latin typeface="Consolas" panose="020B0609020204030204" pitchFamily="49" charset="0"/>
+              </a:rPr>
+              <a:t>a</a:t>
+            </a:r>
+            <a:r>
+              <a:rPr lang="en-US" sz="2000" dirty="0">
+                <a:solidFill>
+                  <a:srgbClr val="D3AF86"/>
+                </a:solidFill>
+                <a:latin typeface="Consolas" panose="020B0609020204030204" pitchFamily="49" charset="0"/>
+              </a:rPr>
+              <a:t>: number, </a:t>
+            </a:r>
+            <a:r>
+              <a:rPr lang="en-US" sz="2000" dirty="0">
+                <a:solidFill>
+                  <a:srgbClr val="DC3958"/>
+                </a:solidFill>
+                <a:latin typeface="Consolas" panose="020B0609020204030204" pitchFamily="49" charset="0"/>
+              </a:rPr>
+              <a:t>b</a:t>
+            </a:r>
+            <a:r>
+              <a:rPr lang="en-US" sz="2000" dirty="0">
+                <a:solidFill>
+                  <a:srgbClr val="D3AF86"/>
+                </a:solidFill>
+                <a:latin typeface="Consolas" panose="020B0609020204030204" pitchFamily="49" charset="0"/>
+              </a:rPr>
+              <a:t>: number, </a:t>
+            </a:r>
+            <a:r>
+              <a:rPr lang="en-US" sz="2000" dirty="0">
+                <a:solidFill>
+                  <a:srgbClr val="DC3958"/>
+                </a:solidFill>
+                <a:latin typeface="Consolas" panose="020B0609020204030204" pitchFamily="49" charset="0"/>
+              </a:rPr>
+              <a:t>callback</a:t>
+            </a:r>
+            <a:r>
+              <a:rPr lang="en-US" sz="2000" dirty="0">
+                <a:solidFill>
+                  <a:srgbClr val="D3AF86"/>
+                </a:solidFill>
+                <a:latin typeface="Consolas" panose="020B0609020204030204" pitchFamily="49" charset="0"/>
+              </a:rPr>
+              <a:t>) </a:t>
+            </a:r>
+            <a:r>
+              <a:rPr lang="en-US" sz="2000" dirty="0">
+                <a:solidFill>
+                  <a:srgbClr val="98676A"/>
+                </a:solidFill>
+                <a:latin typeface="Consolas" panose="020B0609020204030204" pitchFamily="49" charset="0"/>
+              </a:rPr>
+              <a:t>=&gt;</a:t>
+            </a:r>
+            <a:r>
+              <a:rPr lang="en-US" sz="2000" dirty="0">
+                <a:solidFill>
+                  <a:srgbClr val="D3AF86"/>
+                </a:solidFill>
+                <a:latin typeface="Consolas" panose="020B0609020204030204" pitchFamily="49" charset="0"/>
+              </a:rPr>
+              <a:t> {</a:t>
+            </a:r>
+          </a:p>
+          <a:p>
+            <a:r>
+              <a:rPr lang="en-US" sz="2000" dirty="0" smtClean="0">
+                <a:solidFill>
+                  <a:srgbClr val="98676A"/>
+                </a:solidFill>
+                <a:latin typeface="Consolas" panose="020B0609020204030204" pitchFamily="49" charset="0"/>
+              </a:rPr>
+              <a:t>    return</a:t>
+            </a:r>
+            <a:r>
+              <a:rPr lang="en-US" sz="2000" dirty="0" smtClean="0">
+                <a:solidFill>
+                  <a:srgbClr val="D3AF86"/>
+                </a:solidFill>
+                <a:latin typeface="Consolas" panose="020B0609020204030204" pitchFamily="49" charset="0"/>
+              </a:rPr>
+              <a:t> </a:t>
+            </a:r>
+            <a:r>
+              <a:rPr lang="en-US" sz="2000" dirty="0">
+                <a:solidFill>
+                  <a:srgbClr val="D3AF86"/>
+                </a:solidFill>
+                <a:latin typeface="Consolas" panose="020B0609020204030204" pitchFamily="49" charset="0"/>
+              </a:rPr>
+              <a:t>(</a:t>
+            </a:r>
+            <a:r>
+              <a:rPr lang="en-US" sz="2000" dirty="0">
+                <a:solidFill>
+                  <a:srgbClr val="8AB1B0"/>
+                </a:solidFill>
+                <a:latin typeface="Consolas" panose="020B0609020204030204" pitchFamily="49" charset="0"/>
+              </a:rPr>
+              <a:t>callback</a:t>
+            </a:r>
+            <a:r>
+              <a:rPr lang="en-US" sz="2000" dirty="0">
+                <a:solidFill>
+                  <a:srgbClr val="D3AF86"/>
+                </a:solidFill>
+                <a:latin typeface="Consolas" panose="020B0609020204030204" pitchFamily="49" charset="0"/>
+              </a:rPr>
+              <a:t>(</a:t>
+            </a:r>
+            <a:r>
+              <a:rPr lang="en-US" sz="2000" dirty="0">
+                <a:solidFill>
+                  <a:srgbClr val="DC3958"/>
+                </a:solidFill>
+                <a:latin typeface="Consolas" panose="020B0609020204030204" pitchFamily="49" charset="0"/>
+              </a:rPr>
+              <a:t>a</a:t>
+            </a:r>
+            <a:r>
+              <a:rPr lang="en-US" sz="2000" dirty="0">
+                <a:solidFill>
+                  <a:srgbClr val="D3AF86"/>
+                </a:solidFill>
+                <a:latin typeface="Consolas" panose="020B0609020204030204" pitchFamily="49" charset="0"/>
+              </a:rPr>
+              <a:t>, </a:t>
+            </a:r>
+            <a:r>
+              <a:rPr lang="en-US" sz="2000" dirty="0">
+                <a:solidFill>
+                  <a:srgbClr val="DC3958"/>
+                </a:solidFill>
+                <a:latin typeface="Consolas" panose="020B0609020204030204" pitchFamily="49" charset="0"/>
+              </a:rPr>
+              <a:t>b</a:t>
+            </a:r>
+            <a:r>
+              <a:rPr lang="en-US" sz="2000" dirty="0">
+                <a:solidFill>
+                  <a:srgbClr val="D3AF86"/>
+                </a:solidFill>
+                <a:latin typeface="Consolas" panose="020B0609020204030204" pitchFamily="49" charset="0"/>
+              </a:rPr>
+              <a:t>));</a:t>
+            </a:r>
+          </a:p>
+          <a:p>
+            <a:r>
+              <a:rPr lang="en-US" sz="2000" dirty="0">
+                <a:solidFill>
+                  <a:srgbClr val="D3AF86"/>
+                </a:solidFill>
+                <a:latin typeface="Consolas" panose="020B0609020204030204" pitchFamily="49" charset="0"/>
+              </a:rPr>
+              <a:t>}</a:t>
+            </a:r>
+          </a:p>
+          <a:p>
+            <a:r>
+              <a:rPr lang="en-US" sz="2000" dirty="0">
+                <a:solidFill>
+                  <a:srgbClr val="F06431"/>
+                </a:solidFill>
+                <a:latin typeface="Consolas" panose="020B0609020204030204" pitchFamily="49" charset="0"/>
+              </a:rPr>
+              <a:t>console</a:t>
+            </a:r>
+            <a:r>
+              <a:rPr lang="en-US" sz="2000" dirty="0">
+                <a:solidFill>
+                  <a:srgbClr val="D3AF86"/>
+                </a:solidFill>
+                <a:latin typeface="Consolas" panose="020B0609020204030204" pitchFamily="49" charset="0"/>
+              </a:rPr>
+              <a:t>.</a:t>
+            </a:r>
+            <a:r>
+              <a:rPr lang="en-US" sz="2000" dirty="0">
+                <a:solidFill>
+                  <a:srgbClr val="7E602C"/>
+                </a:solidFill>
+                <a:latin typeface="Consolas" panose="020B0609020204030204" pitchFamily="49" charset="0"/>
+              </a:rPr>
+              <a:t>log</a:t>
+            </a:r>
+            <a:r>
+              <a:rPr lang="en-US" sz="2000" dirty="0">
+                <a:solidFill>
+                  <a:srgbClr val="D3AF86"/>
+                </a:solidFill>
+                <a:latin typeface="Consolas" panose="020B0609020204030204" pitchFamily="49" charset="0"/>
+              </a:rPr>
+              <a:t>(</a:t>
+            </a:r>
+            <a:r>
+              <a:rPr lang="en-US" sz="2000" dirty="0">
+                <a:solidFill>
+                  <a:srgbClr val="8AB1B0"/>
+                </a:solidFill>
+                <a:latin typeface="Consolas" panose="020B0609020204030204" pitchFamily="49" charset="0"/>
+              </a:rPr>
+              <a:t>call</a:t>
+            </a:r>
+            <a:r>
+              <a:rPr lang="en-US" sz="2000" dirty="0">
+                <a:solidFill>
+                  <a:srgbClr val="D3AF86"/>
+                </a:solidFill>
+                <a:latin typeface="Consolas" panose="020B0609020204030204" pitchFamily="49" charset="0"/>
+              </a:rPr>
+              <a:t>(</a:t>
+            </a:r>
+            <a:r>
+              <a:rPr lang="en-US" sz="2000" dirty="0">
+                <a:solidFill>
+                  <a:srgbClr val="F79A32"/>
+                </a:solidFill>
+                <a:latin typeface="Consolas" panose="020B0609020204030204" pitchFamily="49" charset="0"/>
+              </a:rPr>
+              <a:t>10</a:t>
+            </a:r>
+            <a:r>
+              <a:rPr lang="en-US" sz="2000" dirty="0">
+                <a:solidFill>
+                  <a:srgbClr val="D3AF86"/>
+                </a:solidFill>
+                <a:latin typeface="Consolas" panose="020B0609020204030204" pitchFamily="49" charset="0"/>
+              </a:rPr>
+              <a:t>, </a:t>
+            </a:r>
+            <a:r>
+              <a:rPr lang="en-US" sz="2000" dirty="0">
+                <a:solidFill>
+                  <a:srgbClr val="F79A32"/>
+                </a:solidFill>
+                <a:latin typeface="Consolas" panose="020B0609020204030204" pitchFamily="49" charset="0"/>
+              </a:rPr>
+              <a:t>20</a:t>
+            </a:r>
+            <a:r>
+              <a:rPr lang="en-US" sz="2000" dirty="0">
+                <a:solidFill>
+                  <a:srgbClr val="D3AF86"/>
+                </a:solidFill>
+                <a:latin typeface="Consolas" panose="020B0609020204030204" pitchFamily="49" charset="0"/>
+              </a:rPr>
+              <a:t>, </a:t>
+            </a:r>
+            <a:r>
+              <a:rPr lang="en-US" sz="2000" dirty="0">
+                <a:solidFill>
+                  <a:srgbClr val="DC3958"/>
+                </a:solidFill>
+                <a:latin typeface="Consolas" panose="020B0609020204030204" pitchFamily="49" charset="0"/>
+              </a:rPr>
+              <a:t>add</a:t>
+            </a:r>
+            <a:r>
+              <a:rPr lang="en-US" sz="2000" dirty="0">
+                <a:solidFill>
+                  <a:srgbClr val="D3AF86"/>
+                </a:solidFill>
+                <a:latin typeface="Consolas" panose="020B0609020204030204" pitchFamily="49" charset="0"/>
+              </a:rPr>
+              <a:t>));</a:t>
+            </a:r>
+            <a:endParaRPr lang="en-US" sz="2000" b="0" dirty="0">
+              <a:solidFill>
+                <a:srgbClr val="D3AF86"/>
+              </a:solidFill>
+              <a:effectLst/>
+              <a:latin typeface="Consolas" panose="020B0609020204030204" pitchFamily="49" charset="0"/>
+            </a:endParaRPr>
+          </a:p>
+        </p:txBody>
+      </p:sp>
+      <p:sp>
+        <p:nvSpPr>
+          <p:cNvPr id="7" name="Rectangle 6"/>
+          <p:cNvSpPr/>
+          <p:nvPr/>
+        </p:nvSpPr>
+        <p:spPr>
+          <a:xfrm>
+            <a:off x="114300" y="3770055"/>
+            <a:ext cx="8915400" cy="2554545"/>
+          </a:xfrm>
+          <a:prstGeom prst="rect">
+            <a:avLst/>
+          </a:prstGeom>
+        </p:spPr>
+        <p:txBody>
+          <a:bodyPr wrap="square">
+            <a:spAutoFit/>
+          </a:bodyPr>
+          <a:lstStyle/>
+          <a:p>
+            <a:r>
+              <a:rPr lang="en-US" sz="2000" dirty="0">
+                <a:solidFill>
+                  <a:srgbClr val="98676A"/>
+                </a:solidFill>
+                <a:latin typeface="Consolas" panose="020B0609020204030204" pitchFamily="49" charset="0"/>
+              </a:rPr>
+              <a:t>let</a:t>
+            </a:r>
+            <a:r>
+              <a:rPr lang="en-US" sz="2000" dirty="0">
+                <a:solidFill>
+                  <a:srgbClr val="D3AF86"/>
+                </a:solidFill>
+                <a:latin typeface="Consolas" panose="020B0609020204030204" pitchFamily="49" charset="0"/>
+              </a:rPr>
+              <a:t> </a:t>
+            </a:r>
+            <a:r>
+              <a:rPr lang="en-US" sz="2000" dirty="0">
+                <a:solidFill>
+                  <a:srgbClr val="8AB1B0"/>
+                </a:solidFill>
+                <a:latin typeface="Consolas" panose="020B0609020204030204" pitchFamily="49" charset="0"/>
+              </a:rPr>
+              <a:t>add</a:t>
+            </a:r>
+            <a:r>
+              <a:rPr lang="en-US" sz="2000" dirty="0">
+                <a:solidFill>
+                  <a:srgbClr val="D3AF86"/>
+                </a:solidFill>
+                <a:latin typeface="Consolas" panose="020B0609020204030204" pitchFamily="49" charset="0"/>
+              </a:rPr>
+              <a:t> = (</a:t>
+            </a:r>
+            <a:r>
+              <a:rPr lang="en-US" sz="2000" dirty="0">
+                <a:solidFill>
+                  <a:srgbClr val="DC3958"/>
+                </a:solidFill>
+                <a:latin typeface="Consolas" panose="020B0609020204030204" pitchFamily="49" charset="0"/>
+              </a:rPr>
+              <a:t>a</a:t>
+            </a:r>
+            <a:r>
+              <a:rPr lang="en-US" sz="2000" dirty="0">
+                <a:solidFill>
+                  <a:srgbClr val="D3AF86"/>
+                </a:solidFill>
+                <a:latin typeface="Consolas" panose="020B0609020204030204" pitchFamily="49" charset="0"/>
+              </a:rPr>
+              <a:t>:number, </a:t>
+            </a:r>
+            <a:r>
+              <a:rPr lang="en-US" sz="2000" dirty="0">
+                <a:solidFill>
+                  <a:srgbClr val="DC3958"/>
+                </a:solidFill>
+                <a:latin typeface="Consolas" panose="020B0609020204030204" pitchFamily="49" charset="0"/>
+              </a:rPr>
+              <a:t>b</a:t>
+            </a:r>
+            <a:r>
+              <a:rPr lang="en-US" sz="2000" dirty="0">
+                <a:solidFill>
+                  <a:srgbClr val="D3AF86"/>
+                </a:solidFill>
+                <a:latin typeface="Consolas" panose="020B0609020204030204" pitchFamily="49" charset="0"/>
+              </a:rPr>
+              <a:t>:number, </a:t>
+            </a:r>
+            <a:r>
+              <a:rPr lang="en-US" sz="2000" dirty="0">
+                <a:solidFill>
+                  <a:srgbClr val="DC3958"/>
+                </a:solidFill>
+                <a:latin typeface="Consolas" panose="020B0609020204030204" pitchFamily="49" charset="0"/>
+              </a:rPr>
+              <a:t>callback</a:t>
+            </a:r>
+            <a:r>
+              <a:rPr lang="en-US" sz="2000" dirty="0">
+                <a:solidFill>
+                  <a:srgbClr val="D3AF86"/>
+                </a:solidFill>
+                <a:latin typeface="Consolas" panose="020B0609020204030204" pitchFamily="49" charset="0"/>
+              </a:rPr>
+              <a:t>) </a:t>
+            </a:r>
+            <a:r>
+              <a:rPr lang="en-US" sz="2000" dirty="0">
+                <a:solidFill>
+                  <a:srgbClr val="98676A"/>
+                </a:solidFill>
+                <a:latin typeface="Consolas" panose="020B0609020204030204" pitchFamily="49" charset="0"/>
+              </a:rPr>
+              <a:t>=&gt;</a:t>
+            </a:r>
+            <a:r>
+              <a:rPr lang="en-US" sz="2000" dirty="0">
+                <a:solidFill>
+                  <a:srgbClr val="D3AF86"/>
+                </a:solidFill>
+                <a:latin typeface="Consolas" panose="020B0609020204030204" pitchFamily="49" charset="0"/>
+              </a:rPr>
+              <a:t> {</a:t>
+            </a:r>
+          </a:p>
+          <a:p>
+            <a:r>
+              <a:rPr lang="en-US" sz="2000" dirty="0" smtClean="0">
+                <a:solidFill>
+                  <a:srgbClr val="98676A"/>
+                </a:solidFill>
+                <a:latin typeface="Consolas" panose="020B0609020204030204" pitchFamily="49" charset="0"/>
+              </a:rPr>
+              <a:t>    return</a:t>
+            </a:r>
+            <a:r>
+              <a:rPr lang="en-US" sz="2000" dirty="0" smtClean="0">
+                <a:solidFill>
+                  <a:srgbClr val="D3AF86"/>
+                </a:solidFill>
+                <a:latin typeface="Consolas" panose="020B0609020204030204" pitchFamily="49" charset="0"/>
+              </a:rPr>
+              <a:t> </a:t>
+            </a:r>
+            <a:r>
+              <a:rPr lang="en-US" sz="2000" dirty="0">
+                <a:solidFill>
+                  <a:srgbClr val="D3AF86"/>
+                </a:solidFill>
+                <a:latin typeface="Consolas" panose="020B0609020204030204" pitchFamily="49" charset="0"/>
+              </a:rPr>
+              <a:t>(</a:t>
+            </a:r>
+            <a:r>
+              <a:rPr lang="en-US" sz="2000" dirty="0">
+                <a:solidFill>
+                  <a:srgbClr val="8AB1B0"/>
+                </a:solidFill>
+                <a:latin typeface="Consolas" panose="020B0609020204030204" pitchFamily="49" charset="0"/>
+              </a:rPr>
+              <a:t>callback</a:t>
+            </a:r>
+            <a:r>
+              <a:rPr lang="en-US" sz="2000" dirty="0">
+                <a:solidFill>
+                  <a:srgbClr val="D3AF86"/>
+                </a:solidFill>
+                <a:latin typeface="Consolas" panose="020B0609020204030204" pitchFamily="49" charset="0"/>
+              </a:rPr>
+              <a:t>(</a:t>
+            </a:r>
+            <a:r>
+              <a:rPr lang="en-US" sz="2000" dirty="0">
+                <a:solidFill>
+                  <a:srgbClr val="DC3958"/>
+                </a:solidFill>
+                <a:latin typeface="Consolas" panose="020B0609020204030204" pitchFamily="49" charset="0"/>
+              </a:rPr>
+              <a:t>a</a:t>
+            </a:r>
+            <a:r>
+              <a:rPr lang="en-US" sz="2000" dirty="0">
+                <a:solidFill>
+                  <a:srgbClr val="D3AF86"/>
+                </a:solidFill>
+                <a:latin typeface="Consolas" panose="020B0609020204030204" pitchFamily="49" charset="0"/>
+              </a:rPr>
+              <a:t>, </a:t>
+            </a:r>
+            <a:r>
+              <a:rPr lang="en-US" sz="2000" dirty="0">
+                <a:solidFill>
+                  <a:srgbClr val="DC3958"/>
+                </a:solidFill>
+                <a:latin typeface="Consolas" panose="020B0609020204030204" pitchFamily="49" charset="0"/>
+              </a:rPr>
+              <a:t>b</a:t>
+            </a:r>
+            <a:r>
+              <a:rPr lang="en-US" sz="2000" dirty="0">
+                <a:solidFill>
+                  <a:srgbClr val="D3AF86"/>
+                </a:solidFill>
+                <a:latin typeface="Consolas" panose="020B0609020204030204" pitchFamily="49" charset="0"/>
+              </a:rPr>
+              <a:t>));</a:t>
+            </a:r>
+          </a:p>
+          <a:p>
+            <a:r>
+              <a:rPr lang="en-US" sz="2000" dirty="0">
+                <a:solidFill>
+                  <a:srgbClr val="D3AF86"/>
+                </a:solidFill>
+                <a:latin typeface="Consolas" panose="020B0609020204030204" pitchFamily="49" charset="0"/>
+              </a:rPr>
+              <a:t>}</a:t>
+            </a:r>
+          </a:p>
+          <a:p>
+            <a:r>
+              <a:rPr lang="en-US" sz="2000" dirty="0">
+                <a:solidFill>
+                  <a:srgbClr val="D3AF86"/>
+                </a:solidFill>
+                <a:latin typeface="Consolas" panose="020B0609020204030204" pitchFamily="49" charset="0"/>
+              </a:rPr>
+              <a:t/>
+            </a:r>
+            <a:br>
+              <a:rPr lang="en-US" sz="2000" dirty="0">
+                <a:solidFill>
+                  <a:srgbClr val="D3AF86"/>
+                </a:solidFill>
+                <a:latin typeface="Consolas" panose="020B0609020204030204" pitchFamily="49" charset="0"/>
+              </a:rPr>
+            </a:br>
+            <a:r>
+              <a:rPr lang="en-US" sz="2000" dirty="0">
+                <a:solidFill>
+                  <a:srgbClr val="98676A"/>
+                </a:solidFill>
+                <a:latin typeface="Consolas" panose="020B0609020204030204" pitchFamily="49" charset="0"/>
+              </a:rPr>
+              <a:t>let</a:t>
+            </a:r>
+            <a:r>
+              <a:rPr lang="en-US" sz="2000" dirty="0">
+                <a:solidFill>
+                  <a:srgbClr val="D3AF86"/>
+                </a:solidFill>
+                <a:latin typeface="Consolas" panose="020B0609020204030204" pitchFamily="49" charset="0"/>
+              </a:rPr>
+              <a:t> </a:t>
+            </a:r>
+            <a:r>
+              <a:rPr lang="en-US" sz="2000" dirty="0">
+                <a:solidFill>
+                  <a:srgbClr val="DC3958"/>
+                </a:solidFill>
+                <a:latin typeface="Consolas" panose="020B0609020204030204" pitchFamily="49" charset="0"/>
+              </a:rPr>
+              <a:t>x</a:t>
+            </a:r>
+            <a:r>
+              <a:rPr lang="en-US" sz="2000" dirty="0">
+                <a:solidFill>
+                  <a:srgbClr val="D3AF86"/>
+                </a:solidFill>
+                <a:latin typeface="Consolas" panose="020B0609020204030204" pitchFamily="49" charset="0"/>
+              </a:rPr>
+              <a:t> = </a:t>
+            </a:r>
+            <a:r>
+              <a:rPr lang="en-US" sz="2000" dirty="0">
+                <a:solidFill>
+                  <a:srgbClr val="8AB1B0"/>
+                </a:solidFill>
+                <a:latin typeface="Consolas" panose="020B0609020204030204" pitchFamily="49" charset="0"/>
+              </a:rPr>
+              <a:t>add</a:t>
+            </a:r>
+            <a:r>
+              <a:rPr lang="en-US" sz="2000" dirty="0">
+                <a:solidFill>
+                  <a:srgbClr val="D3AF86"/>
+                </a:solidFill>
+                <a:latin typeface="Consolas" panose="020B0609020204030204" pitchFamily="49" charset="0"/>
+              </a:rPr>
+              <a:t>(</a:t>
+            </a:r>
+            <a:r>
+              <a:rPr lang="en-US" sz="2000" dirty="0">
+                <a:solidFill>
+                  <a:srgbClr val="F79A32"/>
+                </a:solidFill>
+                <a:latin typeface="Consolas" panose="020B0609020204030204" pitchFamily="49" charset="0"/>
+              </a:rPr>
+              <a:t>50</a:t>
+            </a:r>
+            <a:r>
+              <a:rPr lang="en-US" sz="2000" dirty="0">
+                <a:solidFill>
+                  <a:srgbClr val="D3AF86"/>
+                </a:solidFill>
+                <a:latin typeface="Consolas" panose="020B0609020204030204" pitchFamily="49" charset="0"/>
+              </a:rPr>
+              <a:t>, </a:t>
+            </a:r>
+            <a:r>
+              <a:rPr lang="en-US" sz="2000" dirty="0">
+                <a:solidFill>
+                  <a:srgbClr val="F79A32"/>
+                </a:solidFill>
+                <a:latin typeface="Consolas" panose="020B0609020204030204" pitchFamily="49" charset="0"/>
+              </a:rPr>
+              <a:t>50</a:t>
+            </a:r>
+            <a:r>
+              <a:rPr lang="en-US" sz="2000" dirty="0">
+                <a:solidFill>
+                  <a:srgbClr val="D3AF86"/>
+                </a:solidFill>
+                <a:latin typeface="Consolas" panose="020B0609020204030204" pitchFamily="49" charset="0"/>
+              </a:rPr>
+              <a:t>, </a:t>
+            </a:r>
+            <a:r>
+              <a:rPr lang="en-US" sz="2000" dirty="0">
+                <a:solidFill>
+                  <a:srgbClr val="98676A"/>
+                </a:solidFill>
+                <a:latin typeface="Consolas" panose="020B0609020204030204" pitchFamily="49" charset="0"/>
+              </a:rPr>
+              <a:t>function</a:t>
+            </a:r>
+            <a:r>
+              <a:rPr lang="en-US" sz="2000" dirty="0">
+                <a:solidFill>
+                  <a:srgbClr val="D3AF86"/>
+                </a:solidFill>
+                <a:latin typeface="Consolas" panose="020B0609020204030204" pitchFamily="49" charset="0"/>
+              </a:rPr>
+              <a:t> (</a:t>
+            </a:r>
+            <a:r>
+              <a:rPr lang="en-US" sz="2000" dirty="0">
+                <a:solidFill>
+                  <a:srgbClr val="DC3958"/>
+                </a:solidFill>
+                <a:latin typeface="Consolas" panose="020B0609020204030204" pitchFamily="49" charset="0"/>
+              </a:rPr>
+              <a:t>a</a:t>
+            </a:r>
+            <a:r>
+              <a:rPr lang="en-US" sz="2000" dirty="0">
+                <a:solidFill>
+                  <a:srgbClr val="D3AF86"/>
+                </a:solidFill>
+                <a:latin typeface="Consolas" panose="020B0609020204030204" pitchFamily="49" charset="0"/>
+              </a:rPr>
+              <a:t>: number, </a:t>
+            </a:r>
+            <a:r>
+              <a:rPr lang="en-US" sz="2000" dirty="0">
+                <a:solidFill>
+                  <a:srgbClr val="DC3958"/>
+                </a:solidFill>
+                <a:latin typeface="Consolas" panose="020B0609020204030204" pitchFamily="49" charset="0"/>
+              </a:rPr>
+              <a:t>b</a:t>
+            </a:r>
+            <a:r>
+              <a:rPr lang="en-US" sz="2000" dirty="0">
+                <a:solidFill>
+                  <a:srgbClr val="D3AF86"/>
+                </a:solidFill>
+                <a:latin typeface="Consolas" panose="020B0609020204030204" pitchFamily="49" charset="0"/>
+              </a:rPr>
+              <a:t>: number) {</a:t>
+            </a:r>
+          </a:p>
+          <a:p>
+            <a:r>
+              <a:rPr lang="en-US" sz="2000" dirty="0" smtClean="0">
+                <a:solidFill>
+                  <a:srgbClr val="98676A"/>
+                </a:solidFill>
+                <a:latin typeface="Consolas" panose="020B0609020204030204" pitchFamily="49" charset="0"/>
+              </a:rPr>
+              <a:t>    return</a:t>
+            </a:r>
+            <a:r>
+              <a:rPr lang="en-US" sz="2000" dirty="0" smtClean="0">
+                <a:solidFill>
+                  <a:srgbClr val="D3AF86"/>
+                </a:solidFill>
+                <a:latin typeface="Consolas" panose="020B0609020204030204" pitchFamily="49" charset="0"/>
+              </a:rPr>
+              <a:t> </a:t>
+            </a:r>
+            <a:r>
+              <a:rPr lang="en-US" sz="2000" dirty="0">
+                <a:solidFill>
+                  <a:srgbClr val="D3AF86"/>
+                </a:solidFill>
+                <a:latin typeface="Consolas" panose="020B0609020204030204" pitchFamily="49" charset="0"/>
+              </a:rPr>
+              <a:t>(</a:t>
+            </a:r>
+            <a:r>
+              <a:rPr lang="en-US" sz="2000" dirty="0">
+                <a:solidFill>
+                  <a:srgbClr val="DC3958"/>
+                </a:solidFill>
+                <a:latin typeface="Consolas" panose="020B0609020204030204" pitchFamily="49" charset="0"/>
+              </a:rPr>
+              <a:t>a</a:t>
+            </a:r>
+            <a:r>
+              <a:rPr lang="en-US" sz="2000" dirty="0">
+                <a:solidFill>
+                  <a:srgbClr val="D3AF86"/>
+                </a:solidFill>
+                <a:latin typeface="Consolas" panose="020B0609020204030204" pitchFamily="49" charset="0"/>
+              </a:rPr>
+              <a:t> + </a:t>
+            </a:r>
+            <a:r>
+              <a:rPr lang="en-US" sz="2000" dirty="0">
+                <a:solidFill>
+                  <a:srgbClr val="DC3958"/>
+                </a:solidFill>
+                <a:latin typeface="Consolas" panose="020B0609020204030204" pitchFamily="49" charset="0"/>
+              </a:rPr>
+              <a:t>b</a:t>
+            </a:r>
+            <a:r>
+              <a:rPr lang="en-US" sz="2000" dirty="0">
+                <a:solidFill>
+                  <a:srgbClr val="D3AF86"/>
+                </a:solidFill>
+                <a:latin typeface="Consolas" panose="020B0609020204030204" pitchFamily="49" charset="0"/>
+              </a:rPr>
+              <a:t>);</a:t>
+            </a:r>
+          </a:p>
+          <a:p>
+            <a:r>
+              <a:rPr lang="en-US" sz="2000" dirty="0">
+                <a:solidFill>
+                  <a:srgbClr val="D3AF86"/>
+                </a:solidFill>
+                <a:latin typeface="Consolas" panose="020B0609020204030204" pitchFamily="49" charset="0"/>
+              </a:rPr>
+              <a:t>});</a:t>
+            </a:r>
+          </a:p>
+          <a:p>
+            <a:r>
+              <a:rPr lang="en-US" sz="2000" dirty="0">
+                <a:solidFill>
+                  <a:srgbClr val="F06431"/>
+                </a:solidFill>
+                <a:latin typeface="Consolas" panose="020B0609020204030204" pitchFamily="49" charset="0"/>
+              </a:rPr>
+              <a:t>console</a:t>
+            </a:r>
+            <a:r>
+              <a:rPr lang="en-US" sz="2000" dirty="0">
+                <a:solidFill>
+                  <a:srgbClr val="D3AF86"/>
+                </a:solidFill>
+                <a:latin typeface="Consolas" panose="020B0609020204030204" pitchFamily="49" charset="0"/>
+              </a:rPr>
+              <a:t>.</a:t>
+            </a:r>
+            <a:r>
+              <a:rPr lang="en-US" sz="2000" dirty="0">
+                <a:solidFill>
+                  <a:srgbClr val="7E602C"/>
+                </a:solidFill>
+                <a:latin typeface="Consolas" panose="020B0609020204030204" pitchFamily="49" charset="0"/>
+              </a:rPr>
+              <a:t>log</a:t>
+            </a:r>
+            <a:r>
+              <a:rPr lang="en-US" sz="2000" dirty="0">
+                <a:solidFill>
+                  <a:srgbClr val="D3AF86"/>
+                </a:solidFill>
+                <a:latin typeface="Consolas" panose="020B0609020204030204" pitchFamily="49" charset="0"/>
+              </a:rPr>
+              <a:t>(</a:t>
+            </a:r>
+            <a:r>
+              <a:rPr lang="en-US" sz="2000" dirty="0">
+                <a:solidFill>
+                  <a:srgbClr val="DC3958"/>
+                </a:solidFill>
+                <a:latin typeface="Consolas" panose="020B0609020204030204" pitchFamily="49" charset="0"/>
+              </a:rPr>
+              <a:t>x</a:t>
+            </a:r>
+            <a:r>
+              <a:rPr lang="en-US" sz="2000" dirty="0">
+                <a:solidFill>
+                  <a:srgbClr val="D3AF86"/>
+                </a:solidFill>
+                <a:latin typeface="Consolas" panose="020B0609020204030204" pitchFamily="49" charset="0"/>
+              </a:rPr>
+              <a:t>);</a:t>
+            </a:r>
+            <a:endParaRPr lang="en-US" sz="2000" b="0" dirty="0">
+              <a:solidFill>
+                <a:srgbClr val="D3AF86"/>
+              </a:solidFill>
+              <a:effectLst/>
+              <a:latin typeface="Consolas" panose="020B0609020204030204" pitchFamily="49" charset="0"/>
+            </a:endParaRPr>
+          </a:p>
+        </p:txBody>
+      </p:sp>
+      <p:cxnSp>
+        <p:nvCxnSpPr>
+          <p:cNvPr id="10" name="Straight Connector 9"/>
+          <p:cNvCxnSpPr/>
+          <p:nvPr/>
+        </p:nvCxnSpPr>
+        <p:spPr>
+          <a:xfrm>
+            <a:off x="114300" y="3581400"/>
+            <a:ext cx="8915400" cy="0"/>
+          </a:xfrm>
+          <a:prstGeom prst="line">
+            <a:avLst/>
+          </a:prstGeom>
+          <a:ln w="19050">
+            <a:solidFill>
+              <a:srgbClr val="FF0000"/>
+            </a:solidFill>
+          </a:ln>
+        </p:spPr>
+        <p:style>
+          <a:lnRef idx="1">
+            <a:schemeClr val="accent1"/>
+          </a:lnRef>
+          <a:fillRef idx="0">
+            <a:schemeClr val="accent1"/>
+          </a:fillRef>
+          <a:effectRef idx="0">
+            <a:schemeClr val="accent1"/>
+          </a:effectRef>
+          <a:fontRef idx="minor">
+            <a:schemeClr val="tx1"/>
+          </a:fontRef>
+        </p:style>
+      </p:cxnSp>
+    </p:spTree>
+    <p:extLst>
+      <p:ext uri="{BB962C8B-B14F-4D97-AF65-F5344CB8AC3E}">
+        <p14:creationId xmlns:p14="http://schemas.microsoft.com/office/powerpoint/2010/main" val="1441186984"/>
+      </p:ext>
+    </p:extLst>
+  </p:cSld>
+  <p:clrMapOvr>
+    <a:masterClrMapping/>
+  </p:clrMapOvr>
+  <p:timing>
+    <p:tnLst>
+      <p:par>
+        <p:cTn id="1" dur="indefinite" restart="never" nodeType="tmRoot"/>
+      </p:par>
+    </p:tnLst>
+  </p:timing>
+</p:sld>
+</file>
+
+<file path=ppt/slides/slide38.xml><?xml version="1.0" encoding="utf-8"?>
+<p:sld xmlns:a="http://schemas.openxmlformats.org/drawingml/2006/main" xmlns:r="http://schemas.openxmlformats.org/officeDocument/2006/relationships" xmlns:p="http://schemas.openxmlformats.org/presentationml/2006/main">
+  <p:cSld>
+    <p:spTree>
+      <p:nvGrpSpPr>
+        <p:cNvPr id="1" name=""/>
+        <p:cNvGrpSpPr/>
+        <p:nvPr/>
+      </p:nvGrpSpPr>
+      <p:grpSpPr>
+        <a:xfrm>
+          <a:off x="0" y="0"/>
+          <a:ext cx="0" cy="0"/>
+          <a:chOff x="0" y="0"/>
+          <a:chExt cx="0" cy="0"/>
+        </a:xfrm>
+      </p:grpSpPr>
+      <p:sp>
+        <p:nvSpPr>
+          <p:cNvPr id="2" name="Title 1"/>
+          <p:cNvSpPr txBox="1">
+            <a:spLocks/>
+          </p:cNvSpPr>
+          <p:nvPr/>
+        </p:nvSpPr>
+        <p:spPr>
+          <a:xfrm>
+            <a:off x="152400" y="2362200"/>
+            <a:ext cx="8839200" cy="838200"/>
+          </a:xfrm>
+          <a:prstGeom prst="rect">
+            <a:avLst/>
+          </a:prstGeom>
+          <a:solidFill>
+            <a:schemeClr val="bg1"/>
+          </a:solidFill>
+        </p:spPr>
+        <p:txBody>
+          <a:bodyPr>
+            <a:noAutofit/>
+          </a:bodyPr>
+          <a:lstStyle>
+            <a:defPPr>
+              <a:defRPr lang="en-US"/>
+            </a:defPPr>
+            <a:lvl1pPr algn="ctr">
+              <a:defRPr sz="4800" b="1" i="1">
+                <a:solidFill>
+                  <a:srgbClr val="EAEF2D"/>
+                </a:solidFill>
+                <a:latin typeface="Segoe UI Light" panose="020B0502040204020203" pitchFamily="34" charset="0"/>
+                <a:cs typeface="Segoe UI Light" panose="020B0502040204020203" pitchFamily="34" charset="0"/>
+              </a:defRPr>
+            </a:lvl1pPr>
+          </a:lstStyle>
+          <a:p>
+            <a:r>
               <a:rPr lang="en-IN" dirty="0"/>
               <a:t>class</a:t>
             </a:r>
@@ -19384,7 +22097,7 @@
 </p:sld>
 </file>
 
-<file path=ppt/slides/slide37.xml><?xml version="1.0" encoding="utf-8"?>
+<file path=ppt/slides/slide39.xml><?xml version="1.0" encoding="utf-8"?>
 <p:sld xmlns:a="http://schemas.openxmlformats.org/drawingml/2006/main" xmlns:r="http://schemas.openxmlformats.org/officeDocument/2006/relationships" xmlns:p="http://schemas.openxmlformats.org/presentationml/2006/main">
   <p:cSld>
     <p:spTree>
@@ -19807,7 +22520,561 @@
 </p:sld>
 </file>
 
-<file path=ppt/slides/slide38.xml><?xml version="1.0" encoding="utf-8"?>
+<file path=ppt/slides/slide4.xml><?xml version="1.0" encoding="utf-8"?>
+<p:sld xmlns:a="http://schemas.openxmlformats.org/drawingml/2006/main" xmlns:r="http://schemas.openxmlformats.org/officeDocument/2006/relationships" xmlns:p="http://schemas.openxmlformats.org/presentationml/2006/main">
+  <p:cSld>
+    <p:spTree>
+      <p:nvGrpSpPr>
+        <p:cNvPr id="1" name=""/>
+        <p:cNvGrpSpPr/>
+        <p:nvPr/>
+      </p:nvGrpSpPr>
+      <p:grpSpPr>
+        <a:xfrm>
+          <a:off x="0" y="0"/>
+          <a:ext cx="0" cy="0"/>
+          <a:chOff x="0" y="0"/>
+          <a:chExt cx="0" cy="0"/>
+        </a:xfrm>
+      </p:grpSpPr>
+      <p:sp>
+        <p:nvSpPr>
+          <p:cNvPr id="2" name="Title 1"/>
+          <p:cNvSpPr txBox="1">
+            <a:spLocks/>
+          </p:cNvSpPr>
+          <p:nvPr/>
+        </p:nvSpPr>
+        <p:spPr>
+          <a:xfrm>
+            <a:off x="152400" y="2362200"/>
+            <a:ext cx="8839200" cy="838200"/>
+          </a:xfrm>
+          <a:prstGeom prst="rect">
+            <a:avLst/>
+          </a:prstGeom>
+          <a:solidFill>
+            <a:schemeClr val="bg1"/>
+          </a:solidFill>
+        </p:spPr>
+        <p:txBody>
+          <a:bodyPr>
+            <a:noAutofit/>
+          </a:bodyPr>
+          <a:lstStyle/>
+          <a:p>
+            <a:pPr algn="ctr"/>
+            <a:r>
+              <a:rPr lang="en-IN" sz="4800" b="1" i="1" dirty="0" smtClean="0">
+                <a:solidFill>
+                  <a:srgbClr val="EAEF2D"/>
+                </a:solidFill>
+                <a:latin typeface="Segoe UI Light" panose="020B0502040204020203" pitchFamily="34" charset="0"/>
+                <a:cs typeface="Segoe UI Light" panose="020B0502040204020203" pitchFamily="34" charset="0"/>
+              </a:rPr>
+              <a:t>variable declaration</a:t>
+            </a:r>
+            <a:endParaRPr lang="en-IN" sz="4800" b="1" i="1" dirty="0">
+              <a:solidFill>
+                <a:srgbClr val="EAEF2D"/>
+              </a:solidFill>
+              <a:latin typeface="Segoe UI Light" panose="020B0502040204020203" pitchFamily="34" charset="0"/>
+              <a:cs typeface="Segoe UI Light" panose="020B0502040204020203" pitchFamily="34" charset="0"/>
+            </a:endParaRPr>
+          </a:p>
+        </p:txBody>
+      </p:sp>
+      <p:sp>
+        <p:nvSpPr>
+          <p:cNvPr id="3" name="Rectangle 2"/>
+          <p:cNvSpPr/>
+          <p:nvPr/>
+        </p:nvSpPr>
+        <p:spPr>
+          <a:xfrm>
+            <a:off x="381000" y="3283803"/>
+            <a:ext cx="8382000" cy="707886"/>
+          </a:xfrm>
+          <a:prstGeom prst="rect">
+            <a:avLst/>
+          </a:prstGeom>
+        </p:spPr>
+        <p:txBody>
+          <a:bodyPr wrap="square">
+            <a:spAutoFit/>
+          </a:bodyPr>
+          <a:lstStyle/>
+          <a:p>
+            <a:r>
+              <a:rPr lang="en-US" sz="2000" dirty="0">
+                <a:solidFill>
+                  <a:srgbClr val="352517"/>
+                </a:solidFill>
+                <a:latin typeface="Segoe UI" panose="020B0502040204020203" pitchFamily="34" charset="0"/>
+                <a:cs typeface="Segoe UI" panose="020B0502040204020203" pitchFamily="34" charset="0"/>
+              </a:rPr>
+              <a:t>TypeScript follows the same rules as JavaScript for variable declarations. Variables can be declared using: </a:t>
+            </a:r>
+            <a:r>
+              <a:rPr lang="en-US" sz="2000" i="1" dirty="0">
+                <a:solidFill>
+                  <a:srgbClr val="00B0F0"/>
+                </a:solidFill>
+                <a:latin typeface="Segoe UI" panose="020B0502040204020203" pitchFamily="34" charset="0"/>
+                <a:cs typeface="Segoe UI" panose="020B0502040204020203" pitchFamily="34" charset="0"/>
+              </a:rPr>
+              <a:t>var</a:t>
+            </a:r>
+            <a:r>
+              <a:rPr lang="en-US" sz="2000" dirty="0">
+                <a:solidFill>
+                  <a:srgbClr val="352517"/>
+                </a:solidFill>
+                <a:latin typeface="Segoe UI" panose="020B0502040204020203" pitchFamily="34" charset="0"/>
+                <a:cs typeface="Segoe UI" panose="020B0502040204020203" pitchFamily="34" charset="0"/>
+              </a:rPr>
+              <a:t>, </a:t>
+            </a:r>
+            <a:r>
+              <a:rPr lang="en-US" sz="2000" i="1" dirty="0">
+                <a:solidFill>
+                  <a:srgbClr val="00B0F0"/>
+                </a:solidFill>
+                <a:latin typeface="Segoe UI" panose="020B0502040204020203" pitchFamily="34" charset="0"/>
+                <a:cs typeface="Segoe UI" panose="020B0502040204020203" pitchFamily="34" charset="0"/>
+              </a:rPr>
+              <a:t>let</a:t>
+            </a:r>
+            <a:r>
+              <a:rPr lang="en-US" sz="2000" dirty="0">
+                <a:solidFill>
+                  <a:srgbClr val="352517"/>
+                </a:solidFill>
+                <a:latin typeface="Segoe UI" panose="020B0502040204020203" pitchFamily="34" charset="0"/>
+                <a:cs typeface="Segoe UI" panose="020B0502040204020203" pitchFamily="34" charset="0"/>
+              </a:rPr>
+              <a:t>, </a:t>
+            </a:r>
+            <a:r>
+              <a:rPr lang="en-US" sz="2000" dirty="0" smtClean="0">
+                <a:solidFill>
+                  <a:srgbClr val="352517"/>
+                </a:solidFill>
+                <a:latin typeface="Segoe UI" panose="020B0502040204020203" pitchFamily="34" charset="0"/>
+                <a:cs typeface="Segoe UI" panose="020B0502040204020203" pitchFamily="34" charset="0"/>
+              </a:rPr>
+              <a:t>or </a:t>
+            </a:r>
+            <a:r>
+              <a:rPr lang="en-US" sz="2000" i="1" dirty="0">
+                <a:solidFill>
+                  <a:srgbClr val="00B0F0"/>
+                </a:solidFill>
+                <a:latin typeface="Segoe UI" panose="020B0502040204020203" pitchFamily="34" charset="0"/>
+                <a:cs typeface="Segoe UI" panose="020B0502040204020203" pitchFamily="34" charset="0"/>
+              </a:rPr>
+              <a:t>const</a:t>
+            </a:r>
+            <a:r>
+              <a:rPr lang="en-US" sz="2000" dirty="0">
+                <a:solidFill>
+                  <a:srgbClr val="352517"/>
+                </a:solidFill>
+                <a:latin typeface="Segoe UI" panose="020B0502040204020203" pitchFamily="34" charset="0"/>
+                <a:cs typeface="Segoe UI" panose="020B0502040204020203" pitchFamily="34" charset="0"/>
+              </a:rPr>
+              <a:t>.</a:t>
+            </a:r>
+          </a:p>
+        </p:txBody>
+      </p:sp>
+      <p:sp>
+        <p:nvSpPr>
+          <p:cNvPr id="5" name="Rectangle 4"/>
+          <p:cNvSpPr/>
+          <p:nvPr/>
+        </p:nvSpPr>
+        <p:spPr>
+          <a:xfrm>
+            <a:off x="152400" y="206037"/>
+            <a:ext cx="8839200" cy="1631216"/>
+          </a:xfrm>
+          <a:prstGeom prst="rect">
+            <a:avLst/>
+          </a:prstGeom>
+        </p:spPr>
+        <p:txBody>
+          <a:bodyPr wrap="square">
+            <a:spAutoFit/>
+          </a:bodyPr>
+          <a:lstStyle/>
+          <a:p>
+            <a:r>
+              <a:rPr lang="en-US" sz="2000" dirty="0">
+                <a:solidFill>
+                  <a:srgbClr val="98676A"/>
+                </a:solidFill>
+                <a:latin typeface="Consolas" panose="020B0609020204030204" pitchFamily="49" charset="0"/>
+              </a:rPr>
+              <a:t>let</a:t>
+            </a:r>
+            <a:r>
+              <a:rPr lang="en-US" sz="2000" dirty="0">
+                <a:solidFill>
+                  <a:srgbClr val="D3AF86"/>
+                </a:solidFill>
+                <a:latin typeface="Consolas" panose="020B0609020204030204" pitchFamily="49" charset="0"/>
+              </a:rPr>
+              <a:t> [</a:t>
+            </a:r>
+            <a:r>
+              <a:rPr lang="en-US" sz="2000" dirty="0">
+                <a:solidFill>
+                  <a:srgbClr val="DC3958"/>
+                </a:solidFill>
+                <a:latin typeface="Consolas" panose="020B0609020204030204" pitchFamily="49" charset="0"/>
+              </a:rPr>
+              <a:t>country</a:t>
+            </a:r>
+            <a:r>
+              <a:rPr lang="en-US" sz="2000" dirty="0">
+                <a:solidFill>
+                  <a:srgbClr val="D3AF86"/>
+                </a:solidFill>
+                <a:latin typeface="Consolas" panose="020B0609020204030204" pitchFamily="49" charset="0"/>
+              </a:rPr>
+              <a:t>, ...</a:t>
+            </a:r>
+            <a:r>
+              <a:rPr lang="en-US" sz="2000" dirty="0">
+                <a:solidFill>
+                  <a:srgbClr val="DC3958"/>
+                </a:solidFill>
+                <a:latin typeface="Consolas" panose="020B0609020204030204" pitchFamily="49" charset="0"/>
+              </a:rPr>
+              <a:t>state</a:t>
+            </a:r>
+            <a:r>
+              <a:rPr lang="en-US" sz="2000" dirty="0">
+                <a:solidFill>
+                  <a:srgbClr val="D3AF86"/>
+                </a:solidFill>
+                <a:latin typeface="Consolas" panose="020B0609020204030204" pitchFamily="49" charset="0"/>
+              </a:rPr>
+              <a:t>] = ['</a:t>
+            </a:r>
+            <a:r>
+              <a:rPr lang="en-US" sz="2000" dirty="0">
+                <a:solidFill>
+                  <a:srgbClr val="889B4A"/>
+                </a:solidFill>
+                <a:latin typeface="Consolas" panose="020B0609020204030204" pitchFamily="49" charset="0"/>
+              </a:rPr>
+              <a:t>India</a:t>
+            </a:r>
+            <a:r>
+              <a:rPr lang="en-US" sz="2000" dirty="0">
+                <a:solidFill>
+                  <a:srgbClr val="D3AF86"/>
+                </a:solidFill>
+                <a:latin typeface="Consolas" panose="020B0609020204030204" pitchFamily="49" charset="0"/>
+              </a:rPr>
+              <a:t>', '</a:t>
+            </a:r>
+            <a:r>
+              <a:rPr lang="en-US" sz="2000" dirty="0">
+                <a:solidFill>
+                  <a:srgbClr val="889B4A"/>
+                </a:solidFill>
+                <a:latin typeface="Consolas" panose="020B0609020204030204" pitchFamily="49" charset="0"/>
+              </a:rPr>
+              <a:t>Maharashtra</a:t>
+            </a:r>
+            <a:r>
+              <a:rPr lang="en-US" sz="2000" dirty="0">
+                <a:solidFill>
+                  <a:srgbClr val="D3AF86"/>
+                </a:solidFill>
+                <a:latin typeface="Consolas" panose="020B0609020204030204" pitchFamily="49" charset="0"/>
+              </a:rPr>
+              <a:t>', '</a:t>
+            </a:r>
+            <a:r>
+              <a:rPr lang="en-US" sz="2000" dirty="0">
+                <a:solidFill>
+                  <a:srgbClr val="889B4A"/>
+                </a:solidFill>
+                <a:latin typeface="Consolas" panose="020B0609020204030204" pitchFamily="49" charset="0"/>
+              </a:rPr>
+              <a:t>Gujarat</a:t>
+            </a:r>
+            <a:r>
+              <a:rPr lang="en-US" sz="2000" dirty="0">
+                <a:solidFill>
+                  <a:srgbClr val="D3AF86"/>
+                </a:solidFill>
+                <a:latin typeface="Consolas" panose="020B0609020204030204" pitchFamily="49" charset="0"/>
+              </a:rPr>
+              <a:t>', '</a:t>
+            </a:r>
+            <a:r>
+              <a:rPr lang="en-US" sz="2000" dirty="0">
+                <a:solidFill>
+                  <a:srgbClr val="889B4A"/>
+                </a:solidFill>
+                <a:latin typeface="Consolas" panose="020B0609020204030204" pitchFamily="49" charset="0"/>
+              </a:rPr>
+              <a:t>Upper Pradesh</a:t>
+            </a:r>
+            <a:r>
+              <a:rPr lang="en-US" sz="2000" dirty="0">
+                <a:solidFill>
+                  <a:srgbClr val="D3AF86"/>
+                </a:solidFill>
+                <a:latin typeface="Consolas" panose="020B0609020204030204" pitchFamily="49" charset="0"/>
+              </a:rPr>
+              <a:t>', '</a:t>
+            </a:r>
+            <a:r>
+              <a:rPr lang="en-US" sz="2000" dirty="0">
+                <a:solidFill>
+                  <a:srgbClr val="889B4A"/>
+                </a:solidFill>
+                <a:latin typeface="Consolas" panose="020B0609020204030204" pitchFamily="49" charset="0"/>
+              </a:rPr>
+              <a:t>Assam</a:t>
+            </a:r>
+            <a:r>
+              <a:rPr lang="en-US" sz="2000" dirty="0">
+                <a:solidFill>
+                  <a:srgbClr val="D3AF86"/>
+                </a:solidFill>
+                <a:latin typeface="Consolas" panose="020B0609020204030204" pitchFamily="49" charset="0"/>
+              </a:rPr>
+              <a:t>', '</a:t>
+            </a:r>
+            <a:r>
+              <a:rPr lang="en-US" sz="2000" dirty="0">
+                <a:solidFill>
+                  <a:srgbClr val="889B4A"/>
+                </a:solidFill>
+                <a:latin typeface="Consolas" panose="020B0609020204030204" pitchFamily="49" charset="0"/>
+              </a:rPr>
+              <a:t>Goa</a:t>
+            </a:r>
+            <a:r>
+              <a:rPr lang="en-US" sz="2000" dirty="0">
+                <a:solidFill>
+                  <a:srgbClr val="D3AF86"/>
+                </a:solidFill>
+                <a:latin typeface="Consolas" panose="020B0609020204030204" pitchFamily="49" charset="0"/>
+              </a:rPr>
+              <a:t>', '</a:t>
+            </a:r>
+            <a:r>
+              <a:rPr lang="en-US" sz="2000" dirty="0">
+                <a:solidFill>
+                  <a:srgbClr val="889B4A"/>
+                </a:solidFill>
+                <a:latin typeface="Consolas" panose="020B0609020204030204" pitchFamily="49" charset="0"/>
+              </a:rPr>
+              <a:t>Rajasthan</a:t>
+            </a:r>
+            <a:r>
+              <a:rPr lang="en-US" sz="2000" dirty="0">
+                <a:solidFill>
+                  <a:srgbClr val="D3AF86"/>
+                </a:solidFill>
+                <a:latin typeface="Consolas" panose="020B0609020204030204" pitchFamily="49" charset="0"/>
+              </a:rPr>
+              <a:t>', </a:t>
+            </a:r>
+            <a:r>
+              <a:rPr lang="en-US" sz="2000" dirty="0" smtClean="0">
+                <a:solidFill>
+                  <a:srgbClr val="D3AF86"/>
+                </a:solidFill>
+                <a:latin typeface="Consolas" panose="020B0609020204030204" pitchFamily="49" charset="0"/>
+              </a:rPr>
+              <a:t>'</a:t>
+            </a:r>
+            <a:r>
+              <a:rPr lang="en-US" sz="2000" dirty="0" smtClean="0">
+                <a:solidFill>
+                  <a:srgbClr val="889B4A"/>
+                </a:solidFill>
+                <a:latin typeface="Consolas" panose="020B0609020204030204" pitchFamily="49" charset="0"/>
+              </a:rPr>
+              <a:t>Bihar</a:t>
+            </a:r>
+            <a:r>
+              <a:rPr lang="en-US" sz="2000" dirty="0">
+                <a:solidFill>
+                  <a:srgbClr val="D3AF86"/>
+                </a:solidFill>
+                <a:latin typeface="Consolas" panose="020B0609020204030204" pitchFamily="49" charset="0"/>
+              </a:rPr>
+              <a:t>']</a:t>
+            </a:r>
+          </a:p>
+          <a:p>
+            <a:r>
+              <a:rPr lang="en-US" sz="2000" dirty="0">
+                <a:solidFill>
+                  <a:srgbClr val="D3AF86"/>
+                </a:solidFill>
+                <a:latin typeface="Consolas" panose="020B0609020204030204" pitchFamily="49" charset="0"/>
+              </a:rPr>
+              <a:t/>
+            </a:r>
+            <a:br>
+              <a:rPr lang="en-US" sz="2000" dirty="0">
+                <a:solidFill>
+                  <a:srgbClr val="D3AF86"/>
+                </a:solidFill>
+                <a:latin typeface="Consolas" panose="020B0609020204030204" pitchFamily="49" charset="0"/>
+              </a:rPr>
+            </a:br>
+            <a:r>
+              <a:rPr lang="en-US" sz="2000" dirty="0">
+                <a:solidFill>
+                  <a:srgbClr val="F06431"/>
+                </a:solidFill>
+                <a:latin typeface="Consolas" panose="020B0609020204030204" pitchFamily="49" charset="0"/>
+              </a:rPr>
+              <a:t>console</a:t>
+            </a:r>
+            <a:r>
+              <a:rPr lang="en-US" sz="2000" dirty="0">
+                <a:solidFill>
+                  <a:srgbClr val="D3AF86"/>
+                </a:solidFill>
+                <a:latin typeface="Consolas" panose="020B0609020204030204" pitchFamily="49" charset="0"/>
+              </a:rPr>
+              <a:t>.</a:t>
+            </a:r>
+            <a:r>
+              <a:rPr lang="en-US" sz="2000" dirty="0">
+                <a:solidFill>
+                  <a:srgbClr val="7E602C"/>
+                </a:solidFill>
+                <a:latin typeface="Consolas" panose="020B0609020204030204" pitchFamily="49" charset="0"/>
+              </a:rPr>
+              <a:t>log</a:t>
+            </a:r>
+            <a:r>
+              <a:rPr lang="en-US" sz="2000" dirty="0">
+                <a:solidFill>
+                  <a:srgbClr val="D3AF86"/>
+                </a:solidFill>
+                <a:latin typeface="Consolas" panose="020B0609020204030204" pitchFamily="49" charset="0"/>
+              </a:rPr>
+              <a:t>(</a:t>
+            </a:r>
+            <a:r>
+              <a:rPr lang="en-US" sz="2000" dirty="0">
+                <a:solidFill>
+                  <a:srgbClr val="DC3958"/>
+                </a:solidFill>
+                <a:latin typeface="Consolas" panose="020B0609020204030204" pitchFamily="49" charset="0"/>
+              </a:rPr>
+              <a:t>country</a:t>
+            </a:r>
+            <a:r>
+              <a:rPr lang="en-US" sz="2000" dirty="0">
+                <a:solidFill>
+                  <a:srgbClr val="D3AF86"/>
+                </a:solidFill>
+                <a:latin typeface="Consolas" panose="020B0609020204030204" pitchFamily="49" charset="0"/>
+              </a:rPr>
+              <a:t>);</a:t>
+            </a:r>
+          </a:p>
+          <a:p>
+            <a:r>
+              <a:rPr lang="en-US" sz="2000" dirty="0">
+                <a:solidFill>
+                  <a:srgbClr val="F06431"/>
+                </a:solidFill>
+                <a:latin typeface="Consolas" panose="020B0609020204030204" pitchFamily="49" charset="0"/>
+              </a:rPr>
+              <a:t>console</a:t>
+            </a:r>
+            <a:r>
+              <a:rPr lang="en-US" sz="2000" dirty="0">
+                <a:solidFill>
+                  <a:srgbClr val="D3AF86"/>
+                </a:solidFill>
+                <a:latin typeface="Consolas" panose="020B0609020204030204" pitchFamily="49" charset="0"/>
+              </a:rPr>
+              <a:t>.</a:t>
+            </a:r>
+            <a:r>
+              <a:rPr lang="en-US" sz="2000" dirty="0">
+                <a:solidFill>
+                  <a:srgbClr val="7E602C"/>
+                </a:solidFill>
+                <a:latin typeface="Consolas" panose="020B0609020204030204" pitchFamily="49" charset="0"/>
+              </a:rPr>
+              <a:t>log</a:t>
+            </a:r>
+            <a:r>
+              <a:rPr lang="en-US" sz="2000" dirty="0">
+                <a:solidFill>
+                  <a:srgbClr val="D3AF86"/>
+                </a:solidFill>
+                <a:latin typeface="Consolas" panose="020B0609020204030204" pitchFamily="49" charset="0"/>
+              </a:rPr>
+              <a:t>(</a:t>
+            </a:r>
+            <a:r>
+              <a:rPr lang="en-US" sz="2000" dirty="0">
+                <a:solidFill>
+                  <a:srgbClr val="DC3958"/>
+                </a:solidFill>
+                <a:latin typeface="Consolas" panose="020B0609020204030204" pitchFamily="49" charset="0"/>
+              </a:rPr>
+              <a:t>state</a:t>
+            </a:r>
+            <a:r>
+              <a:rPr lang="en-US" sz="2000" dirty="0" smtClean="0">
+                <a:solidFill>
+                  <a:srgbClr val="D3AF86"/>
+                </a:solidFill>
+                <a:latin typeface="Consolas" panose="020B0609020204030204" pitchFamily="49" charset="0"/>
+              </a:rPr>
+              <a:t>);</a:t>
+            </a:r>
+            <a:endParaRPr lang="en-US" sz="2000" dirty="0">
+              <a:solidFill>
+                <a:srgbClr val="D3AF86"/>
+              </a:solidFill>
+              <a:latin typeface="Consolas" panose="020B0609020204030204" pitchFamily="49" charset="0"/>
+            </a:endParaRPr>
+          </a:p>
+        </p:txBody>
+      </p:sp>
+    </p:spTree>
+    <p:extLst>
+      <p:ext uri="{BB962C8B-B14F-4D97-AF65-F5344CB8AC3E}">
+        <p14:creationId xmlns:p14="http://schemas.microsoft.com/office/powerpoint/2010/main" val="345972400"/>
+      </p:ext>
+    </p:extLst>
+  </p:cSld>
+  <p:clrMapOvr>
+    <a:masterClrMapping/>
+  </p:clrMapOvr>
+  <p:timing>
+    <p:tnLst>
+      <p:par>
+        <p:cTn id="1" dur="indefinite" restart="never" nodeType="tmRoot"/>
+      </p:par>
+    </p:tnLst>
+  </p:timing>
+</p:sld>
+</file>
+
+<file path=ppt/slides/slide40.xml><?xml version="1.0" encoding="utf-8"?>
 <p:sld xmlns:a="http://schemas.openxmlformats.org/drawingml/2006/main" xmlns:r="http://schemas.openxmlformats.org/officeDocument/2006/relationships" xmlns:p="http://schemas.openxmlformats.org/presentationml/2006/main">
   <p:cSld>
     <p:spTree>
@@ -19891,7 +23158,7 @@
 </p:sld>
 </file>
 
-<file path=ppt/slides/slide39.xml><?xml version="1.0" encoding="utf-8"?>
+<file path=ppt/slides/slide41.xml><?xml version="1.0" encoding="utf-8"?>
 <p:sld xmlns:a="http://schemas.openxmlformats.org/drawingml/2006/main" xmlns:r="http://schemas.openxmlformats.org/officeDocument/2006/relationships" xmlns:p="http://schemas.openxmlformats.org/presentationml/2006/main">
   <p:cSld>
     <p:spTree>
@@ -20564,195 +23831,7 @@
 </p:sld>
 </file>
 
-<file path=ppt/slides/slide4.xml><?xml version="1.0" encoding="utf-8"?>
-<p:sld xmlns:a="http://schemas.openxmlformats.org/drawingml/2006/main" xmlns:r="http://schemas.openxmlformats.org/officeDocument/2006/relationships" xmlns:p="http://schemas.openxmlformats.org/presentationml/2006/main">
-  <p:cSld>
-    <p:spTree>
-      <p:nvGrpSpPr>
-        <p:cNvPr id="1" name=""/>
-        <p:cNvGrpSpPr/>
-        <p:nvPr/>
-      </p:nvGrpSpPr>
-      <p:grpSpPr>
-        <a:xfrm>
-          <a:off x="0" y="0"/>
-          <a:ext cx="0" cy="0"/>
-          <a:chOff x="0" y="0"/>
-          <a:chExt cx="0" cy="0"/>
-        </a:xfrm>
-      </p:grpSpPr>
-      <p:sp>
-        <p:nvSpPr>
-          <p:cNvPr id="2" name="Title 1"/>
-          <p:cNvSpPr txBox="1">
-            <a:spLocks/>
-          </p:cNvSpPr>
-          <p:nvPr/>
-        </p:nvSpPr>
-        <p:spPr>
-          <a:xfrm>
-            <a:off x="152400" y="2362200"/>
-            <a:ext cx="8839200" cy="838200"/>
-          </a:xfrm>
-          <a:prstGeom prst="rect">
-            <a:avLst/>
-          </a:prstGeom>
-          <a:solidFill>
-            <a:schemeClr val="bg1"/>
-          </a:solidFill>
-        </p:spPr>
-        <p:txBody>
-          <a:bodyPr>
-            <a:noAutofit/>
-          </a:bodyPr>
-          <a:lstStyle/>
-          <a:p>
-            <a:pPr algn="ctr"/>
-            <a:r>
-              <a:rPr lang="en-IN" sz="4800" b="1" i="1" dirty="0" smtClean="0">
-                <a:solidFill>
-                  <a:srgbClr val="EAEF2D"/>
-                </a:solidFill>
-                <a:latin typeface="Segoe UI Light" panose="020B0502040204020203" pitchFamily="34" charset="0"/>
-                <a:cs typeface="Segoe UI Light" panose="020B0502040204020203" pitchFamily="34" charset="0"/>
-              </a:rPr>
-              <a:t>variable declaration</a:t>
-            </a:r>
-            <a:endParaRPr lang="en-IN" sz="4800" b="1" i="1" dirty="0">
-              <a:solidFill>
-                <a:srgbClr val="EAEF2D"/>
-              </a:solidFill>
-              <a:latin typeface="Segoe UI Light" panose="020B0502040204020203" pitchFamily="34" charset="0"/>
-              <a:cs typeface="Segoe UI Light" panose="020B0502040204020203" pitchFamily="34" charset="0"/>
-            </a:endParaRPr>
-          </a:p>
-        </p:txBody>
-      </p:sp>
-      <p:sp>
-        <p:nvSpPr>
-          <p:cNvPr id="3" name="Rectangle 2"/>
-          <p:cNvSpPr/>
-          <p:nvPr/>
-        </p:nvSpPr>
-        <p:spPr>
-          <a:xfrm>
-            <a:off x="381000" y="3283803"/>
-            <a:ext cx="8382000" cy="707886"/>
-          </a:xfrm>
-          <a:prstGeom prst="rect">
-            <a:avLst/>
-          </a:prstGeom>
-        </p:spPr>
-        <p:txBody>
-          <a:bodyPr wrap="square">
-            <a:spAutoFit/>
-          </a:bodyPr>
-          <a:lstStyle/>
-          <a:p>
-            <a:r>
-              <a:rPr lang="en-US" sz="2000" dirty="0">
-                <a:solidFill>
-                  <a:srgbClr val="352517"/>
-                </a:solidFill>
-                <a:latin typeface="Segoe UI" panose="020B0502040204020203" pitchFamily="34" charset="0"/>
-                <a:cs typeface="Segoe UI" panose="020B0502040204020203" pitchFamily="34" charset="0"/>
-              </a:rPr>
-              <a:t>TypeScript follows the same rules as JavaScript for variable declarations. Variables can be declared using: </a:t>
-            </a:r>
-            <a:r>
-              <a:rPr lang="en-US" sz="2000" i="1" dirty="0">
-                <a:solidFill>
-                  <a:srgbClr val="00B0F0"/>
-                </a:solidFill>
-                <a:latin typeface="Segoe UI" panose="020B0502040204020203" pitchFamily="34" charset="0"/>
-                <a:cs typeface="Segoe UI" panose="020B0502040204020203" pitchFamily="34" charset="0"/>
-              </a:rPr>
-              <a:t>var</a:t>
-            </a:r>
-            <a:r>
-              <a:rPr lang="en-US" sz="2000" dirty="0">
-                <a:solidFill>
-                  <a:srgbClr val="352517"/>
-                </a:solidFill>
-                <a:latin typeface="Segoe UI" panose="020B0502040204020203" pitchFamily="34" charset="0"/>
-                <a:cs typeface="Segoe UI" panose="020B0502040204020203" pitchFamily="34" charset="0"/>
-              </a:rPr>
-              <a:t>, </a:t>
-            </a:r>
-            <a:r>
-              <a:rPr lang="en-US" sz="2000" i="1" dirty="0">
-                <a:solidFill>
-                  <a:srgbClr val="00B0F0"/>
-                </a:solidFill>
-                <a:latin typeface="Segoe UI" panose="020B0502040204020203" pitchFamily="34" charset="0"/>
-                <a:cs typeface="Segoe UI" panose="020B0502040204020203" pitchFamily="34" charset="0"/>
-              </a:rPr>
-              <a:t>let</a:t>
-            </a:r>
-            <a:r>
-              <a:rPr lang="en-US" sz="2000" dirty="0">
-                <a:solidFill>
-                  <a:srgbClr val="352517"/>
-                </a:solidFill>
-                <a:latin typeface="Segoe UI" panose="020B0502040204020203" pitchFamily="34" charset="0"/>
-                <a:cs typeface="Segoe UI" panose="020B0502040204020203" pitchFamily="34" charset="0"/>
-              </a:rPr>
-              <a:t>, </a:t>
-            </a:r>
-            <a:r>
-              <a:rPr lang="en-US" sz="2000" dirty="0" smtClean="0">
-                <a:solidFill>
-                  <a:srgbClr val="352517"/>
-                </a:solidFill>
-                <a:latin typeface="Segoe UI" panose="020B0502040204020203" pitchFamily="34" charset="0"/>
-                <a:cs typeface="Segoe UI" panose="020B0502040204020203" pitchFamily="34" charset="0"/>
-              </a:rPr>
-              <a:t>or </a:t>
-            </a:r>
-            <a:r>
-              <a:rPr lang="en-US" sz="2000" i="1" dirty="0">
-                <a:solidFill>
-                  <a:srgbClr val="00B0F0"/>
-                </a:solidFill>
-                <a:latin typeface="Segoe UI" panose="020B0502040204020203" pitchFamily="34" charset="0"/>
-                <a:cs typeface="Segoe UI" panose="020B0502040204020203" pitchFamily="34" charset="0"/>
-              </a:rPr>
-              <a:t>const</a:t>
-            </a:r>
-            <a:r>
-              <a:rPr lang="en-US" sz="2000" dirty="0">
-                <a:solidFill>
-                  <a:srgbClr val="352517"/>
-                </a:solidFill>
-                <a:latin typeface="Segoe UI" panose="020B0502040204020203" pitchFamily="34" charset="0"/>
-                <a:cs typeface="Segoe UI" panose="020B0502040204020203" pitchFamily="34" charset="0"/>
-              </a:rPr>
-              <a:t>.</a:t>
-            </a:r>
-          </a:p>
-        </p:txBody>
-      </p:sp>
-    </p:spTree>
-    <p:extLst>
-      <p:ext uri="{BB962C8B-B14F-4D97-AF65-F5344CB8AC3E}">
-        <p14:creationId xmlns:p14="http://schemas.microsoft.com/office/powerpoint/2010/main" val="345972400"/>
-      </p:ext>
-    </p:extLst>
-  </p:cSld>
-  <p:clrMapOvr>
-    <a:masterClrMapping/>
-  </p:clrMapOvr>
-  <p:timing>
-    <p:tnLst>
-      <p:par>
-        <p:cTn id="1" dur="indefinite" restart="never" nodeType="tmRoot"/>
-      </p:par>
-    </p:tnLst>
-  </p:timing>
-</p:sld>
-</file>
-
-<file path=ppt/slides/slide40.xml><?xml version="1.0" encoding="utf-8"?>
+<file path=ppt/slides/slide42.xml><?xml version="1.0" encoding="utf-8"?>
 <p:sld xmlns:a="http://schemas.openxmlformats.org/drawingml/2006/main" xmlns:r="http://schemas.openxmlformats.org/officeDocument/2006/relationships" xmlns:p="http://schemas.openxmlformats.org/presentationml/2006/main">
   <p:cSld>
     <p:spTree>
@@ -21590,821 +24669,6 @@
     <p:extLst>
       <p:ext uri="{BB962C8B-B14F-4D97-AF65-F5344CB8AC3E}">
         <p14:creationId xmlns:p14="http://schemas.microsoft.com/office/powerpoint/2010/main" val="2519211143"/>
-      </p:ext>
-    </p:extLst>
-  </p:cSld>
-  <p:clrMapOvr>
-    <a:masterClrMapping/>
-  </p:clrMapOvr>
-  <p:timing>
-    <p:tnLst>
-      <p:par>
-        <p:cTn id="1" dur="indefinite" restart="never" nodeType="tmRoot"/>
-      </p:par>
-    </p:tnLst>
-  </p:timing>
-</p:sld>
-</file>
-
-<file path=ppt/slides/slide41.xml><?xml version="1.0" encoding="utf-8"?>
-<p:sld xmlns:a="http://schemas.openxmlformats.org/drawingml/2006/main" xmlns:r="http://schemas.openxmlformats.org/officeDocument/2006/relationships" xmlns:p="http://schemas.openxmlformats.org/presentationml/2006/main">
-  <p:cSld>
-    <p:spTree>
-      <p:nvGrpSpPr>
-        <p:cNvPr id="1" name=""/>
-        <p:cNvGrpSpPr/>
-        <p:nvPr/>
-      </p:nvGrpSpPr>
-      <p:grpSpPr>
-        <a:xfrm>
-          <a:off x="0" y="0"/>
-          <a:ext cx="0" cy="0"/>
-          <a:chOff x="0" y="0"/>
-          <a:chExt cx="0" cy="0"/>
-        </a:xfrm>
-      </p:grpSpPr>
-      <p:cxnSp>
-        <p:nvCxnSpPr>
-          <p:cNvPr id="6" name="Straight Connector 5"/>
-          <p:cNvCxnSpPr/>
-          <p:nvPr/>
-        </p:nvCxnSpPr>
-        <p:spPr>
-          <a:xfrm>
-            <a:off x="0" y="1524000"/>
-            <a:ext cx="9144000" cy="1588"/>
-          </a:xfrm>
-          <a:prstGeom prst="line">
-            <a:avLst/>
-          </a:prstGeom>
-          <a:ln w="12700">
-            <a:prstDash val="dash"/>
-          </a:ln>
-        </p:spPr>
-        <p:style>
-          <a:lnRef idx="1">
-            <a:schemeClr val="accent1"/>
-          </a:lnRef>
-          <a:fillRef idx="0">
-            <a:schemeClr val="accent1"/>
-          </a:fillRef>
-          <a:effectRef idx="0">
-            <a:schemeClr val="accent1"/>
-          </a:effectRef>
-          <a:fontRef idx="minor">
-            <a:schemeClr val="tx1"/>
-          </a:fontRef>
-        </p:style>
-      </p:cxnSp>
-      <p:sp>
-        <p:nvSpPr>
-          <p:cNvPr id="9" name="Rectangle 8"/>
-          <p:cNvSpPr/>
-          <p:nvPr/>
-        </p:nvSpPr>
-        <p:spPr>
-          <a:xfrm>
-            <a:off x="0" y="0"/>
-            <a:ext cx="9144000" cy="707886"/>
-          </a:xfrm>
-          <a:prstGeom prst="rect">
-            <a:avLst/>
-          </a:prstGeom>
-          <a:solidFill>
-            <a:srgbClr val="EAEF2D"/>
-          </a:solidFill>
-        </p:spPr>
-        <p:txBody>
-          <a:bodyPr wrap="square">
-            <a:spAutoFit/>
-          </a:bodyPr>
-          <a:lstStyle/>
-          <a:p>
-            <a:pPr algn="r"/>
-            <a:r>
-              <a:rPr lang="en-IN" sz="4000" dirty="0" smtClean="0">
-                <a:solidFill>
-                  <a:srgbClr val="00B050"/>
-                </a:solidFill>
-                <a:latin typeface="Segoe UI Light" panose="020B0502040204020203" pitchFamily="34" charset="0"/>
-                <a:cs typeface="Segoe UI Light" panose="020B0502040204020203" pitchFamily="34" charset="0"/>
-              </a:rPr>
-              <a:t>object</a:t>
-            </a:r>
-            <a:endParaRPr lang="en-IN" sz="4000" dirty="0">
-              <a:solidFill>
-                <a:srgbClr val="00B050"/>
-              </a:solidFill>
-              <a:latin typeface="Segoe UI Light" panose="020B0502040204020203" pitchFamily="34" charset="0"/>
-              <a:cs typeface="Segoe UI Light" panose="020B0502040204020203" pitchFamily="34" charset="0"/>
-            </a:endParaRPr>
-          </a:p>
-        </p:txBody>
-      </p:sp>
-      <p:sp>
-        <p:nvSpPr>
-          <p:cNvPr id="7" name="Rectangle 6"/>
-          <p:cNvSpPr/>
-          <p:nvPr/>
-        </p:nvSpPr>
-        <p:spPr>
-          <a:xfrm>
-            <a:off x="114300" y="762000"/>
-            <a:ext cx="8915400" cy="369332"/>
-          </a:xfrm>
-          <a:prstGeom prst="rect">
-            <a:avLst/>
-          </a:prstGeom>
-        </p:spPr>
-        <p:txBody>
-          <a:bodyPr wrap="square">
-            <a:spAutoFit/>
-          </a:bodyPr>
-          <a:lstStyle/>
-          <a:p>
-            <a:r>
-              <a:rPr lang="en-IN" sz="1800" dirty="0">
-                <a:solidFill>
-                  <a:srgbClr val="A31515"/>
-                </a:solidFill>
-                <a:highlight>
-                  <a:srgbClr val="FFFFFF"/>
-                </a:highlight>
-                <a:latin typeface="Open Sans"/>
-              </a:rPr>
-              <a:t>TODO</a:t>
-            </a:r>
-          </a:p>
-        </p:txBody>
-      </p:sp>
-      <p:sp>
-        <p:nvSpPr>
-          <p:cNvPr id="8" name="Rectangle 7"/>
-          <p:cNvSpPr/>
-          <p:nvPr/>
-        </p:nvSpPr>
-        <p:spPr>
-          <a:xfrm>
-            <a:off x="114300" y="1752600"/>
-            <a:ext cx="8915400" cy="4093428"/>
-          </a:xfrm>
-          <a:prstGeom prst="rect">
-            <a:avLst/>
-          </a:prstGeom>
-        </p:spPr>
-        <p:txBody>
-          <a:bodyPr wrap="square">
-            <a:spAutoFit/>
-          </a:bodyPr>
-          <a:lstStyle/>
-          <a:p>
-            <a:r>
-              <a:rPr lang="en-US" sz="2000" dirty="0">
-                <a:solidFill>
-                  <a:srgbClr val="98676A"/>
-                </a:solidFill>
-                <a:latin typeface="Consolas" panose="020B0609020204030204" pitchFamily="49" charset="0"/>
-              </a:rPr>
-              <a:t>var</a:t>
-            </a:r>
-            <a:r>
-              <a:rPr lang="en-US" sz="2000" dirty="0">
-                <a:solidFill>
-                  <a:srgbClr val="D3AF86"/>
-                </a:solidFill>
-                <a:latin typeface="Consolas" panose="020B0609020204030204" pitchFamily="49" charset="0"/>
-              </a:rPr>
-              <a:t> </a:t>
-            </a:r>
-            <a:r>
-              <a:rPr lang="en-US" sz="2000" dirty="0">
-                <a:solidFill>
-                  <a:srgbClr val="DC3958"/>
-                </a:solidFill>
-                <a:latin typeface="Consolas" panose="020B0609020204030204" pitchFamily="49" charset="0"/>
-              </a:rPr>
-              <a:t>employee</a:t>
-            </a:r>
-            <a:r>
-              <a:rPr lang="en-US" sz="2000" dirty="0">
-                <a:solidFill>
-                  <a:srgbClr val="D3AF86"/>
-                </a:solidFill>
-                <a:latin typeface="Consolas" panose="020B0609020204030204" pitchFamily="49" charset="0"/>
-              </a:rPr>
-              <a:t>: [{</a:t>
-            </a:r>
-          </a:p>
-          <a:p>
-            <a:r>
-              <a:rPr lang="en-US" sz="2000" dirty="0" smtClean="0">
-                <a:solidFill>
-                  <a:srgbClr val="DC3958"/>
-                </a:solidFill>
-                <a:latin typeface="Consolas" panose="020B0609020204030204" pitchFamily="49" charset="0"/>
-              </a:rPr>
-              <a:t>    firstName</a:t>
-            </a:r>
-            <a:r>
-              <a:rPr lang="en-US" sz="2000" dirty="0">
-                <a:solidFill>
-                  <a:srgbClr val="D3AF86"/>
-                </a:solidFill>
-                <a:latin typeface="Consolas" panose="020B0609020204030204" pitchFamily="49" charset="0"/>
-              </a:rPr>
-              <a:t>: string,</a:t>
-            </a:r>
-          </a:p>
-          <a:p>
-            <a:r>
-              <a:rPr lang="en-US" sz="2000" dirty="0" smtClean="0">
-                <a:solidFill>
-                  <a:srgbClr val="DC3958"/>
-                </a:solidFill>
-                <a:latin typeface="Consolas" panose="020B0609020204030204" pitchFamily="49" charset="0"/>
-              </a:rPr>
-              <a:t>    lastName</a:t>
-            </a:r>
-            <a:r>
-              <a:rPr lang="en-US" sz="2000" dirty="0">
-                <a:solidFill>
-                  <a:srgbClr val="D3AF86"/>
-                </a:solidFill>
-                <a:latin typeface="Consolas" panose="020B0609020204030204" pitchFamily="49" charset="0"/>
-              </a:rPr>
-              <a:t>: string,</a:t>
-            </a:r>
-          </a:p>
-          <a:p>
-            <a:r>
-              <a:rPr lang="en-US" sz="2000" dirty="0" smtClean="0">
-                <a:solidFill>
-                  <a:srgbClr val="DC3958"/>
-                </a:solidFill>
-                <a:latin typeface="Consolas" panose="020B0609020204030204" pitchFamily="49" charset="0"/>
-              </a:rPr>
-              <a:t>    canVote</a:t>
-            </a:r>
-            <a:r>
-              <a:rPr lang="en-US" sz="2000" dirty="0">
-                <a:solidFill>
-                  <a:srgbClr val="D3AF86"/>
-                </a:solidFill>
-                <a:latin typeface="Consolas" panose="020B0609020204030204" pitchFamily="49" charset="0"/>
-              </a:rPr>
-              <a:t>: boolean</a:t>
-            </a:r>
-          </a:p>
-          <a:p>
-            <a:r>
-              <a:rPr lang="en-US" sz="2000" dirty="0">
-                <a:solidFill>
-                  <a:srgbClr val="D3AF86"/>
-                </a:solidFill>
-                <a:latin typeface="Consolas" panose="020B0609020204030204" pitchFamily="49" charset="0"/>
-              </a:rPr>
-              <a:t>}]</a:t>
-            </a:r>
-          </a:p>
-          <a:p>
-            <a:r>
-              <a:rPr lang="en-US" sz="2000" dirty="0">
-                <a:solidFill>
-                  <a:srgbClr val="D3AF86"/>
-                </a:solidFill>
-                <a:latin typeface="Consolas" panose="020B0609020204030204" pitchFamily="49" charset="0"/>
-              </a:rPr>
-              <a:t/>
-            </a:r>
-            <a:br>
-              <a:rPr lang="en-US" sz="2000" dirty="0">
-                <a:solidFill>
-                  <a:srgbClr val="D3AF86"/>
-                </a:solidFill>
-                <a:latin typeface="Consolas" panose="020B0609020204030204" pitchFamily="49" charset="0"/>
-              </a:rPr>
-            </a:br>
-            <a:r>
-              <a:rPr lang="en-US" sz="2000" dirty="0">
-                <a:solidFill>
-                  <a:srgbClr val="98676A"/>
-                </a:solidFill>
-                <a:latin typeface="Consolas" panose="020B0609020204030204" pitchFamily="49" charset="0"/>
-              </a:rPr>
-              <a:t>var</a:t>
-            </a:r>
-            <a:r>
-              <a:rPr lang="en-US" sz="2000" dirty="0">
-                <a:solidFill>
-                  <a:srgbClr val="D3AF86"/>
-                </a:solidFill>
-                <a:latin typeface="Consolas" panose="020B0609020204030204" pitchFamily="49" charset="0"/>
-              </a:rPr>
-              <a:t> </a:t>
-            </a:r>
-            <a:r>
-              <a:rPr lang="en-US" sz="2000" dirty="0">
-                <a:solidFill>
-                  <a:srgbClr val="DC3958"/>
-                </a:solidFill>
-                <a:latin typeface="Consolas" panose="020B0609020204030204" pitchFamily="49" charset="0"/>
-              </a:rPr>
-              <a:t>employee</a:t>
-            </a:r>
-            <a:r>
-              <a:rPr lang="en-US" sz="2000" dirty="0">
-                <a:solidFill>
-                  <a:srgbClr val="D3AF86"/>
-                </a:solidFill>
-                <a:latin typeface="Consolas" panose="020B0609020204030204" pitchFamily="49" charset="0"/>
-              </a:rPr>
-              <a:t> = </a:t>
-            </a:r>
-            <a:r>
-              <a:rPr lang="en-US" sz="2000" dirty="0" smtClean="0">
-                <a:solidFill>
-                  <a:srgbClr val="D3AF86"/>
-                </a:solidFill>
-                <a:latin typeface="Consolas" panose="020B0609020204030204" pitchFamily="49" charset="0"/>
-              </a:rPr>
-              <a:t>[</a:t>
-            </a:r>
-          </a:p>
-          <a:p>
-            <a:r>
-              <a:rPr lang="en-US" sz="2000" dirty="0" smtClean="0">
-                <a:solidFill>
-                  <a:srgbClr val="D3AF86"/>
-                </a:solidFill>
-                <a:latin typeface="Consolas" panose="020B0609020204030204" pitchFamily="49" charset="0"/>
-              </a:rPr>
-              <a:t>    {firstName</a:t>
-            </a:r>
-            <a:r>
-              <a:rPr lang="en-US" sz="2000" dirty="0">
-                <a:solidFill>
-                  <a:srgbClr val="D3AF86"/>
-                </a:solidFill>
-                <a:latin typeface="Consolas" panose="020B0609020204030204" pitchFamily="49" charset="0"/>
-              </a:rPr>
-              <a:t>: '</a:t>
-            </a:r>
-            <a:r>
-              <a:rPr lang="en-US" sz="2000" dirty="0">
-                <a:solidFill>
-                  <a:srgbClr val="889B4A"/>
-                </a:solidFill>
-                <a:latin typeface="Consolas" panose="020B0609020204030204" pitchFamily="49" charset="0"/>
-              </a:rPr>
-              <a:t>Saleel</a:t>
-            </a:r>
-            <a:r>
-              <a:rPr lang="en-US" sz="2000" dirty="0">
-                <a:solidFill>
-                  <a:srgbClr val="D3AF86"/>
-                </a:solidFill>
-                <a:latin typeface="Consolas" panose="020B0609020204030204" pitchFamily="49" charset="0"/>
-              </a:rPr>
-              <a:t>', lastName: </a:t>
-            </a:r>
-            <a:r>
-              <a:rPr lang="en-US" sz="2000" dirty="0" smtClean="0">
-                <a:solidFill>
-                  <a:srgbClr val="D3AF86"/>
-                </a:solidFill>
-                <a:latin typeface="Consolas" panose="020B0609020204030204" pitchFamily="49" charset="0"/>
-              </a:rPr>
-              <a:t>'</a:t>
-            </a:r>
-            <a:r>
-              <a:rPr lang="en-US" sz="2000" dirty="0" smtClean="0">
-                <a:solidFill>
-                  <a:srgbClr val="889B4A"/>
-                </a:solidFill>
-                <a:latin typeface="Consolas" panose="020B0609020204030204" pitchFamily="49" charset="0"/>
-              </a:rPr>
-              <a:t>Bagde</a:t>
-            </a:r>
-            <a:r>
-              <a:rPr lang="en-US" sz="2000" dirty="0" smtClean="0">
-                <a:solidFill>
-                  <a:srgbClr val="D3AF86"/>
-                </a:solidFill>
-                <a:latin typeface="Consolas" panose="020B0609020204030204" pitchFamily="49" charset="0"/>
-              </a:rPr>
-              <a:t>', canVote</a:t>
-            </a:r>
-            <a:r>
-              <a:rPr lang="en-US" sz="2000" dirty="0">
-                <a:solidFill>
-                  <a:srgbClr val="D3AF86"/>
-                </a:solidFill>
-                <a:latin typeface="Consolas" panose="020B0609020204030204" pitchFamily="49" charset="0"/>
-              </a:rPr>
-              <a:t>: </a:t>
-            </a:r>
-            <a:r>
-              <a:rPr lang="en-US" sz="2000" dirty="0" smtClean="0">
-                <a:solidFill>
-                  <a:srgbClr val="F79A32"/>
-                </a:solidFill>
-                <a:latin typeface="Consolas" panose="020B0609020204030204" pitchFamily="49" charset="0"/>
-              </a:rPr>
-              <a:t>true</a:t>
-            </a:r>
-            <a:r>
-              <a:rPr lang="en-US" sz="2000" dirty="0" smtClean="0">
-                <a:solidFill>
-                  <a:srgbClr val="D3AF86"/>
-                </a:solidFill>
-                <a:latin typeface="Consolas" panose="020B0609020204030204" pitchFamily="49" charset="0"/>
-              </a:rPr>
-              <a:t>},</a:t>
-            </a:r>
-            <a:endParaRPr lang="en-US" sz="2000" dirty="0">
-              <a:solidFill>
-                <a:srgbClr val="D3AF86"/>
-              </a:solidFill>
-              <a:latin typeface="Consolas" panose="020B0609020204030204" pitchFamily="49" charset="0"/>
-            </a:endParaRPr>
-          </a:p>
-          <a:p>
-            <a:r>
-              <a:rPr lang="en-US" sz="2000" dirty="0" smtClean="0">
-                <a:solidFill>
-                  <a:srgbClr val="D3AF86"/>
-                </a:solidFill>
-                <a:latin typeface="Consolas" panose="020B0609020204030204" pitchFamily="49" charset="0"/>
-              </a:rPr>
-              <a:t>    {firstName</a:t>
-            </a:r>
-            <a:r>
-              <a:rPr lang="en-US" sz="2000" dirty="0">
-                <a:solidFill>
-                  <a:srgbClr val="D3AF86"/>
-                </a:solidFill>
-                <a:latin typeface="Consolas" panose="020B0609020204030204" pitchFamily="49" charset="0"/>
-              </a:rPr>
-              <a:t>: '</a:t>
-            </a:r>
-            <a:r>
-              <a:rPr lang="en-US" sz="2000" dirty="0" err="1">
-                <a:solidFill>
-                  <a:srgbClr val="889B4A"/>
-                </a:solidFill>
-                <a:latin typeface="Consolas" panose="020B0609020204030204" pitchFamily="49" charset="0"/>
-              </a:rPr>
-              <a:t>Vrushali</a:t>
-            </a:r>
-            <a:r>
-              <a:rPr lang="en-US" sz="2000" dirty="0">
-                <a:solidFill>
-                  <a:srgbClr val="D3AF86"/>
-                </a:solidFill>
-                <a:latin typeface="Consolas" panose="020B0609020204030204" pitchFamily="49" charset="0"/>
-              </a:rPr>
-              <a:t>', lastName: '</a:t>
-            </a:r>
-            <a:r>
-              <a:rPr lang="en-US" sz="2000" dirty="0">
-                <a:solidFill>
-                  <a:srgbClr val="889B4A"/>
-                </a:solidFill>
-                <a:latin typeface="Consolas" panose="020B0609020204030204" pitchFamily="49" charset="0"/>
-              </a:rPr>
-              <a:t>Bagde</a:t>
-            </a:r>
-            <a:r>
-              <a:rPr lang="en-US" sz="2000" dirty="0" smtClean="0">
-                <a:solidFill>
-                  <a:srgbClr val="D3AF86"/>
-                </a:solidFill>
-                <a:latin typeface="Consolas" panose="020B0609020204030204" pitchFamily="49" charset="0"/>
-              </a:rPr>
-              <a:t>', </a:t>
-            </a:r>
-            <a:r>
-              <a:rPr lang="en-US" sz="2000" dirty="0">
-                <a:solidFill>
-                  <a:srgbClr val="D3AF86"/>
-                </a:solidFill>
-                <a:latin typeface="Consolas" panose="020B0609020204030204" pitchFamily="49" charset="0"/>
-              </a:rPr>
-              <a:t>canVote: </a:t>
-            </a:r>
-            <a:r>
-              <a:rPr lang="en-US" sz="2000" dirty="0" smtClean="0">
-                <a:solidFill>
-                  <a:srgbClr val="F79A32"/>
-                </a:solidFill>
-                <a:latin typeface="Consolas" panose="020B0609020204030204" pitchFamily="49" charset="0"/>
-              </a:rPr>
-              <a:t>true</a:t>
-            </a:r>
-            <a:r>
-              <a:rPr lang="en-US" sz="2000" dirty="0" smtClean="0">
-                <a:solidFill>
-                  <a:srgbClr val="D3AF86"/>
-                </a:solidFill>
-                <a:latin typeface="Consolas" panose="020B0609020204030204" pitchFamily="49" charset="0"/>
-              </a:rPr>
-              <a:t>},</a:t>
-            </a:r>
-            <a:endParaRPr lang="en-US" sz="2000" dirty="0">
-              <a:solidFill>
-                <a:srgbClr val="D3AF86"/>
-              </a:solidFill>
-              <a:latin typeface="Consolas" panose="020B0609020204030204" pitchFamily="49" charset="0"/>
-            </a:endParaRPr>
-          </a:p>
-          <a:p>
-            <a:r>
-              <a:rPr lang="en-US" sz="2000" dirty="0" smtClean="0">
-                <a:solidFill>
-                  <a:srgbClr val="D3AF86"/>
-                </a:solidFill>
-                <a:latin typeface="Consolas" panose="020B0609020204030204" pitchFamily="49" charset="0"/>
-              </a:rPr>
-              <a:t>    {firstName: </a:t>
-            </a:r>
-            <a:r>
-              <a:rPr lang="en-US" sz="2000" dirty="0">
-                <a:solidFill>
-                  <a:srgbClr val="D3AF86"/>
-                </a:solidFill>
-                <a:latin typeface="Consolas" panose="020B0609020204030204" pitchFamily="49" charset="0"/>
-              </a:rPr>
-              <a:t>'</a:t>
-            </a:r>
-            <a:r>
-              <a:rPr lang="en-US" sz="2000" dirty="0">
-                <a:solidFill>
-                  <a:srgbClr val="889B4A"/>
-                </a:solidFill>
-                <a:latin typeface="Consolas" panose="020B0609020204030204" pitchFamily="49" charset="0"/>
-              </a:rPr>
-              <a:t>Sharmin</a:t>
-            </a:r>
-            <a:r>
-              <a:rPr lang="en-US" sz="2000" dirty="0">
-                <a:solidFill>
-                  <a:srgbClr val="D3AF86"/>
-                </a:solidFill>
-                <a:latin typeface="Consolas" panose="020B0609020204030204" pitchFamily="49" charset="0"/>
-              </a:rPr>
-              <a:t>', lastName : '</a:t>
-            </a:r>
-            <a:r>
-              <a:rPr lang="en-US" sz="2000" dirty="0">
-                <a:solidFill>
-                  <a:srgbClr val="889B4A"/>
-                </a:solidFill>
-                <a:latin typeface="Consolas" panose="020B0609020204030204" pitchFamily="49" charset="0"/>
-              </a:rPr>
-              <a:t>Bagde</a:t>
-            </a:r>
-            <a:r>
-              <a:rPr lang="en-US" sz="2000" dirty="0" smtClean="0">
-                <a:solidFill>
-                  <a:srgbClr val="D3AF86"/>
-                </a:solidFill>
-                <a:latin typeface="Consolas" panose="020B0609020204030204" pitchFamily="49" charset="0"/>
-              </a:rPr>
-              <a:t>', canVote </a:t>
-            </a:r>
-            <a:r>
-              <a:rPr lang="en-US" sz="2000" dirty="0">
-                <a:solidFill>
-                  <a:srgbClr val="D3AF86"/>
-                </a:solidFill>
-                <a:latin typeface="Consolas" panose="020B0609020204030204" pitchFamily="49" charset="0"/>
-              </a:rPr>
-              <a:t>: </a:t>
-            </a:r>
-            <a:r>
-              <a:rPr lang="en-US" sz="2000" dirty="0">
-                <a:solidFill>
-                  <a:srgbClr val="F79A32"/>
-                </a:solidFill>
-                <a:latin typeface="Consolas" panose="020B0609020204030204" pitchFamily="49" charset="0"/>
-              </a:rPr>
-              <a:t>true</a:t>
-            </a:r>
-            <a:r>
-              <a:rPr lang="en-US" sz="2000" dirty="0" smtClean="0">
-                <a:solidFill>
-                  <a:srgbClr val="D3AF86"/>
-                </a:solidFill>
-                <a:latin typeface="Consolas" panose="020B0609020204030204" pitchFamily="49" charset="0"/>
-              </a:rPr>
-              <a:t>}</a:t>
-            </a:r>
-          </a:p>
-          <a:p>
-            <a:r>
-              <a:rPr lang="en-US" sz="2000" dirty="0" smtClean="0">
-                <a:solidFill>
-                  <a:srgbClr val="D3AF86"/>
-                </a:solidFill>
-                <a:latin typeface="Consolas" panose="020B0609020204030204" pitchFamily="49" charset="0"/>
-              </a:rPr>
-              <a:t>]</a:t>
-            </a:r>
-            <a:endParaRPr lang="en-US" sz="2000" dirty="0">
-              <a:solidFill>
-                <a:srgbClr val="D3AF86"/>
-              </a:solidFill>
-              <a:latin typeface="Consolas" panose="020B0609020204030204" pitchFamily="49" charset="0"/>
-            </a:endParaRPr>
-          </a:p>
-          <a:p>
-            <a:r>
-              <a:rPr lang="en-US" sz="2000" dirty="0">
-                <a:solidFill>
-                  <a:srgbClr val="D3AF86"/>
-                </a:solidFill>
-                <a:latin typeface="Consolas" panose="020B0609020204030204" pitchFamily="49" charset="0"/>
-              </a:rPr>
-              <a:t/>
-            </a:r>
-            <a:br>
-              <a:rPr lang="en-US" sz="2000" dirty="0">
-                <a:solidFill>
-                  <a:srgbClr val="D3AF86"/>
-                </a:solidFill>
-                <a:latin typeface="Consolas" panose="020B0609020204030204" pitchFamily="49" charset="0"/>
-              </a:rPr>
-            </a:br>
-            <a:r>
-              <a:rPr lang="en-US" sz="2000" dirty="0">
-                <a:solidFill>
-                  <a:srgbClr val="F06431"/>
-                </a:solidFill>
-                <a:latin typeface="Consolas" panose="020B0609020204030204" pitchFamily="49" charset="0"/>
-              </a:rPr>
-              <a:t>console</a:t>
-            </a:r>
-            <a:r>
-              <a:rPr lang="en-US" sz="2000" dirty="0">
-                <a:solidFill>
-                  <a:srgbClr val="D3AF86"/>
-                </a:solidFill>
-                <a:latin typeface="Consolas" panose="020B0609020204030204" pitchFamily="49" charset="0"/>
-              </a:rPr>
-              <a:t>.</a:t>
-            </a:r>
-            <a:r>
-              <a:rPr lang="en-US" sz="2000" dirty="0">
-                <a:solidFill>
-                  <a:srgbClr val="7E602C"/>
-                </a:solidFill>
-                <a:latin typeface="Consolas" panose="020B0609020204030204" pitchFamily="49" charset="0"/>
-              </a:rPr>
-              <a:t>log</a:t>
-            </a:r>
-            <a:r>
-              <a:rPr lang="en-US" sz="2000" dirty="0">
-                <a:solidFill>
-                  <a:srgbClr val="D3AF86"/>
-                </a:solidFill>
-                <a:latin typeface="Consolas" panose="020B0609020204030204" pitchFamily="49" charset="0"/>
-              </a:rPr>
-              <a:t>(</a:t>
-            </a:r>
-            <a:r>
-              <a:rPr lang="en-US" sz="2000" dirty="0">
-                <a:solidFill>
-                  <a:srgbClr val="DC3958"/>
-                </a:solidFill>
-                <a:latin typeface="Consolas" panose="020B0609020204030204" pitchFamily="49" charset="0"/>
-              </a:rPr>
-              <a:t>employee</a:t>
-            </a:r>
-            <a:r>
-              <a:rPr lang="en-US" sz="2000" dirty="0">
-                <a:solidFill>
-                  <a:srgbClr val="D3AF86"/>
-                </a:solidFill>
-                <a:latin typeface="Consolas" panose="020B0609020204030204" pitchFamily="49" charset="0"/>
-              </a:rPr>
-              <a:t>[</a:t>
-            </a:r>
-            <a:r>
-              <a:rPr lang="en-US" sz="2000" dirty="0">
-                <a:solidFill>
-                  <a:srgbClr val="F79A32"/>
-                </a:solidFill>
-                <a:latin typeface="Consolas" panose="020B0609020204030204" pitchFamily="49" charset="0"/>
-              </a:rPr>
-              <a:t>0</a:t>
-            </a:r>
-            <a:r>
-              <a:rPr lang="en-US" sz="2000" dirty="0">
-                <a:solidFill>
-                  <a:srgbClr val="D3AF86"/>
-                </a:solidFill>
-                <a:latin typeface="Consolas" panose="020B0609020204030204" pitchFamily="49" charset="0"/>
-              </a:rPr>
-              <a:t>]);</a:t>
-            </a:r>
-            <a:endParaRPr lang="en-US" sz="2000" b="0" dirty="0">
-              <a:solidFill>
-                <a:srgbClr val="D3AF86"/>
-              </a:solidFill>
-              <a:effectLst/>
-              <a:latin typeface="Consolas" panose="020B0609020204030204" pitchFamily="49" charset="0"/>
-            </a:endParaRPr>
-          </a:p>
-        </p:txBody>
-      </p:sp>
-    </p:spTree>
-    <p:extLst>
-      <p:ext uri="{BB962C8B-B14F-4D97-AF65-F5344CB8AC3E}">
-        <p14:creationId xmlns:p14="http://schemas.microsoft.com/office/powerpoint/2010/main" val="2998123976"/>
-      </p:ext>
-    </p:extLst>
-  </p:cSld>
-  <p:clrMapOvr>
-    <a:masterClrMapping/>
-  </p:clrMapOvr>
-  <p:timing>
-    <p:tnLst>
-      <p:par>
-        <p:cTn id="1" dur="indefinite" restart="never" nodeType="tmRoot"/>
-      </p:par>
-    </p:tnLst>
-  </p:timing>
-</p:sld>
-</file>
-
-<file path=ppt/slides/slide42.xml><?xml version="1.0" encoding="utf-8"?>
-<p:sld xmlns:a="http://schemas.openxmlformats.org/drawingml/2006/main" xmlns:r="http://schemas.openxmlformats.org/officeDocument/2006/relationships" xmlns:p="http://schemas.openxmlformats.org/presentationml/2006/main">
-  <p:cSld>
-    <p:spTree>
-      <p:nvGrpSpPr>
-        <p:cNvPr id="1" name=""/>
-        <p:cNvGrpSpPr/>
-        <p:nvPr/>
-      </p:nvGrpSpPr>
-      <p:grpSpPr>
-        <a:xfrm>
-          <a:off x="0" y="0"/>
-          <a:ext cx="0" cy="0"/>
-          <a:chOff x="0" y="0"/>
-          <a:chExt cx="0" cy="0"/>
-        </a:xfrm>
-      </p:grpSpPr>
-      <p:sp>
-        <p:nvSpPr>
-          <p:cNvPr id="2" name="Title 1"/>
-          <p:cNvSpPr txBox="1">
-            <a:spLocks/>
-          </p:cNvSpPr>
-          <p:nvPr/>
-        </p:nvSpPr>
-        <p:spPr>
-          <a:xfrm>
-            <a:off x="152400" y="2362200"/>
-            <a:ext cx="8839200" cy="838200"/>
-          </a:xfrm>
-          <a:prstGeom prst="rect">
-            <a:avLst/>
-          </a:prstGeom>
-          <a:solidFill>
-            <a:schemeClr val="bg1"/>
-          </a:solidFill>
-        </p:spPr>
-        <p:txBody>
-          <a:bodyPr>
-            <a:noAutofit/>
-          </a:bodyPr>
-          <a:lstStyle>
-            <a:defPPr>
-              <a:defRPr lang="en-US"/>
-            </a:defPPr>
-            <a:lvl1pPr algn="ctr">
-              <a:defRPr sz="4800" b="1" i="1">
-                <a:solidFill>
-                  <a:srgbClr val="EAEF2D"/>
-                </a:solidFill>
-                <a:latin typeface="Segoe UI Light" panose="020B0502040204020203" pitchFamily="34" charset="0"/>
-                <a:cs typeface="Segoe UI Light" panose="020B0502040204020203" pitchFamily="34" charset="0"/>
-              </a:defRPr>
-            </a:lvl1pPr>
-          </a:lstStyle>
-          <a:p>
-            <a:r>
-              <a:rPr lang="en-IN" dirty="0" smtClean="0"/>
-              <a:t>interface</a:t>
-            </a:r>
-            <a:endParaRPr lang="en-IN" dirty="0"/>
-          </a:p>
-        </p:txBody>
-      </p:sp>
-    </p:spTree>
-    <p:extLst>
-      <p:ext uri="{BB962C8B-B14F-4D97-AF65-F5344CB8AC3E}">
-        <p14:creationId xmlns:p14="http://schemas.microsoft.com/office/powerpoint/2010/main" val="4207200202"/>
       </p:ext>
     </p:extLst>
   </p:cSld>
@@ -22504,6 +24768,821 @@
                 <a:latin typeface="Segoe UI Light" panose="020B0502040204020203" pitchFamily="34" charset="0"/>
                 <a:cs typeface="Segoe UI Light" panose="020B0502040204020203" pitchFamily="34" charset="0"/>
               </a:rPr>
+              <a:t>object</a:t>
+            </a:r>
+            <a:endParaRPr lang="en-IN" sz="4000" dirty="0">
+              <a:solidFill>
+                <a:srgbClr val="00B050"/>
+              </a:solidFill>
+              <a:latin typeface="Segoe UI Light" panose="020B0502040204020203" pitchFamily="34" charset="0"/>
+              <a:cs typeface="Segoe UI Light" panose="020B0502040204020203" pitchFamily="34" charset="0"/>
+            </a:endParaRPr>
+          </a:p>
+        </p:txBody>
+      </p:sp>
+      <p:sp>
+        <p:nvSpPr>
+          <p:cNvPr id="7" name="Rectangle 6"/>
+          <p:cNvSpPr/>
+          <p:nvPr/>
+        </p:nvSpPr>
+        <p:spPr>
+          <a:xfrm>
+            <a:off x="114300" y="762000"/>
+            <a:ext cx="8915400" cy="369332"/>
+          </a:xfrm>
+          <a:prstGeom prst="rect">
+            <a:avLst/>
+          </a:prstGeom>
+        </p:spPr>
+        <p:txBody>
+          <a:bodyPr wrap="square">
+            <a:spAutoFit/>
+          </a:bodyPr>
+          <a:lstStyle/>
+          <a:p>
+            <a:r>
+              <a:rPr lang="en-IN" sz="1800" dirty="0">
+                <a:solidFill>
+                  <a:srgbClr val="A31515"/>
+                </a:solidFill>
+                <a:highlight>
+                  <a:srgbClr val="FFFFFF"/>
+                </a:highlight>
+                <a:latin typeface="Open Sans"/>
+              </a:rPr>
+              <a:t>TODO</a:t>
+            </a:r>
+          </a:p>
+        </p:txBody>
+      </p:sp>
+      <p:sp>
+        <p:nvSpPr>
+          <p:cNvPr id="8" name="Rectangle 7"/>
+          <p:cNvSpPr/>
+          <p:nvPr/>
+        </p:nvSpPr>
+        <p:spPr>
+          <a:xfrm>
+            <a:off x="114300" y="1752600"/>
+            <a:ext cx="8915400" cy="4093428"/>
+          </a:xfrm>
+          <a:prstGeom prst="rect">
+            <a:avLst/>
+          </a:prstGeom>
+        </p:spPr>
+        <p:txBody>
+          <a:bodyPr wrap="square">
+            <a:spAutoFit/>
+          </a:bodyPr>
+          <a:lstStyle/>
+          <a:p>
+            <a:r>
+              <a:rPr lang="en-US" sz="2000" dirty="0">
+                <a:solidFill>
+                  <a:srgbClr val="98676A"/>
+                </a:solidFill>
+                <a:latin typeface="Consolas" panose="020B0609020204030204" pitchFamily="49" charset="0"/>
+              </a:rPr>
+              <a:t>var</a:t>
+            </a:r>
+            <a:r>
+              <a:rPr lang="en-US" sz="2000" dirty="0">
+                <a:solidFill>
+                  <a:srgbClr val="D3AF86"/>
+                </a:solidFill>
+                <a:latin typeface="Consolas" panose="020B0609020204030204" pitchFamily="49" charset="0"/>
+              </a:rPr>
+              <a:t> </a:t>
+            </a:r>
+            <a:r>
+              <a:rPr lang="en-US" sz="2000" dirty="0">
+                <a:solidFill>
+                  <a:srgbClr val="DC3958"/>
+                </a:solidFill>
+                <a:latin typeface="Consolas" panose="020B0609020204030204" pitchFamily="49" charset="0"/>
+              </a:rPr>
+              <a:t>employee</a:t>
+            </a:r>
+            <a:r>
+              <a:rPr lang="en-US" sz="2000" dirty="0">
+                <a:solidFill>
+                  <a:srgbClr val="D3AF86"/>
+                </a:solidFill>
+                <a:latin typeface="Consolas" panose="020B0609020204030204" pitchFamily="49" charset="0"/>
+              </a:rPr>
+              <a:t>: [{</a:t>
+            </a:r>
+          </a:p>
+          <a:p>
+            <a:r>
+              <a:rPr lang="en-US" sz="2000" dirty="0" smtClean="0">
+                <a:solidFill>
+                  <a:srgbClr val="DC3958"/>
+                </a:solidFill>
+                <a:latin typeface="Consolas" panose="020B0609020204030204" pitchFamily="49" charset="0"/>
+              </a:rPr>
+              <a:t>    firstName</a:t>
+            </a:r>
+            <a:r>
+              <a:rPr lang="en-US" sz="2000" dirty="0">
+                <a:solidFill>
+                  <a:srgbClr val="D3AF86"/>
+                </a:solidFill>
+                <a:latin typeface="Consolas" panose="020B0609020204030204" pitchFamily="49" charset="0"/>
+              </a:rPr>
+              <a:t>: string,</a:t>
+            </a:r>
+          </a:p>
+          <a:p>
+            <a:r>
+              <a:rPr lang="en-US" sz="2000" dirty="0" smtClean="0">
+                <a:solidFill>
+                  <a:srgbClr val="DC3958"/>
+                </a:solidFill>
+                <a:latin typeface="Consolas" panose="020B0609020204030204" pitchFamily="49" charset="0"/>
+              </a:rPr>
+              <a:t>    lastName</a:t>
+            </a:r>
+            <a:r>
+              <a:rPr lang="en-US" sz="2000" dirty="0">
+                <a:solidFill>
+                  <a:srgbClr val="D3AF86"/>
+                </a:solidFill>
+                <a:latin typeface="Consolas" panose="020B0609020204030204" pitchFamily="49" charset="0"/>
+              </a:rPr>
+              <a:t>: string,</a:t>
+            </a:r>
+          </a:p>
+          <a:p>
+            <a:r>
+              <a:rPr lang="en-US" sz="2000" dirty="0" smtClean="0">
+                <a:solidFill>
+                  <a:srgbClr val="DC3958"/>
+                </a:solidFill>
+                <a:latin typeface="Consolas" panose="020B0609020204030204" pitchFamily="49" charset="0"/>
+              </a:rPr>
+              <a:t>    canVote</a:t>
+            </a:r>
+            <a:r>
+              <a:rPr lang="en-US" sz="2000" dirty="0">
+                <a:solidFill>
+                  <a:srgbClr val="D3AF86"/>
+                </a:solidFill>
+                <a:latin typeface="Consolas" panose="020B0609020204030204" pitchFamily="49" charset="0"/>
+              </a:rPr>
+              <a:t>: boolean</a:t>
+            </a:r>
+          </a:p>
+          <a:p>
+            <a:r>
+              <a:rPr lang="en-US" sz="2000" dirty="0">
+                <a:solidFill>
+                  <a:srgbClr val="D3AF86"/>
+                </a:solidFill>
+                <a:latin typeface="Consolas" panose="020B0609020204030204" pitchFamily="49" charset="0"/>
+              </a:rPr>
+              <a:t>}]</a:t>
+            </a:r>
+          </a:p>
+          <a:p>
+            <a:r>
+              <a:rPr lang="en-US" sz="2000" dirty="0">
+                <a:solidFill>
+                  <a:srgbClr val="D3AF86"/>
+                </a:solidFill>
+                <a:latin typeface="Consolas" panose="020B0609020204030204" pitchFamily="49" charset="0"/>
+              </a:rPr>
+              <a:t/>
+            </a:r>
+            <a:br>
+              <a:rPr lang="en-US" sz="2000" dirty="0">
+                <a:solidFill>
+                  <a:srgbClr val="D3AF86"/>
+                </a:solidFill>
+                <a:latin typeface="Consolas" panose="020B0609020204030204" pitchFamily="49" charset="0"/>
+              </a:rPr>
+            </a:br>
+            <a:r>
+              <a:rPr lang="en-US" sz="2000" dirty="0">
+                <a:solidFill>
+                  <a:srgbClr val="98676A"/>
+                </a:solidFill>
+                <a:latin typeface="Consolas" panose="020B0609020204030204" pitchFamily="49" charset="0"/>
+              </a:rPr>
+              <a:t>var</a:t>
+            </a:r>
+            <a:r>
+              <a:rPr lang="en-US" sz="2000" dirty="0">
+                <a:solidFill>
+                  <a:srgbClr val="D3AF86"/>
+                </a:solidFill>
+                <a:latin typeface="Consolas" panose="020B0609020204030204" pitchFamily="49" charset="0"/>
+              </a:rPr>
+              <a:t> </a:t>
+            </a:r>
+            <a:r>
+              <a:rPr lang="en-US" sz="2000" dirty="0">
+                <a:solidFill>
+                  <a:srgbClr val="DC3958"/>
+                </a:solidFill>
+                <a:latin typeface="Consolas" panose="020B0609020204030204" pitchFamily="49" charset="0"/>
+              </a:rPr>
+              <a:t>employee</a:t>
+            </a:r>
+            <a:r>
+              <a:rPr lang="en-US" sz="2000" dirty="0">
+                <a:solidFill>
+                  <a:srgbClr val="D3AF86"/>
+                </a:solidFill>
+                <a:latin typeface="Consolas" panose="020B0609020204030204" pitchFamily="49" charset="0"/>
+              </a:rPr>
+              <a:t> = </a:t>
+            </a:r>
+            <a:r>
+              <a:rPr lang="en-US" sz="2000" dirty="0" smtClean="0">
+                <a:solidFill>
+                  <a:srgbClr val="D3AF86"/>
+                </a:solidFill>
+                <a:latin typeface="Consolas" panose="020B0609020204030204" pitchFamily="49" charset="0"/>
+              </a:rPr>
+              <a:t>[</a:t>
+            </a:r>
+          </a:p>
+          <a:p>
+            <a:r>
+              <a:rPr lang="en-US" sz="2000" dirty="0" smtClean="0">
+                <a:solidFill>
+                  <a:srgbClr val="D3AF86"/>
+                </a:solidFill>
+                <a:latin typeface="Consolas" panose="020B0609020204030204" pitchFamily="49" charset="0"/>
+              </a:rPr>
+              <a:t>    {firstName</a:t>
+            </a:r>
+            <a:r>
+              <a:rPr lang="en-US" sz="2000" dirty="0">
+                <a:solidFill>
+                  <a:srgbClr val="D3AF86"/>
+                </a:solidFill>
+                <a:latin typeface="Consolas" panose="020B0609020204030204" pitchFamily="49" charset="0"/>
+              </a:rPr>
+              <a:t>: '</a:t>
+            </a:r>
+            <a:r>
+              <a:rPr lang="en-US" sz="2000" dirty="0">
+                <a:solidFill>
+                  <a:srgbClr val="889B4A"/>
+                </a:solidFill>
+                <a:latin typeface="Consolas" panose="020B0609020204030204" pitchFamily="49" charset="0"/>
+              </a:rPr>
+              <a:t>Saleel</a:t>
+            </a:r>
+            <a:r>
+              <a:rPr lang="en-US" sz="2000" dirty="0">
+                <a:solidFill>
+                  <a:srgbClr val="D3AF86"/>
+                </a:solidFill>
+                <a:latin typeface="Consolas" panose="020B0609020204030204" pitchFamily="49" charset="0"/>
+              </a:rPr>
+              <a:t>', lastName: </a:t>
+            </a:r>
+            <a:r>
+              <a:rPr lang="en-US" sz="2000" dirty="0" smtClean="0">
+                <a:solidFill>
+                  <a:srgbClr val="D3AF86"/>
+                </a:solidFill>
+                <a:latin typeface="Consolas" panose="020B0609020204030204" pitchFamily="49" charset="0"/>
+              </a:rPr>
+              <a:t>'</a:t>
+            </a:r>
+            <a:r>
+              <a:rPr lang="en-US" sz="2000" dirty="0" smtClean="0">
+                <a:solidFill>
+                  <a:srgbClr val="889B4A"/>
+                </a:solidFill>
+                <a:latin typeface="Consolas" panose="020B0609020204030204" pitchFamily="49" charset="0"/>
+              </a:rPr>
+              <a:t>Bagde</a:t>
+            </a:r>
+            <a:r>
+              <a:rPr lang="en-US" sz="2000" dirty="0" smtClean="0">
+                <a:solidFill>
+                  <a:srgbClr val="D3AF86"/>
+                </a:solidFill>
+                <a:latin typeface="Consolas" panose="020B0609020204030204" pitchFamily="49" charset="0"/>
+              </a:rPr>
+              <a:t>', canVote</a:t>
+            </a:r>
+            <a:r>
+              <a:rPr lang="en-US" sz="2000" dirty="0">
+                <a:solidFill>
+                  <a:srgbClr val="D3AF86"/>
+                </a:solidFill>
+                <a:latin typeface="Consolas" panose="020B0609020204030204" pitchFamily="49" charset="0"/>
+              </a:rPr>
+              <a:t>: </a:t>
+            </a:r>
+            <a:r>
+              <a:rPr lang="en-US" sz="2000" dirty="0" smtClean="0">
+                <a:solidFill>
+                  <a:srgbClr val="F79A32"/>
+                </a:solidFill>
+                <a:latin typeface="Consolas" panose="020B0609020204030204" pitchFamily="49" charset="0"/>
+              </a:rPr>
+              <a:t>true</a:t>
+            </a:r>
+            <a:r>
+              <a:rPr lang="en-US" sz="2000" dirty="0" smtClean="0">
+                <a:solidFill>
+                  <a:srgbClr val="D3AF86"/>
+                </a:solidFill>
+                <a:latin typeface="Consolas" panose="020B0609020204030204" pitchFamily="49" charset="0"/>
+              </a:rPr>
+              <a:t>},</a:t>
+            </a:r>
+            <a:endParaRPr lang="en-US" sz="2000" dirty="0">
+              <a:solidFill>
+                <a:srgbClr val="D3AF86"/>
+              </a:solidFill>
+              <a:latin typeface="Consolas" panose="020B0609020204030204" pitchFamily="49" charset="0"/>
+            </a:endParaRPr>
+          </a:p>
+          <a:p>
+            <a:r>
+              <a:rPr lang="en-US" sz="2000" dirty="0" smtClean="0">
+                <a:solidFill>
+                  <a:srgbClr val="D3AF86"/>
+                </a:solidFill>
+                <a:latin typeface="Consolas" panose="020B0609020204030204" pitchFamily="49" charset="0"/>
+              </a:rPr>
+              <a:t>    {firstName</a:t>
+            </a:r>
+            <a:r>
+              <a:rPr lang="en-US" sz="2000" dirty="0">
+                <a:solidFill>
+                  <a:srgbClr val="D3AF86"/>
+                </a:solidFill>
+                <a:latin typeface="Consolas" panose="020B0609020204030204" pitchFamily="49" charset="0"/>
+              </a:rPr>
+              <a:t>: '</a:t>
+            </a:r>
+            <a:r>
+              <a:rPr lang="en-US" sz="2000" dirty="0" err="1">
+                <a:solidFill>
+                  <a:srgbClr val="889B4A"/>
+                </a:solidFill>
+                <a:latin typeface="Consolas" panose="020B0609020204030204" pitchFamily="49" charset="0"/>
+              </a:rPr>
+              <a:t>Vrushali</a:t>
+            </a:r>
+            <a:r>
+              <a:rPr lang="en-US" sz="2000" dirty="0">
+                <a:solidFill>
+                  <a:srgbClr val="D3AF86"/>
+                </a:solidFill>
+                <a:latin typeface="Consolas" panose="020B0609020204030204" pitchFamily="49" charset="0"/>
+              </a:rPr>
+              <a:t>', lastName: '</a:t>
+            </a:r>
+            <a:r>
+              <a:rPr lang="en-US" sz="2000" dirty="0">
+                <a:solidFill>
+                  <a:srgbClr val="889B4A"/>
+                </a:solidFill>
+                <a:latin typeface="Consolas" panose="020B0609020204030204" pitchFamily="49" charset="0"/>
+              </a:rPr>
+              <a:t>Bagde</a:t>
+            </a:r>
+            <a:r>
+              <a:rPr lang="en-US" sz="2000" dirty="0" smtClean="0">
+                <a:solidFill>
+                  <a:srgbClr val="D3AF86"/>
+                </a:solidFill>
+                <a:latin typeface="Consolas" panose="020B0609020204030204" pitchFamily="49" charset="0"/>
+              </a:rPr>
+              <a:t>', </a:t>
+            </a:r>
+            <a:r>
+              <a:rPr lang="en-US" sz="2000" dirty="0">
+                <a:solidFill>
+                  <a:srgbClr val="D3AF86"/>
+                </a:solidFill>
+                <a:latin typeface="Consolas" panose="020B0609020204030204" pitchFamily="49" charset="0"/>
+              </a:rPr>
+              <a:t>canVote: </a:t>
+            </a:r>
+            <a:r>
+              <a:rPr lang="en-US" sz="2000" dirty="0" smtClean="0">
+                <a:solidFill>
+                  <a:srgbClr val="F79A32"/>
+                </a:solidFill>
+                <a:latin typeface="Consolas" panose="020B0609020204030204" pitchFamily="49" charset="0"/>
+              </a:rPr>
+              <a:t>true</a:t>
+            </a:r>
+            <a:r>
+              <a:rPr lang="en-US" sz="2000" dirty="0" smtClean="0">
+                <a:solidFill>
+                  <a:srgbClr val="D3AF86"/>
+                </a:solidFill>
+                <a:latin typeface="Consolas" panose="020B0609020204030204" pitchFamily="49" charset="0"/>
+              </a:rPr>
+              <a:t>},</a:t>
+            </a:r>
+            <a:endParaRPr lang="en-US" sz="2000" dirty="0">
+              <a:solidFill>
+                <a:srgbClr val="D3AF86"/>
+              </a:solidFill>
+              <a:latin typeface="Consolas" panose="020B0609020204030204" pitchFamily="49" charset="0"/>
+            </a:endParaRPr>
+          </a:p>
+          <a:p>
+            <a:r>
+              <a:rPr lang="en-US" sz="2000" dirty="0" smtClean="0">
+                <a:solidFill>
+                  <a:srgbClr val="D3AF86"/>
+                </a:solidFill>
+                <a:latin typeface="Consolas" panose="020B0609020204030204" pitchFamily="49" charset="0"/>
+              </a:rPr>
+              <a:t>    {firstName: </a:t>
+            </a:r>
+            <a:r>
+              <a:rPr lang="en-US" sz="2000" dirty="0">
+                <a:solidFill>
+                  <a:srgbClr val="D3AF86"/>
+                </a:solidFill>
+                <a:latin typeface="Consolas" panose="020B0609020204030204" pitchFamily="49" charset="0"/>
+              </a:rPr>
+              <a:t>'</a:t>
+            </a:r>
+            <a:r>
+              <a:rPr lang="en-US" sz="2000" dirty="0">
+                <a:solidFill>
+                  <a:srgbClr val="889B4A"/>
+                </a:solidFill>
+                <a:latin typeface="Consolas" panose="020B0609020204030204" pitchFamily="49" charset="0"/>
+              </a:rPr>
+              <a:t>Sharmin</a:t>
+            </a:r>
+            <a:r>
+              <a:rPr lang="en-US" sz="2000" dirty="0">
+                <a:solidFill>
+                  <a:srgbClr val="D3AF86"/>
+                </a:solidFill>
+                <a:latin typeface="Consolas" panose="020B0609020204030204" pitchFamily="49" charset="0"/>
+              </a:rPr>
+              <a:t>', lastName : '</a:t>
+            </a:r>
+            <a:r>
+              <a:rPr lang="en-US" sz="2000" dirty="0">
+                <a:solidFill>
+                  <a:srgbClr val="889B4A"/>
+                </a:solidFill>
+                <a:latin typeface="Consolas" panose="020B0609020204030204" pitchFamily="49" charset="0"/>
+              </a:rPr>
+              <a:t>Bagde</a:t>
+            </a:r>
+            <a:r>
+              <a:rPr lang="en-US" sz="2000" dirty="0" smtClean="0">
+                <a:solidFill>
+                  <a:srgbClr val="D3AF86"/>
+                </a:solidFill>
+                <a:latin typeface="Consolas" panose="020B0609020204030204" pitchFamily="49" charset="0"/>
+              </a:rPr>
+              <a:t>', canVote </a:t>
+            </a:r>
+            <a:r>
+              <a:rPr lang="en-US" sz="2000" dirty="0">
+                <a:solidFill>
+                  <a:srgbClr val="D3AF86"/>
+                </a:solidFill>
+                <a:latin typeface="Consolas" panose="020B0609020204030204" pitchFamily="49" charset="0"/>
+              </a:rPr>
+              <a:t>: </a:t>
+            </a:r>
+            <a:r>
+              <a:rPr lang="en-US" sz="2000" dirty="0">
+                <a:solidFill>
+                  <a:srgbClr val="F79A32"/>
+                </a:solidFill>
+                <a:latin typeface="Consolas" panose="020B0609020204030204" pitchFamily="49" charset="0"/>
+              </a:rPr>
+              <a:t>true</a:t>
+            </a:r>
+            <a:r>
+              <a:rPr lang="en-US" sz="2000" dirty="0" smtClean="0">
+                <a:solidFill>
+                  <a:srgbClr val="D3AF86"/>
+                </a:solidFill>
+                <a:latin typeface="Consolas" panose="020B0609020204030204" pitchFamily="49" charset="0"/>
+              </a:rPr>
+              <a:t>}</a:t>
+            </a:r>
+          </a:p>
+          <a:p>
+            <a:r>
+              <a:rPr lang="en-US" sz="2000" dirty="0" smtClean="0">
+                <a:solidFill>
+                  <a:srgbClr val="D3AF86"/>
+                </a:solidFill>
+                <a:latin typeface="Consolas" panose="020B0609020204030204" pitchFamily="49" charset="0"/>
+              </a:rPr>
+              <a:t>]</a:t>
+            </a:r>
+            <a:endParaRPr lang="en-US" sz="2000" dirty="0">
+              <a:solidFill>
+                <a:srgbClr val="D3AF86"/>
+              </a:solidFill>
+              <a:latin typeface="Consolas" panose="020B0609020204030204" pitchFamily="49" charset="0"/>
+            </a:endParaRPr>
+          </a:p>
+          <a:p>
+            <a:r>
+              <a:rPr lang="en-US" sz="2000" dirty="0">
+                <a:solidFill>
+                  <a:srgbClr val="D3AF86"/>
+                </a:solidFill>
+                <a:latin typeface="Consolas" panose="020B0609020204030204" pitchFamily="49" charset="0"/>
+              </a:rPr>
+              <a:t/>
+            </a:r>
+            <a:br>
+              <a:rPr lang="en-US" sz="2000" dirty="0">
+                <a:solidFill>
+                  <a:srgbClr val="D3AF86"/>
+                </a:solidFill>
+                <a:latin typeface="Consolas" panose="020B0609020204030204" pitchFamily="49" charset="0"/>
+              </a:rPr>
+            </a:br>
+            <a:r>
+              <a:rPr lang="en-US" sz="2000" dirty="0">
+                <a:solidFill>
+                  <a:srgbClr val="F06431"/>
+                </a:solidFill>
+                <a:latin typeface="Consolas" panose="020B0609020204030204" pitchFamily="49" charset="0"/>
+              </a:rPr>
+              <a:t>console</a:t>
+            </a:r>
+            <a:r>
+              <a:rPr lang="en-US" sz="2000" dirty="0">
+                <a:solidFill>
+                  <a:srgbClr val="D3AF86"/>
+                </a:solidFill>
+                <a:latin typeface="Consolas" panose="020B0609020204030204" pitchFamily="49" charset="0"/>
+              </a:rPr>
+              <a:t>.</a:t>
+            </a:r>
+            <a:r>
+              <a:rPr lang="en-US" sz="2000" dirty="0">
+                <a:solidFill>
+                  <a:srgbClr val="7E602C"/>
+                </a:solidFill>
+                <a:latin typeface="Consolas" panose="020B0609020204030204" pitchFamily="49" charset="0"/>
+              </a:rPr>
+              <a:t>log</a:t>
+            </a:r>
+            <a:r>
+              <a:rPr lang="en-US" sz="2000" dirty="0">
+                <a:solidFill>
+                  <a:srgbClr val="D3AF86"/>
+                </a:solidFill>
+                <a:latin typeface="Consolas" panose="020B0609020204030204" pitchFamily="49" charset="0"/>
+              </a:rPr>
+              <a:t>(</a:t>
+            </a:r>
+            <a:r>
+              <a:rPr lang="en-US" sz="2000" dirty="0">
+                <a:solidFill>
+                  <a:srgbClr val="DC3958"/>
+                </a:solidFill>
+                <a:latin typeface="Consolas" panose="020B0609020204030204" pitchFamily="49" charset="0"/>
+              </a:rPr>
+              <a:t>employee</a:t>
+            </a:r>
+            <a:r>
+              <a:rPr lang="en-US" sz="2000" dirty="0">
+                <a:solidFill>
+                  <a:srgbClr val="D3AF86"/>
+                </a:solidFill>
+                <a:latin typeface="Consolas" panose="020B0609020204030204" pitchFamily="49" charset="0"/>
+              </a:rPr>
+              <a:t>[</a:t>
+            </a:r>
+            <a:r>
+              <a:rPr lang="en-US" sz="2000" dirty="0">
+                <a:solidFill>
+                  <a:srgbClr val="F79A32"/>
+                </a:solidFill>
+                <a:latin typeface="Consolas" panose="020B0609020204030204" pitchFamily="49" charset="0"/>
+              </a:rPr>
+              <a:t>0</a:t>
+            </a:r>
+            <a:r>
+              <a:rPr lang="en-US" sz="2000" dirty="0">
+                <a:solidFill>
+                  <a:srgbClr val="D3AF86"/>
+                </a:solidFill>
+                <a:latin typeface="Consolas" panose="020B0609020204030204" pitchFamily="49" charset="0"/>
+              </a:rPr>
+              <a:t>]);</a:t>
+            </a:r>
+            <a:endParaRPr lang="en-US" sz="2000" b="0" dirty="0">
+              <a:solidFill>
+                <a:srgbClr val="D3AF86"/>
+              </a:solidFill>
+              <a:effectLst/>
+              <a:latin typeface="Consolas" panose="020B0609020204030204" pitchFamily="49" charset="0"/>
+            </a:endParaRPr>
+          </a:p>
+        </p:txBody>
+      </p:sp>
+    </p:spTree>
+    <p:extLst>
+      <p:ext uri="{BB962C8B-B14F-4D97-AF65-F5344CB8AC3E}">
+        <p14:creationId xmlns:p14="http://schemas.microsoft.com/office/powerpoint/2010/main" val="2998123976"/>
+      </p:ext>
+    </p:extLst>
+  </p:cSld>
+  <p:clrMapOvr>
+    <a:masterClrMapping/>
+  </p:clrMapOvr>
+  <p:timing>
+    <p:tnLst>
+      <p:par>
+        <p:cTn id="1" dur="indefinite" restart="never" nodeType="tmRoot"/>
+      </p:par>
+    </p:tnLst>
+  </p:timing>
+</p:sld>
+</file>
+
+<file path=ppt/slides/slide44.xml><?xml version="1.0" encoding="utf-8"?>
+<p:sld xmlns:a="http://schemas.openxmlformats.org/drawingml/2006/main" xmlns:r="http://schemas.openxmlformats.org/officeDocument/2006/relationships" xmlns:p="http://schemas.openxmlformats.org/presentationml/2006/main">
+  <p:cSld>
+    <p:spTree>
+      <p:nvGrpSpPr>
+        <p:cNvPr id="1" name=""/>
+        <p:cNvGrpSpPr/>
+        <p:nvPr/>
+      </p:nvGrpSpPr>
+      <p:grpSpPr>
+        <a:xfrm>
+          <a:off x="0" y="0"/>
+          <a:ext cx="0" cy="0"/>
+          <a:chOff x="0" y="0"/>
+          <a:chExt cx="0" cy="0"/>
+        </a:xfrm>
+      </p:grpSpPr>
+      <p:sp>
+        <p:nvSpPr>
+          <p:cNvPr id="2" name="Title 1"/>
+          <p:cNvSpPr txBox="1">
+            <a:spLocks/>
+          </p:cNvSpPr>
+          <p:nvPr/>
+        </p:nvSpPr>
+        <p:spPr>
+          <a:xfrm>
+            <a:off x="152400" y="2362200"/>
+            <a:ext cx="8839200" cy="838200"/>
+          </a:xfrm>
+          <a:prstGeom prst="rect">
+            <a:avLst/>
+          </a:prstGeom>
+          <a:solidFill>
+            <a:schemeClr val="bg1"/>
+          </a:solidFill>
+        </p:spPr>
+        <p:txBody>
+          <a:bodyPr>
+            <a:noAutofit/>
+          </a:bodyPr>
+          <a:lstStyle>
+            <a:defPPr>
+              <a:defRPr lang="en-US"/>
+            </a:defPPr>
+            <a:lvl1pPr algn="ctr">
+              <a:defRPr sz="4800" b="1" i="1">
+                <a:solidFill>
+                  <a:srgbClr val="EAEF2D"/>
+                </a:solidFill>
+                <a:latin typeface="Segoe UI Light" panose="020B0502040204020203" pitchFamily="34" charset="0"/>
+                <a:cs typeface="Segoe UI Light" panose="020B0502040204020203" pitchFamily="34" charset="0"/>
+              </a:defRPr>
+            </a:lvl1pPr>
+          </a:lstStyle>
+          <a:p>
+            <a:r>
+              <a:rPr lang="en-IN" dirty="0" smtClean="0"/>
+              <a:t>interface</a:t>
+            </a:r>
+            <a:endParaRPr lang="en-IN" dirty="0"/>
+          </a:p>
+        </p:txBody>
+      </p:sp>
+    </p:spTree>
+    <p:extLst>
+      <p:ext uri="{BB962C8B-B14F-4D97-AF65-F5344CB8AC3E}">
+        <p14:creationId xmlns:p14="http://schemas.microsoft.com/office/powerpoint/2010/main" val="4207200202"/>
+      </p:ext>
+    </p:extLst>
+  </p:cSld>
+  <p:clrMapOvr>
+    <a:masterClrMapping/>
+  </p:clrMapOvr>
+  <p:timing>
+    <p:tnLst>
+      <p:par>
+        <p:cTn id="1" dur="indefinite" restart="never" nodeType="tmRoot"/>
+      </p:par>
+    </p:tnLst>
+  </p:timing>
+</p:sld>
+</file>
+
+<file path=ppt/slides/slide45.xml><?xml version="1.0" encoding="utf-8"?>
+<p:sld xmlns:a="http://schemas.openxmlformats.org/drawingml/2006/main" xmlns:r="http://schemas.openxmlformats.org/officeDocument/2006/relationships" xmlns:p="http://schemas.openxmlformats.org/presentationml/2006/main">
+  <p:cSld>
+    <p:spTree>
+      <p:nvGrpSpPr>
+        <p:cNvPr id="1" name=""/>
+        <p:cNvGrpSpPr/>
+        <p:nvPr/>
+      </p:nvGrpSpPr>
+      <p:grpSpPr>
+        <a:xfrm>
+          <a:off x="0" y="0"/>
+          <a:ext cx="0" cy="0"/>
+          <a:chOff x="0" y="0"/>
+          <a:chExt cx="0" cy="0"/>
+        </a:xfrm>
+      </p:grpSpPr>
+      <p:cxnSp>
+        <p:nvCxnSpPr>
+          <p:cNvPr id="6" name="Straight Connector 5"/>
+          <p:cNvCxnSpPr/>
+          <p:nvPr/>
+        </p:nvCxnSpPr>
+        <p:spPr>
+          <a:xfrm>
+            <a:off x="0" y="1524000"/>
+            <a:ext cx="9144000" cy="1588"/>
+          </a:xfrm>
+          <a:prstGeom prst="line">
+            <a:avLst/>
+          </a:prstGeom>
+          <a:ln w="12700">
+            <a:prstDash val="dash"/>
+          </a:ln>
+        </p:spPr>
+        <p:style>
+          <a:lnRef idx="1">
+            <a:schemeClr val="accent1"/>
+          </a:lnRef>
+          <a:fillRef idx="0">
+            <a:schemeClr val="accent1"/>
+          </a:fillRef>
+          <a:effectRef idx="0">
+            <a:schemeClr val="accent1"/>
+          </a:effectRef>
+          <a:fontRef idx="minor">
+            <a:schemeClr val="tx1"/>
+          </a:fontRef>
+        </p:style>
+      </p:cxnSp>
+      <p:sp>
+        <p:nvSpPr>
+          <p:cNvPr id="9" name="Rectangle 8"/>
+          <p:cNvSpPr/>
+          <p:nvPr/>
+        </p:nvSpPr>
+        <p:spPr>
+          <a:xfrm>
+            <a:off x="0" y="0"/>
+            <a:ext cx="9144000" cy="707886"/>
+          </a:xfrm>
+          <a:prstGeom prst="rect">
+            <a:avLst/>
+          </a:prstGeom>
+          <a:solidFill>
+            <a:srgbClr val="EAEF2D"/>
+          </a:solidFill>
+        </p:spPr>
+        <p:txBody>
+          <a:bodyPr wrap="square">
+            <a:spAutoFit/>
+          </a:bodyPr>
+          <a:lstStyle/>
+          <a:p>
+            <a:pPr algn="r"/>
+            <a:r>
+              <a:rPr lang="en-IN" sz="4000" dirty="0" smtClean="0">
+                <a:solidFill>
+                  <a:srgbClr val="00B050"/>
+                </a:solidFill>
+                <a:latin typeface="Segoe UI Light" panose="020B0502040204020203" pitchFamily="34" charset="0"/>
+                <a:cs typeface="Segoe UI Light" panose="020B0502040204020203" pitchFamily="34" charset="0"/>
+              </a:rPr>
               <a:t>interface</a:t>
             </a:r>
             <a:endParaRPr lang="en-IN" sz="4000" dirty="0">
@@ -23123,7 +26202,7 @@
 </p:sld>
 </file>
 
-<file path=ppt/slides/slide44.xml><?xml version="1.0" encoding="utf-8"?>
+<file path=ppt/slides/slide46.xml><?xml version="1.0" encoding="utf-8"?>
 <p:sld xmlns:a="http://schemas.openxmlformats.org/drawingml/2006/main" xmlns:r="http://schemas.openxmlformats.org/officeDocument/2006/relationships" xmlns:p="http://schemas.openxmlformats.org/presentationml/2006/main">
   <p:cSld>
     <p:spTree>
@@ -23960,7 +27039,7 @@
 </p:sld>
 </file>
 
-<file path=ppt/slides/slide45.xml><?xml version="1.0" encoding="utf-8"?>
+<file path=ppt/slides/slide47.xml><?xml version="1.0" encoding="utf-8"?>
 <p:sld xmlns:a="http://schemas.openxmlformats.org/drawingml/2006/main" xmlns:r="http://schemas.openxmlformats.org/officeDocument/2006/relationships" xmlns:p="http://schemas.openxmlformats.org/presentationml/2006/main">
   <p:cSld>
     <p:spTree>
@@ -24084,7 +27163,7 @@
 </p:sld>
 </file>
 
-<file path=ppt/slides/slide46.xml><?xml version="1.0" encoding="utf-8"?>
+<file path=ppt/slides/slide48.xml><?xml version="1.0" encoding="utf-8"?>
 <p:sld xmlns:a="http://schemas.openxmlformats.org/drawingml/2006/main" xmlns:r="http://schemas.openxmlformats.org/officeDocument/2006/relationships" xmlns:p="http://schemas.openxmlformats.org/presentationml/2006/main">
   <p:cSld>
     <p:spTree>
@@ -24906,7 +27985,7 @@
 </p:sld>
 </file>
 
-<file path=ppt/slides/slide47.xml><?xml version="1.0" encoding="utf-8"?>
+<file path=ppt/slides/slide49.xml><?xml version="1.0" encoding="utf-8"?>
 <p:sld xmlns:a="http://schemas.openxmlformats.org/drawingml/2006/main" xmlns:r="http://schemas.openxmlformats.org/officeDocument/2006/relationships" xmlns:p="http://schemas.openxmlformats.org/presentationml/2006/main">
   <p:cSld>
     <p:spTree>
@@ -26594,6 +29673,1592 @@
     <p:extLst>
       <p:ext uri="{BB962C8B-B14F-4D97-AF65-F5344CB8AC3E}">
         <p14:creationId xmlns:p14="http://schemas.microsoft.com/office/powerpoint/2010/main" val="1109709517"/>
+      </p:ext>
+    </p:extLst>
+  </p:cSld>
+  <p:clrMapOvr>
+    <a:masterClrMapping/>
+  </p:clrMapOvr>
+  <p:timing>
+    <p:tnLst>
+      <p:par>
+        <p:cTn id="1" dur="indefinite" restart="never" nodeType="tmRoot"/>
+      </p:par>
+    </p:tnLst>
+  </p:timing>
+</p:sld>
+</file>
+
+<file path=ppt/slides/slide50.xml><?xml version="1.0" encoding="utf-8"?>
+<p:sld xmlns:a="http://schemas.openxmlformats.org/drawingml/2006/main" xmlns:r="http://schemas.openxmlformats.org/officeDocument/2006/relationships" xmlns:p="http://schemas.openxmlformats.org/presentationml/2006/main">
+  <p:cSld>
+    <p:spTree>
+      <p:nvGrpSpPr>
+        <p:cNvPr id="1" name=""/>
+        <p:cNvGrpSpPr/>
+        <p:nvPr/>
+      </p:nvGrpSpPr>
+      <p:grpSpPr>
+        <a:xfrm>
+          <a:off x="0" y="0"/>
+          <a:ext cx="0" cy="0"/>
+          <a:chOff x="0" y="0"/>
+          <a:chExt cx="0" cy="0"/>
+        </a:xfrm>
+      </p:grpSpPr>
+      <p:sp>
+        <p:nvSpPr>
+          <p:cNvPr id="4" name="Rectangle 3"/>
+          <p:cNvSpPr/>
+          <p:nvPr/>
+        </p:nvSpPr>
+        <p:spPr>
+          <a:xfrm>
+            <a:off x="0" y="76200"/>
+            <a:ext cx="9144000" cy="5909310"/>
+          </a:xfrm>
+          <a:prstGeom prst="rect">
+            <a:avLst/>
+          </a:prstGeom>
+        </p:spPr>
+        <p:txBody>
+          <a:bodyPr wrap="square">
+            <a:spAutoFit/>
+          </a:bodyPr>
+          <a:lstStyle/>
+          <a:p>
+            <a:r>
+              <a:rPr lang="en-US" sz="1800" dirty="0">
+                <a:solidFill>
+                  <a:srgbClr val="98676A"/>
+                </a:solidFill>
+                <a:latin typeface="Consolas" panose="020B0609020204030204" pitchFamily="49" charset="0"/>
+              </a:rPr>
+              <a:t>let</a:t>
+            </a:r>
+            <a:r>
+              <a:rPr lang="en-US" sz="1800" dirty="0">
+                <a:solidFill>
+                  <a:srgbClr val="D3AF86"/>
+                </a:solidFill>
+                <a:latin typeface="Consolas" panose="020B0609020204030204" pitchFamily="49" charset="0"/>
+              </a:rPr>
+              <a:t> [</a:t>
+            </a:r>
+            <a:r>
+              <a:rPr lang="en-US" sz="1800" dirty="0">
+                <a:solidFill>
+                  <a:srgbClr val="DC3958"/>
+                </a:solidFill>
+                <a:latin typeface="Consolas" panose="020B0609020204030204" pitchFamily="49" charset="0"/>
+              </a:rPr>
+              <a:t>Type1</a:t>
+            </a:r>
+            <a:r>
+              <a:rPr lang="en-US" sz="1800" dirty="0">
+                <a:solidFill>
+                  <a:srgbClr val="D3AF86"/>
+                </a:solidFill>
+                <a:latin typeface="Consolas" panose="020B0609020204030204" pitchFamily="49" charset="0"/>
+              </a:rPr>
+              <a:t>, ...</a:t>
+            </a:r>
+            <a:r>
+              <a:rPr lang="en-US" sz="1800" dirty="0">
+                <a:solidFill>
+                  <a:srgbClr val="DC3958"/>
+                </a:solidFill>
+                <a:latin typeface="Consolas" panose="020B0609020204030204" pitchFamily="49" charset="0"/>
+              </a:rPr>
+              <a:t>color1</a:t>
+            </a:r>
+            <a:r>
+              <a:rPr lang="en-US" sz="1800" dirty="0" smtClean="0">
+                <a:solidFill>
+                  <a:srgbClr val="D3AF86"/>
+                </a:solidFill>
+                <a:latin typeface="Consolas" panose="020B0609020204030204" pitchFamily="49" charset="0"/>
+              </a:rPr>
+              <a:t>]=[</a:t>
+            </a:r>
+            <a:r>
+              <a:rPr lang="en-US" sz="1800" dirty="0">
+                <a:solidFill>
+                  <a:srgbClr val="D3AF86"/>
+                </a:solidFill>
+                <a:latin typeface="Consolas" panose="020B0609020204030204" pitchFamily="49" charset="0"/>
+              </a:rPr>
+              <a:t>'</a:t>
+            </a:r>
+            <a:r>
+              <a:rPr lang="en-US" sz="1800" dirty="0">
+                <a:solidFill>
+                  <a:srgbClr val="889B4A"/>
+                </a:solidFill>
+                <a:latin typeface="Consolas" panose="020B0609020204030204" pitchFamily="49" charset="0"/>
+              </a:rPr>
+              <a:t>Shirts</a:t>
+            </a:r>
+            <a:r>
+              <a:rPr lang="en-US" sz="1800" dirty="0">
+                <a:solidFill>
+                  <a:srgbClr val="D3AF86"/>
+                </a:solidFill>
+                <a:latin typeface="Consolas" panose="020B0609020204030204" pitchFamily="49" charset="0"/>
+              </a:rPr>
+              <a:t>', '</a:t>
+            </a:r>
+            <a:r>
+              <a:rPr lang="en-US" sz="1800" dirty="0">
+                <a:solidFill>
+                  <a:srgbClr val="889B4A"/>
+                </a:solidFill>
+                <a:latin typeface="Consolas" panose="020B0609020204030204" pitchFamily="49" charset="0"/>
+              </a:rPr>
+              <a:t>Blue</a:t>
+            </a:r>
+            <a:r>
+              <a:rPr lang="en-US" sz="1800" dirty="0">
+                <a:solidFill>
+                  <a:srgbClr val="D3AF86"/>
+                </a:solidFill>
+                <a:latin typeface="Consolas" panose="020B0609020204030204" pitchFamily="49" charset="0"/>
+              </a:rPr>
+              <a:t>', '</a:t>
+            </a:r>
+            <a:r>
+              <a:rPr lang="en-US" sz="1800" dirty="0">
+                <a:solidFill>
+                  <a:srgbClr val="889B4A"/>
+                </a:solidFill>
+                <a:latin typeface="Consolas" panose="020B0609020204030204" pitchFamily="49" charset="0"/>
+              </a:rPr>
+              <a:t>Black</a:t>
+            </a:r>
+            <a:r>
+              <a:rPr lang="en-US" sz="1800" dirty="0">
+                <a:solidFill>
+                  <a:srgbClr val="D3AF86"/>
+                </a:solidFill>
+                <a:latin typeface="Consolas" panose="020B0609020204030204" pitchFamily="49" charset="0"/>
+              </a:rPr>
+              <a:t>', '</a:t>
+            </a:r>
+            <a:r>
+              <a:rPr lang="en-US" sz="1800" dirty="0">
+                <a:solidFill>
+                  <a:srgbClr val="889B4A"/>
+                </a:solidFill>
+                <a:latin typeface="Consolas" panose="020B0609020204030204" pitchFamily="49" charset="0"/>
+              </a:rPr>
+              <a:t>Dark Green</a:t>
+            </a:r>
+            <a:r>
+              <a:rPr lang="en-US" sz="1800" dirty="0">
+                <a:solidFill>
+                  <a:srgbClr val="D3AF86"/>
+                </a:solidFill>
+                <a:latin typeface="Consolas" panose="020B0609020204030204" pitchFamily="49" charset="0"/>
+              </a:rPr>
+              <a:t>'];</a:t>
+            </a:r>
+          </a:p>
+          <a:p>
+            <a:r>
+              <a:rPr lang="en-US" sz="1800" dirty="0">
+                <a:solidFill>
+                  <a:srgbClr val="98676A"/>
+                </a:solidFill>
+                <a:latin typeface="Consolas" panose="020B0609020204030204" pitchFamily="49" charset="0"/>
+              </a:rPr>
+              <a:t>let</a:t>
+            </a:r>
+            <a:r>
+              <a:rPr lang="en-US" sz="1800" dirty="0">
+                <a:solidFill>
+                  <a:srgbClr val="D3AF86"/>
+                </a:solidFill>
+                <a:latin typeface="Consolas" panose="020B0609020204030204" pitchFamily="49" charset="0"/>
+              </a:rPr>
+              <a:t> [</a:t>
+            </a:r>
+            <a:r>
+              <a:rPr lang="en-US" sz="1800" dirty="0">
+                <a:solidFill>
+                  <a:srgbClr val="DC3958"/>
+                </a:solidFill>
+                <a:latin typeface="Consolas" panose="020B0609020204030204" pitchFamily="49" charset="0"/>
+              </a:rPr>
+              <a:t>Type2</a:t>
+            </a:r>
+            <a:r>
+              <a:rPr lang="en-US" sz="1800" dirty="0">
+                <a:solidFill>
+                  <a:srgbClr val="D3AF86"/>
+                </a:solidFill>
+                <a:latin typeface="Consolas" panose="020B0609020204030204" pitchFamily="49" charset="0"/>
+              </a:rPr>
+              <a:t>, ...</a:t>
+            </a:r>
+            <a:r>
+              <a:rPr lang="en-US" sz="1800" dirty="0">
+                <a:solidFill>
+                  <a:srgbClr val="DC3958"/>
+                </a:solidFill>
+                <a:latin typeface="Consolas" panose="020B0609020204030204" pitchFamily="49" charset="0"/>
+              </a:rPr>
+              <a:t>color2</a:t>
+            </a:r>
+            <a:r>
+              <a:rPr lang="en-US" sz="1800" dirty="0" smtClean="0">
+                <a:solidFill>
+                  <a:srgbClr val="D3AF86"/>
+                </a:solidFill>
+                <a:latin typeface="Consolas" panose="020B0609020204030204" pitchFamily="49" charset="0"/>
+              </a:rPr>
+              <a:t>]=[</a:t>
+            </a:r>
+            <a:r>
+              <a:rPr lang="en-US" sz="1800" dirty="0">
+                <a:solidFill>
+                  <a:srgbClr val="D3AF86"/>
+                </a:solidFill>
+                <a:latin typeface="Consolas" panose="020B0609020204030204" pitchFamily="49" charset="0"/>
+              </a:rPr>
+              <a:t>'</a:t>
+            </a:r>
+            <a:r>
+              <a:rPr lang="en-US" sz="1800" dirty="0">
+                <a:solidFill>
+                  <a:srgbClr val="889B4A"/>
+                </a:solidFill>
+                <a:latin typeface="Consolas" panose="020B0609020204030204" pitchFamily="49" charset="0"/>
+              </a:rPr>
+              <a:t>T-Shirts</a:t>
+            </a:r>
+            <a:r>
+              <a:rPr lang="en-US" sz="1800" dirty="0">
+                <a:solidFill>
+                  <a:srgbClr val="D3AF86"/>
+                </a:solidFill>
+                <a:latin typeface="Consolas" panose="020B0609020204030204" pitchFamily="49" charset="0"/>
+              </a:rPr>
+              <a:t>', '</a:t>
+            </a:r>
+            <a:r>
+              <a:rPr lang="en-US" sz="1800" dirty="0">
+                <a:solidFill>
+                  <a:srgbClr val="889B4A"/>
+                </a:solidFill>
+                <a:latin typeface="Consolas" panose="020B0609020204030204" pitchFamily="49" charset="0"/>
+              </a:rPr>
+              <a:t>Pink</a:t>
+            </a:r>
+            <a:r>
+              <a:rPr lang="en-US" sz="1800" dirty="0">
+                <a:solidFill>
+                  <a:srgbClr val="D3AF86"/>
+                </a:solidFill>
+                <a:latin typeface="Consolas" panose="020B0609020204030204" pitchFamily="49" charset="0"/>
+              </a:rPr>
+              <a:t>', '</a:t>
+            </a:r>
+            <a:r>
+              <a:rPr lang="en-US" sz="1800" dirty="0">
+                <a:solidFill>
+                  <a:srgbClr val="889B4A"/>
+                </a:solidFill>
+                <a:latin typeface="Consolas" panose="020B0609020204030204" pitchFamily="49" charset="0"/>
+              </a:rPr>
+              <a:t>Lemmon Yellow</a:t>
+            </a:r>
+            <a:r>
+              <a:rPr lang="en-US" sz="1800" dirty="0">
+                <a:solidFill>
+                  <a:srgbClr val="D3AF86"/>
+                </a:solidFill>
+                <a:latin typeface="Consolas" panose="020B0609020204030204" pitchFamily="49" charset="0"/>
+              </a:rPr>
+              <a:t>', '</a:t>
+            </a:r>
+            <a:r>
+              <a:rPr lang="en-US" sz="1800" dirty="0">
+                <a:solidFill>
+                  <a:srgbClr val="889B4A"/>
+                </a:solidFill>
+                <a:latin typeface="Consolas" panose="020B0609020204030204" pitchFamily="49" charset="0"/>
+              </a:rPr>
+              <a:t>Sky Blue</a:t>
+            </a:r>
+            <a:r>
+              <a:rPr lang="en-US" sz="1800" dirty="0">
+                <a:solidFill>
+                  <a:srgbClr val="D3AF86"/>
+                </a:solidFill>
+                <a:latin typeface="Consolas" panose="020B0609020204030204" pitchFamily="49" charset="0"/>
+              </a:rPr>
+              <a:t>'];</a:t>
+            </a:r>
+          </a:p>
+          <a:p>
+            <a:r>
+              <a:rPr lang="en-US" sz="1800" dirty="0">
+                <a:solidFill>
+                  <a:srgbClr val="98676A"/>
+                </a:solidFill>
+                <a:latin typeface="Consolas" panose="020B0609020204030204" pitchFamily="49" charset="0"/>
+              </a:rPr>
+              <a:t>let</a:t>
+            </a:r>
+            <a:r>
+              <a:rPr lang="en-US" sz="1800" dirty="0">
+                <a:solidFill>
+                  <a:srgbClr val="D3AF86"/>
+                </a:solidFill>
+                <a:latin typeface="Consolas" panose="020B0609020204030204" pitchFamily="49" charset="0"/>
+              </a:rPr>
+              <a:t> [</a:t>
+            </a:r>
+            <a:r>
+              <a:rPr lang="en-US" sz="1800" dirty="0">
+                <a:solidFill>
+                  <a:srgbClr val="DC3958"/>
+                </a:solidFill>
+                <a:latin typeface="Consolas" panose="020B0609020204030204" pitchFamily="49" charset="0"/>
+              </a:rPr>
+              <a:t>Type3</a:t>
+            </a:r>
+            <a:r>
+              <a:rPr lang="en-US" sz="1800" dirty="0">
+                <a:solidFill>
+                  <a:srgbClr val="D3AF86"/>
+                </a:solidFill>
+                <a:latin typeface="Consolas" panose="020B0609020204030204" pitchFamily="49" charset="0"/>
+              </a:rPr>
+              <a:t>, ...</a:t>
+            </a:r>
+            <a:r>
+              <a:rPr lang="en-US" sz="1800" dirty="0">
+                <a:solidFill>
+                  <a:srgbClr val="DC3958"/>
+                </a:solidFill>
+                <a:latin typeface="Consolas" panose="020B0609020204030204" pitchFamily="49" charset="0"/>
+              </a:rPr>
+              <a:t>color3</a:t>
+            </a:r>
+            <a:r>
+              <a:rPr lang="en-US" sz="1800" dirty="0" smtClean="0">
+                <a:solidFill>
+                  <a:srgbClr val="D3AF86"/>
+                </a:solidFill>
+                <a:latin typeface="Consolas" panose="020B0609020204030204" pitchFamily="49" charset="0"/>
+              </a:rPr>
+              <a:t>]=[</a:t>
+            </a:r>
+            <a:r>
+              <a:rPr lang="en-US" sz="1800" dirty="0">
+                <a:solidFill>
+                  <a:srgbClr val="D3AF86"/>
+                </a:solidFill>
+                <a:latin typeface="Consolas" panose="020B0609020204030204" pitchFamily="49" charset="0"/>
+              </a:rPr>
+              <a:t>'</a:t>
+            </a:r>
+            <a:r>
+              <a:rPr lang="en-US" sz="1800" dirty="0">
+                <a:solidFill>
+                  <a:srgbClr val="889B4A"/>
+                </a:solidFill>
+                <a:latin typeface="Consolas" panose="020B0609020204030204" pitchFamily="49" charset="0"/>
+              </a:rPr>
+              <a:t>Jeans</a:t>
+            </a:r>
+            <a:r>
+              <a:rPr lang="en-US" sz="1800" dirty="0">
+                <a:solidFill>
+                  <a:srgbClr val="D3AF86"/>
+                </a:solidFill>
+                <a:latin typeface="Consolas" panose="020B0609020204030204" pitchFamily="49" charset="0"/>
+              </a:rPr>
+              <a:t>', '</a:t>
+            </a:r>
+            <a:r>
+              <a:rPr lang="en-US" sz="1800" dirty="0">
+                <a:solidFill>
+                  <a:srgbClr val="889B4A"/>
+                </a:solidFill>
+                <a:latin typeface="Consolas" panose="020B0609020204030204" pitchFamily="49" charset="0"/>
+              </a:rPr>
+              <a:t>Blue</a:t>
+            </a:r>
+            <a:r>
+              <a:rPr lang="en-US" sz="1800" dirty="0">
+                <a:solidFill>
+                  <a:srgbClr val="D3AF86"/>
+                </a:solidFill>
+                <a:latin typeface="Consolas" panose="020B0609020204030204" pitchFamily="49" charset="0"/>
+              </a:rPr>
+              <a:t>', '</a:t>
+            </a:r>
+            <a:r>
+              <a:rPr lang="en-US" sz="1800" dirty="0">
+                <a:solidFill>
+                  <a:srgbClr val="889B4A"/>
+                </a:solidFill>
+                <a:latin typeface="Consolas" panose="020B0609020204030204" pitchFamily="49" charset="0"/>
+              </a:rPr>
+              <a:t>Black</a:t>
+            </a:r>
+            <a:r>
+              <a:rPr lang="en-US" sz="1800" dirty="0">
+                <a:solidFill>
+                  <a:srgbClr val="D3AF86"/>
+                </a:solidFill>
+                <a:latin typeface="Consolas" panose="020B0609020204030204" pitchFamily="49" charset="0"/>
+              </a:rPr>
+              <a:t>', '</a:t>
+            </a:r>
+            <a:r>
+              <a:rPr lang="en-US" sz="1800" dirty="0">
+                <a:solidFill>
+                  <a:srgbClr val="889B4A"/>
+                </a:solidFill>
+                <a:latin typeface="Consolas" panose="020B0609020204030204" pitchFamily="49" charset="0"/>
+              </a:rPr>
+              <a:t>Denim</a:t>
+            </a:r>
+            <a:r>
+              <a:rPr lang="en-US" sz="1800" dirty="0">
+                <a:solidFill>
+                  <a:srgbClr val="D3AF86"/>
+                </a:solidFill>
+                <a:latin typeface="Consolas" panose="020B0609020204030204" pitchFamily="49" charset="0"/>
+              </a:rPr>
+              <a:t>'];</a:t>
+            </a:r>
+          </a:p>
+          <a:p>
+            <a:r>
+              <a:rPr lang="en-US" sz="1800" dirty="0">
+                <a:solidFill>
+                  <a:srgbClr val="98676A"/>
+                </a:solidFill>
+                <a:latin typeface="Consolas" panose="020B0609020204030204" pitchFamily="49" charset="0"/>
+              </a:rPr>
+              <a:t>let</a:t>
+            </a:r>
+            <a:r>
+              <a:rPr lang="en-US" sz="1800" dirty="0">
+                <a:solidFill>
+                  <a:srgbClr val="D3AF86"/>
+                </a:solidFill>
+                <a:latin typeface="Consolas" panose="020B0609020204030204" pitchFamily="49" charset="0"/>
+              </a:rPr>
+              <a:t> [</a:t>
+            </a:r>
+            <a:r>
+              <a:rPr lang="en-US" sz="1800" dirty="0">
+                <a:solidFill>
+                  <a:srgbClr val="DC3958"/>
+                </a:solidFill>
+                <a:latin typeface="Consolas" panose="020B0609020204030204" pitchFamily="49" charset="0"/>
+              </a:rPr>
+              <a:t>Type4</a:t>
+            </a:r>
+            <a:r>
+              <a:rPr lang="en-US" sz="1800" dirty="0">
+                <a:solidFill>
+                  <a:srgbClr val="D3AF86"/>
+                </a:solidFill>
+                <a:latin typeface="Consolas" panose="020B0609020204030204" pitchFamily="49" charset="0"/>
+              </a:rPr>
+              <a:t>, ...</a:t>
+            </a:r>
+            <a:r>
+              <a:rPr lang="en-US" sz="1800" dirty="0">
+                <a:solidFill>
+                  <a:srgbClr val="DC3958"/>
+                </a:solidFill>
+                <a:latin typeface="Consolas" panose="020B0609020204030204" pitchFamily="49" charset="0"/>
+              </a:rPr>
+              <a:t>color4</a:t>
+            </a:r>
+            <a:r>
+              <a:rPr lang="en-US" sz="1800" dirty="0" smtClean="0">
+                <a:solidFill>
+                  <a:srgbClr val="D3AF86"/>
+                </a:solidFill>
+                <a:latin typeface="Consolas" panose="020B0609020204030204" pitchFamily="49" charset="0"/>
+              </a:rPr>
+              <a:t>]=[</a:t>
+            </a:r>
+            <a:r>
+              <a:rPr lang="en-US" sz="1800" dirty="0">
+                <a:solidFill>
+                  <a:srgbClr val="D3AF86"/>
+                </a:solidFill>
+                <a:latin typeface="Consolas" panose="020B0609020204030204" pitchFamily="49" charset="0"/>
+              </a:rPr>
+              <a:t>'</a:t>
+            </a:r>
+            <a:r>
+              <a:rPr lang="en-US" sz="1800" dirty="0">
+                <a:solidFill>
+                  <a:srgbClr val="889B4A"/>
+                </a:solidFill>
+                <a:latin typeface="Consolas" panose="020B0609020204030204" pitchFamily="49" charset="0"/>
+              </a:rPr>
+              <a:t>Trousers</a:t>
+            </a:r>
+            <a:r>
+              <a:rPr lang="en-US" sz="1800" dirty="0">
+                <a:solidFill>
+                  <a:srgbClr val="D3AF86"/>
+                </a:solidFill>
+                <a:latin typeface="Consolas" panose="020B0609020204030204" pitchFamily="49" charset="0"/>
+              </a:rPr>
+              <a:t>', '</a:t>
+            </a:r>
+            <a:r>
+              <a:rPr lang="en-US" sz="1800" dirty="0">
+                <a:solidFill>
+                  <a:srgbClr val="889B4A"/>
+                </a:solidFill>
+                <a:latin typeface="Consolas" panose="020B0609020204030204" pitchFamily="49" charset="0"/>
+              </a:rPr>
+              <a:t>Gray</a:t>
+            </a:r>
+            <a:r>
+              <a:rPr lang="en-US" sz="1800" dirty="0">
+                <a:solidFill>
+                  <a:srgbClr val="D3AF86"/>
+                </a:solidFill>
+                <a:latin typeface="Consolas" panose="020B0609020204030204" pitchFamily="49" charset="0"/>
+              </a:rPr>
+              <a:t>', '</a:t>
+            </a:r>
+            <a:r>
+              <a:rPr lang="en-US" sz="1800" dirty="0">
+                <a:solidFill>
+                  <a:srgbClr val="889B4A"/>
+                </a:solidFill>
+                <a:latin typeface="Consolas" panose="020B0609020204030204" pitchFamily="49" charset="0"/>
+              </a:rPr>
+              <a:t>Gray-Black</a:t>
+            </a:r>
+            <a:r>
+              <a:rPr lang="en-US" sz="1800" dirty="0">
+                <a:solidFill>
+                  <a:srgbClr val="D3AF86"/>
+                </a:solidFill>
+                <a:latin typeface="Consolas" panose="020B0609020204030204" pitchFamily="49" charset="0"/>
+              </a:rPr>
+              <a:t>', '</a:t>
+            </a:r>
+            <a:r>
+              <a:rPr lang="en-US" sz="1800" dirty="0">
+                <a:solidFill>
+                  <a:srgbClr val="889B4A"/>
+                </a:solidFill>
+                <a:latin typeface="Consolas" panose="020B0609020204030204" pitchFamily="49" charset="0"/>
+              </a:rPr>
+              <a:t>Dark Brown</a:t>
+            </a:r>
+            <a:r>
+              <a:rPr lang="en-US" sz="1800" dirty="0">
+                <a:solidFill>
+                  <a:srgbClr val="D3AF86"/>
+                </a:solidFill>
+                <a:latin typeface="Consolas" panose="020B0609020204030204" pitchFamily="49" charset="0"/>
+              </a:rPr>
+              <a:t>'];</a:t>
+            </a:r>
+          </a:p>
+          <a:p>
+            <a:r>
+              <a:rPr lang="en-US" sz="1800" dirty="0" smtClean="0">
+                <a:solidFill>
+                  <a:srgbClr val="98676A"/>
+                </a:solidFill>
+                <a:latin typeface="Consolas" panose="020B0609020204030204" pitchFamily="49" charset="0"/>
+              </a:rPr>
+              <a:t>let</a:t>
+            </a:r>
+            <a:r>
+              <a:rPr lang="en-US" sz="1800" dirty="0" smtClean="0">
+                <a:solidFill>
+                  <a:srgbClr val="D3AF86"/>
+                </a:solidFill>
+                <a:latin typeface="Consolas" panose="020B0609020204030204" pitchFamily="49" charset="0"/>
+              </a:rPr>
+              <a:t> </a:t>
+            </a:r>
+            <a:r>
+              <a:rPr lang="en-US" sz="1800" dirty="0">
+                <a:solidFill>
+                  <a:srgbClr val="DC3958"/>
+                </a:solidFill>
+                <a:latin typeface="Consolas" panose="020B0609020204030204" pitchFamily="49" charset="0"/>
+              </a:rPr>
+              <a:t>m</a:t>
+            </a:r>
+            <a:r>
+              <a:rPr lang="en-US" sz="1800" dirty="0">
+                <a:solidFill>
+                  <a:srgbClr val="D3AF86"/>
+                </a:solidFill>
+                <a:latin typeface="Consolas" panose="020B0609020204030204" pitchFamily="49" charset="0"/>
+              </a:rPr>
+              <a:t>: </a:t>
+            </a:r>
+            <a:r>
+              <a:rPr lang="en-US" sz="1800" dirty="0">
+                <a:solidFill>
+                  <a:srgbClr val="F06431"/>
+                </a:solidFill>
+                <a:latin typeface="Consolas" panose="020B0609020204030204" pitchFamily="49" charset="0"/>
+              </a:rPr>
+              <a:t>Array</a:t>
+            </a:r>
+            <a:r>
+              <a:rPr lang="en-US" sz="1800" dirty="0">
+                <a:solidFill>
+                  <a:srgbClr val="D3AF86"/>
+                </a:solidFill>
+                <a:latin typeface="Consolas" panose="020B0609020204030204" pitchFamily="49" charset="0"/>
+              </a:rPr>
+              <a:t>&lt;object&gt; = [[</a:t>
+            </a:r>
+            <a:r>
+              <a:rPr lang="en-US" sz="1800" dirty="0">
+                <a:solidFill>
+                  <a:srgbClr val="DC3958"/>
+                </a:solidFill>
+                <a:latin typeface="Consolas" panose="020B0609020204030204" pitchFamily="49" charset="0"/>
+              </a:rPr>
+              <a:t>Type1</a:t>
+            </a:r>
+            <a:r>
+              <a:rPr lang="en-US" sz="1800" dirty="0">
+                <a:solidFill>
+                  <a:srgbClr val="D3AF86"/>
+                </a:solidFill>
+                <a:latin typeface="Consolas" panose="020B0609020204030204" pitchFamily="49" charset="0"/>
+              </a:rPr>
+              <a:t>, ...</a:t>
+            </a:r>
+            <a:r>
+              <a:rPr lang="en-US" sz="1800" dirty="0">
+                <a:solidFill>
+                  <a:srgbClr val="DC3958"/>
+                </a:solidFill>
+                <a:latin typeface="Consolas" panose="020B0609020204030204" pitchFamily="49" charset="0"/>
+              </a:rPr>
+              <a:t>color1</a:t>
+            </a:r>
+            <a:r>
+              <a:rPr lang="en-US" sz="1800" dirty="0">
+                <a:solidFill>
+                  <a:srgbClr val="D3AF86"/>
+                </a:solidFill>
+                <a:latin typeface="Consolas" panose="020B0609020204030204" pitchFamily="49" charset="0"/>
+              </a:rPr>
+              <a:t>], [</a:t>
+            </a:r>
+            <a:r>
+              <a:rPr lang="en-US" sz="1800" dirty="0">
+                <a:solidFill>
+                  <a:srgbClr val="DC3958"/>
+                </a:solidFill>
+                <a:latin typeface="Consolas" panose="020B0609020204030204" pitchFamily="49" charset="0"/>
+              </a:rPr>
+              <a:t>Type2</a:t>
+            </a:r>
+            <a:r>
+              <a:rPr lang="en-US" sz="1800" dirty="0">
+                <a:solidFill>
+                  <a:srgbClr val="D3AF86"/>
+                </a:solidFill>
+                <a:latin typeface="Consolas" panose="020B0609020204030204" pitchFamily="49" charset="0"/>
+              </a:rPr>
+              <a:t>, ...</a:t>
+            </a:r>
+            <a:r>
+              <a:rPr lang="en-US" sz="1800" dirty="0">
+                <a:solidFill>
+                  <a:srgbClr val="DC3958"/>
+                </a:solidFill>
+                <a:latin typeface="Consolas" panose="020B0609020204030204" pitchFamily="49" charset="0"/>
+              </a:rPr>
+              <a:t>color2</a:t>
+            </a:r>
+            <a:r>
+              <a:rPr lang="en-US" sz="1800" dirty="0">
+                <a:solidFill>
+                  <a:srgbClr val="D3AF86"/>
+                </a:solidFill>
+                <a:latin typeface="Consolas" panose="020B0609020204030204" pitchFamily="49" charset="0"/>
+              </a:rPr>
+              <a:t>], [</a:t>
+            </a:r>
+            <a:r>
+              <a:rPr lang="en-US" sz="1800" dirty="0">
+                <a:solidFill>
+                  <a:srgbClr val="DC3958"/>
+                </a:solidFill>
+                <a:latin typeface="Consolas" panose="020B0609020204030204" pitchFamily="49" charset="0"/>
+              </a:rPr>
+              <a:t>Type3</a:t>
+            </a:r>
+            <a:r>
+              <a:rPr lang="en-US" sz="1800" dirty="0">
+                <a:solidFill>
+                  <a:srgbClr val="D3AF86"/>
+                </a:solidFill>
+                <a:latin typeface="Consolas" panose="020B0609020204030204" pitchFamily="49" charset="0"/>
+              </a:rPr>
+              <a:t>, ...</a:t>
+            </a:r>
+            <a:r>
+              <a:rPr lang="en-US" sz="1800" dirty="0">
+                <a:solidFill>
+                  <a:srgbClr val="DC3958"/>
+                </a:solidFill>
+                <a:latin typeface="Consolas" panose="020B0609020204030204" pitchFamily="49" charset="0"/>
+              </a:rPr>
+              <a:t>color3</a:t>
+            </a:r>
+            <a:r>
+              <a:rPr lang="en-US" sz="1800" dirty="0">
+                <a:solidFill>
+                  <a:srgbClr val="D3AF86"/>
+                </a:solidFill>
+                <a:latin typeface="Consolas" panose="020B0609020204030204" pitchFamily="49" charset="0"/>
+              </a:rPr>
+              <a:t>], [</a:t>
+            </a:r>
+            <a:r>
+              <a:rPr lang="en-US" sz="1800" dirty="0">
+                <a:solidFill>
+                  <a:srgbClr val="DC3958"/>
+                </a:solidFill>
+                <a:latin typeface="Consolas" panose="020B0609020204030204" pitchFamily="49" charset="0"/>
+              </a:rPr>
+              <a:t>Type4</a:t>
+            </a:r>
+            <a:r>
+              <a:rPr lang="en-US" sz="1800" dirty="0">
+                <a:solidFill>
+                  <a:srgbClr val="D3AF86"/>
+                </a:solidFill>
+                <a:latin typeface="Consolas" panose="020B0609020204030204" pitchFamily="49" charset="0"/>
+              </a:rPr>
+              <a:t>, ...</a:t>
+            </a:r>
+            <a:r>
+              <a:rPr lang="en-US" sz="1800" dirty="0">
+                <a:solidFill>
+                  <a:srgbClr val="DC3958"/>
+                </a:solidFill>
+                <a:latin typeface="Consolas" panose="020B0609020204030204" pitchFamily="49" charset="0"/>
+              </a:rPr>
+              <a:t>color4</a:t>
+            </a:r>
+            <a:r>
+              <a:rPr lang="en-US" sz="1800" dirty="0">
+                <a:solidFill>
+                  <a:srgbClr val="D3AF86"/>
+                </a:solidFill>
+                <a:latin typeface="Consolas" panose="020B0609020204030204" pitchFamily="49" charset="0"/>
+              </a:rPr>
+              <a:t>]]</a:t>
+            </a:r>
+          </a:p>
+          <a:p>
+            <a:endParaRPr lang="en-US" sz="1800" dirty="0" smtClean="0">
+              <a:solidFill>
+                <a:srgbClr val="98676A"/>
+              </a:solidFill>
+              <a:latin typeface="Consolas" panose="020B0609020204030204" pitchFamily="49" charset="0"/>
+            </a:endParaRPr>
+          </a:p>
+          <a:p>
+            <a:r>
+              <a:rPr lang="en-US" sz="1800" dirty="0" smtClean="0">
+                <a:solidFill>
+                  <a:srgbClr val="98676A"/>
+                </a:solidFill>
+                <a:latin typeface="Consolas" panose="020B0609020204030204" pitchFamily="49" charset="0"/>
+              </a:rPr>
+              <a:t>let</a:t>
+            </a:r>
+            <a:r>
+              <a:rPr lang="en-US" sz="1800" dirty="0" smtClean="0">
+                <a:solidFill>
+                  <a:srgbClr val="D3AF86"/>
+                </a:solidFill>
+                <a:latin typeface="Consolas" panose="020B0609020204030204" pitchFamily="49" charset="0"/>
+              </a:rPr>
+              <a:t> </a:t>
+            </a:r>
+            <a:r>
+              <a:rPr lang="en-US" sz="1800" dirty="0">
+                <a:solidFill>
+                  <a:srgbClr val="8AB1B0"/>
+                </a:solidFill>
+                <a:latin typeface="Consolas" panose="020B0609020204030204" pitchFamily="49" charset="0"/>
+              </a:rPr>
+              <a:t>fn</a:t>
+            </a:r>
+            <a:r>
+              <a:rPr lang="en-US" sz="1800" dirty="0">
+                <a:solidFill>
+                  <a:srgbClr val="D3AF86"/>
+                </a:solidFill>
+                <a:latin typeface="Consolas" panose="020B0609020204030204" pitchFamily="49" charset="0"/>
+              </a:rPr>
+              <a:t> = (</a:t>
+            </a:r>
+            <a:r>
+              <a:rPr lang="en-US" sz="1800" dirty="0">
+                <a:solidFill>
+                  <a:srgbClr val="DC3958"/>
+                </a:solidFill>
+                <a:latin typeface="Consolas" panose="020B0609020204030204" pitchFamily="49" charset="0"/>
+              </a:rPr>
+              <a:t>a</a:t>
+            </a:r>
+            <a:r>
+              <a:rPr lang="en-US" sz="1800" dirty="0">
+                <a:solidFill>
+                  <a:srgbClr val="D3AF86"/>
+                </a:solidFill>
+                <a:latin typeface="Consolas" panose="020B0609020204030204" pitchFamily="49" charset="0"/>
+              </a:rPr>
+              <a:t>) </a:t>
+            </a:r>
+            <a:r>
+              <a:rPr lang="en-US" sz="1800" dirty="0">
+                <a:solidFill>
+                  <a:srgbClr val="98676A"/>
+                </a:solidFill>
+                <a:latin typeface="Consolas" panose="020B0609020204030204" pitchFamily="49" charset="0"/>
+              </a:rPr>
+              <a:t>=&gt;</a:t>
+            </a:r>
+            <a:r>
+              <a:rPr lang="en-US" sz="1800" dirty="0">
+                <a:solidFill>
+                  <a:srgbClr val="D3AF86"/>
+                </a:solidFill>
+                <a:latin typeface="Consolas" panose="020B0609020204030204" pitchFamily="49" charset="0"/>
+              </a:rPr>
+              <a:t> {</a:t>
+            </a:r>
+          </a:p>
+          <a:p>
+            <a:r>
+              <a:rPr lang="en-US" sz="1800" dirty="0" smtClean="0">
+                <a:solidFill>
+                  <a:srgbClr val="98676A"/>
+                </a:solidFill>
+                <a:latin typeface="Consolas" panose="020B0609020204030204" pitchFamily="49" charset="0"/>
+              </a:rPr>
+              <a:t>    for</a:t>
+            </a:r>
+            <a:r>
+              <a:rPr lang="en-US" sz="1800" dirty="0" smtClean="0">
+                <a:solidFill>
+                  <a:srgbClr val="D3AF86"/>
+                </a:solidFill>
+                <a:latin typeface="Consolas" panose="020B0609020204030204" pitchFamily="49" charset="0"/>
+              </a:rPr>
+              <a:t> </a:t>
+            </a:r>
+            <a:r>
+              <a:rPr lang="en-US" sz="1800" dirty="0">
+                <a:solidFill>
+                  <a:srgbClr val="D3AF86"/>
+                </a:solidFill>
+                <a:latin typeface="Consolas" panose="020B0609020204030204" pitchFamily="49" charset="0"/>
+              </a:rPr>
+              <a:t>(</a:t>
+            </a:r>
+            <a:r>
+              <a:rPr lang="en-US" sz="1800" dirty="0">
+                <a:solidFill>
+                  <a:srgbClr val="98676A"/>
+                </a:solidFill>
+                <a:latin typeface="Consolas" panose="020B0609020204030204" pitchFamily="49" charset="0"/>
+              </a:rPr>
+              <a:t>const</a:t>
+            </a:r>
+            <a:r>
+              <a:rPr lang="en-US" sz="1800" dirty="0">
+                <a:solidFill>
+                  <a:srgbClr val="D3AF86"/>
+                </a:solidFill>
+                <a:latin typeface="Consolas" panose="020B0609020204030204" pitchFamily="49" charset="0"/>
+              </a:rPr>
+              <a:t> </a:t>
+            </a:r>
+            <a:r>
+              <a:rPr lang="en-US" sz="1800" dirty="0">
+                <a:solidFill>
+                  <a:srgbClr val="DC3958"/>
+                </a:solidFill>
+                <a:latin typeface="Consolas" panose="020B0609020204030204" pitchFamily="49" charset="0"/>
+              </a:rPr>
+              <a:t>key</a:t>
+            </a:r>
+            <a:r>
+              <a:rPr lang="en-US" sz="1800" dirty="0">
+                <a:solidFill>
+                  <a:srgbClr val="D3AF86"/>
+                </a:solidFill>
+                <a:latin typeface="Consolas" panose="020B0609020204030204" pitchFamily="49" charset="0"/>
+              </a:rPr>
+              <a:t> in </a:t>
+            </a:r>
+            <a:r>
+              <a:rPr lang="en-US" sz="1800" dirty="0">
+                <a:solidFill>
+                  <a:srgbClr val="DC3958"/>
+                </a:solidFill>
+                <a:latin typeface="Consolas" panose="020B0609020204030204" pitchFamily="49" charset="0"/>
+              </a:rPr>
+              <a:t>a</a:t>
+            </a:r>
+            <a:r>
+              <a:rPr lang="en-US" sz="1800" dirty="0">
+                <a:solidFill>
+                  <a:srgbClr val="D3AF86"/>
+                </a:solidFill>
+                <a:latin typeface="Consolas" panose="020B0609020204030204" pitchFamily="49" charset="0"/>
+              </a:rPr>
+              <a:t>) {</a:t>
+            </a:r>
+          </a:p>
+          <a:p>
+            <a:r>
+              <a:rPr lang="en-US" sz="1800" dirty="0" smtClean="0">
+                <a:solidFill>
+                  <a:srgbClr val="98676A"/>
+                </a:solidFill>
+                <a:latin typeface="Consolas" panose="020B0609020204030204" pitchFamily="49" charset="0"/>
+              </a:rPr>
+              <a:t>        const</a:t>
+            </a:r>
+            <a:r>
+              <a:rPr lang="en-US" sz="1800" dirty="0" smtClean="0">
+                <a:solidFill>
+                  <a:srgbClr val="D3AF86"/>
+                </a:solidFill>
+                <a:latin typeface="Consolas" panose="020B0609020204030204" pitchFamily="49" charset="0"/>
+              </a:rPr>
+              <a:t> </a:t>
+            </a:r>
+            <a:r>
+              <a:rPr lang="en-US" sz="1800" dirty="0">
+                <a:solidFill>
+                  <a:srgbClr val="DC3958"/>
+                </a:solidFill>
+                <a:latin typeface="Consolas" panose="020B0609020204030204" pitchFamily="49" charset="0"/>
+              </a:rPr>
+              <a:t>element</a:t>
+            </a:r>
+            <a:r>
+              <a:rPr lang="en-US" sz="1800" dirty="0">
+                <a:solidFill>
+                  <a:srgbClr val="D3AF86"/>
+                </a:solidFill>
+                <a:latin typeface="Consolas" panose="020B0609020204030204" pitchFamily="49" charset="0"/>
+              </a:rPr>
+              <a:t> = </a:t>
+            </a:r>
+            <a:r>
+              <a:rPr lang="en-US" sz="1800" dirty="0">
+                <a:solidFill>
+                  <a:srgbClr val="DC3958"/>
+                </a:solidFill>
+                <a:latin typeface="Consolas" panose="020B0609020204030204" pitchFamily="49" charset="0"/>
+              </a:rPr>
+              <a:t>a</a:t>
+            </a:r>
+            <a:r>
+              <a:rPr lang="en-US" sz="1800" dirty="0">
+                <a:solidFill>
+                  <a:srgbClr val="D3AF86"/>
+                </a:solidFill>
+                <a:latin typeface="Consolas" panose="020B0609020204030204" pitchFamily="49" charset="0"/>
+              </a:rPr>
+              <a:t>[</a:t>
+            </a:r>
+            <a:r>
+              <a:rPr lang="en-US" sz="1800" dirty="0">
+                <a:solidFill>
+                  <a:srgbClr val="DC3958"/>
+                </a:solidFill>
+                <a:latin typeface="Consolas" panose="020B0609020204030204" pitchFamily="49" charset="0"/>
+              </a:rPr>
+              <a:t>key</a:t>
+            </a:r>
+            <a:r>
+              <a:rPr lang="en-US" sz="1800" dirty="0">
+                <a:solidFill>
+                  <a:srgbClr val="D3AF86"/>
+                </a:solidFill>
+                <a:latin typeface="Consolas" panose="020B0609020204030204" pitchFamily="49" charset="0"/>
+              </a:rPr>
+              <a:t>][</a:t>
+            </a:r>
+            <a:r>
+              <a:rPr lang="en-US" sz="1800" dirty="0">
+                <a:solidFill>
+                  <a:srgbClr val="F79A32"/>
+                </a:solidFill>
+                <a:latin typeface="Consolas" panose="020B0609020204030204" pitchFamily="49" charset="0"/>
+              </a:rPr>
+              <a:t>0</a:t>
+            </a:r>
+            <a:r>
+              <a:rPr lang="en-US" sz="1800" dirty="0">
+                <a:solidFill>
+                  <a:srgbClr val="D3AF86"/>
+                </a:solidFill>
+                <a:latin typeface="Consolas" panose="020B0609020204030204" pitchFamily="49" charset="0"/>
+              </a:rPr>
+              <a:t>];</a:t>
+            </a:r>
+          </a:p>
+          <a:p>
+            <a:r>
+              <a:rPr lang="en-US" sz="1800" dirty="0" smtClean="0">
+                <a:solidFill>
+                  <a:srgbClr val="F06431"/>
+                </a:solidFill>
+                <a:latin typeface="Consolas" panose="020B0609020204030204" pitchFamily="49" charset="0"/>
+              </a:rPr>
+              <a:t>        console</a:t>
+            </a:r>
+            <a:r>
+              <a:rPr lang="en-US" sz="1800" dirty="0" smtClean="0">
+                <a:solidFill>
+                  <a:srgbClr val="D3AF86"/>
+                </a:solidFill>
+                <a:latin typeface="Consolas" panose="020B0609020204030204" pitchFamily="49" charset="0"/>
+              </a:rPr>
+              <a:t>.</a:t>
+            </a:r>
+            <a:r>
+              <a:rPr lang="en-US" sz="1800" dirty="0" smtClean="0">
+                <a:solidFill>
+                  <a:srgbClr val="7E602C"/>
+                </a:solidFill>
+                <a:latin typeface="Consolas" panose="020B0609020204030204" pitchFamily="49" charset="0"/>
+              </a:rPr>
+              <a:t>log</a:t>
+            </a:r>
+            <a:r>
+              <a:rPr lang="en-US" sz="1800" dirty="0">
+                <a:solidFill>
+                  <a:srgbClr val="D3AF86"/>
+                </a:solidFill>
+                <a:latin typeface="Consolas" panose="020B0609020204030204" pitchFamily="49" charset="0"/>
+              </a:rPr>
+              <a:t>('</a:t>
+            </a:r>
+            <a:r>
+              <a:rPr lang="en-US" sz="1800" dirty="0">
+                <a:solidFill>
+                  <a:srgbClr val="889B4A"/>
+                </a:solidFill>
+                <a:latin typeface="Consolas" panose="020B0609020204030204" pitchFamily="49" charset="0"/>
+              </a:rPr>
+              <a:t>-------------------------------</a:t>
+            </a:r>
+            <a:r>
+              <a:rPr lang="en-US" sz="1800" dirty="0">
+                <a:solidFill>
+                  <a:srgbClr val="D3AF86"/>
+                </a:solidFill>
+                <a:latin typeface="Consolas" panose="020B0609020204030204" pitchFamily="49" charset="0"/>
+              </a:rPr>
+              <a:t>');</a:t>
+            </a:r>
+          </a:p>
+          <a:p>
+            <a:r>
+              <a:rPr lang="en-US" sz="1800" dirty="0" smtClean="0">
+                <a:solidFill>
+                  <a:srgbClr val="F06431"/>
+                </a:solidFill>
+                <a:latin typeface="Consolas" panose="020B0609020204030204" pitchFamily="49" charset="0"/>
+              </a:rPr>
+              <a:t>        console</a:t>
+            </a:r>
+            <a:r>
+              <a:rPr lang="en-US" sz="1800" dirty="0" smtClean="0">
+                <a:solidFill>
+                  <a:srgbClr val="D3AF86"/>
+                </a:solidFill>
+                <a:latin typeface="Consolas" panose="020B0609020204030204" pitchFamily="49" charset="0"/>
+              </a:rPr>
+              <a:t>.</a:t>
+            </a:r>
+            <a:r>
+              <a:rPr lang="en-US" sz="1800" dirty="0" smtClean="0">
+                <a:solidFill>
+                  <a:srgbClr val="7E602C"/>
+                </a:solidFill>
+                <a:latin typeface="Consolas" panose="020B0609020204030204" pitchFamily="49" charset="0"/>
+              </a:rPr>
+              <a:t>log</a:t>
+            </a:r>
+            <a:r>
+              <a:rPr lang="en-US" sz="1800" dirty="0">
+                <a:solidFill>
+                  <a:srgbClr val="D3AF86"/>
+                </a:solidFill>
+                <a:latin typeface="Consolas" panose="020B0609020204030204" pitchFamily="49" charset="0"/>
+              </a:rPr>
+              <a:t>(`</a:t>
+            </a:r>
+            <a:r>
+              <a:rPr lang="en-US" sz="1800" dirty="0">
+                <a:solidFill>
+                  <a:srgbClr val="889B4A"/>
+                </a:solidFill>
+                <a:latin typeface="Consolas" panose="020B0609020204030204" pitchFamily="49" charset="0"/>
+              </a:rPr>
+              <a:t>Type is : ${</a:t>
+            </a:r>
+            <a:r>
+              <a:rPr lang="en-US" sz="1800" dirty="0">
+                <a:solidFill>
+                  <a:srgbClr val="DC3958"/>
+                </a:solidFill>
+                <a:latin typeface="Consolas" panose="020B0609020204030204" pitchFamily="49" charset="0"/>
+              </a:rPr>
+              <a:t>element</a:t>
+            </a:r>
+            <a:r>
+              <a:rPr lang="en-US" sz="1800" dirty="0">
+                <a:solidFill>
+                  <a:srgbClr val="889B4A"/>
+                </a:solidFill>
+                <a:latin typeface="Consolas" panose="020B0609020204030204" pitchFamily="49" charset="0"/>
+              </a:rPr>
+              <a:t>}</a:t>
+            </a:r>
+            <a:r>
+              <a:rPr lang="en-US" sz="1800" dirty="0">
+                <a:solidFill>
+                  <a:srgbClr val="D3AF86"/>
+                </a:solidFill>
+                <a:latin typeface="Consolas" panose="020B0609020204030204" pitchFamily="49" charset="0"/>
+              </a:rPr>
+              <a:t>`);</a:t>
+            </a:r>
+          </a:p>
+          <a:p>
+            <a:r>
+              <a:rPr lang="en-US" sz="1800" dirty="0" smtClean="0">
+                <a:solidFill>
+                  <a:srgbClr val="98676A"/>
+                </a:solidFill>
+                <a:latin typeface="Consolas" panose="020B0609020204030204" pitchFamily="49" charset="0"/>
+              </a:rPr>
+              <a:t>        for</a:t>
+            </a:r>
+            <a:r>
+              <a:rPr lang="en-US" sz="1800" dirty="0" smtClean="0">
+                <a:solidFill>
+                  <a:srgbClr val="D3AF86"/>
+                </a:solidFill>
+                <a:latin typeface="Consolas" panose="020B0609020204030204" pitchFamily="49" charset="0"/>
+              </a:rPr>
+              <a:t> </a:t>
+            </a:r>
+            <a:r>
+              <a:rPr lang="en-US" sz="1800" dirty="0">
+                <a:solidFill>
+                  <a:srgbClr val="D3AF86"/>
+                </a:solidFill>
+                <a:latin typeface="Consolas" panose="020B0609020204030204" pitchFamily="49" charset="0"/>
+              </a:rPr>
+              <a:t>(</a:t>
+            </a:r>
+            <a:r>
+              <a:rPr lang="en-US" sz="1800" dirty="0">
+                <a:solidFill>
+                  <a:srgbClr val="98676A"/>
+                </a:solidFill>
+                <a:latin typeface="Consolas" panose="020B0609020204030204" pitchFamily="49" charset="0"/>
+              </a:rPr>
+              <a:t>let</a:t>
+            </a:r>
+            <a:r>
+              <a:rPr lang="en-US" sz="1800" dirty="0">
+                <a:solidFill>
+                  <a:srgbClr val="D3AF86"/>
+                </a:solidFill>
+                <a:latin typeface="Consolas" panose="020B0609020204030204" pitchFamily="49" charset="0"/>
+              </a:rPr>
+              <a:t> </a:t>
+            </a:r>
+            <a:r>
+              <a:rPr lang="en-US" sz="1800" dirty="0">
+                <a:solidFill>
+                  <a:srgbClr val="DC3958"/>
+                </a:solidFill>
+                <a:latin typeface="Consolas" panose="020B0609020204030204" pitchFamily="49" charset="0"/>
+              </a:rPr>
+              <a:t>index</a:t>
+            </a:r>
+            <a:r>
+              <a:rPr lang="en-US" sz="1800" dirty="0">
+                <a:solidFill>
+                  <a:srgbClr val="D3AF86"/>
+                </a:solidFill>
+                <a:latin typeface="Consolas" panose="020B0609020204030204" pitchFamily="49" charset="0"/>
+              </a:rPr>
+              <a:t> = </a:t>
+            </a:r>
+            <a:r>
+              <a:rPr lang="en-US" sz="1800" dirty="0">
+                <a:solidFill>
+                  <a:srgbClr val="F79A32"/>
+                </a:solidFill>
+                <a:latin typeface="Consolas" panose="020B0609020204030204" pitchFamily="49" charset="0"/>
+              </a:rPr>
+              <a:t>1</a:t>
+            </a:r>
+            <a:r>
+              <a:rPr lang="en-US" sz="1800" dirty="0">
+                <a:solidFill>
+                  <a:srgbClr val="D3AF86"/>
+                </a:solidFill>
+                <a:latin typeface="Consolas" panose="020B0609020204030204" pitchFamily="49" charset="0"/>
+              </a:rPr>
+              <a:t>; </a:t>
+            </a:r>
+            <a:r>
+              <a:rPr lang="en-US" sz="1800" dirty="0">
+                <a:solidFill>
+                  <a:srgbClr val="DC3958"/>
+                </a:solidFill>
+                <a:latin typeface="Consolas" panose="020B0609020204030204" pitchFamily="49" charset="0"/>
+              </a:rPr>
+              <a:t>index</a:t>
+            </a:r>
+            <a:r>
+              <a:rPr lang="en-US" sz="1800" dirty="0">
+                <a:solidFill>
+                  <a:srgbClr val="D3AF86"/>
+                </a:solidFill>
+                <a:latin typeface="Consolas" panose="020B0609020204030204" pitchFamily="49" charset="0"/>
+              </a:rPr>
+              <a:t> &lt; </a:t>
+            </a:r>
+            <a:r>
+              <a:rPr lang="en-US" sz="1800" dirty="0">
+                <a:solidFill>
+                  <a:srgbClr val="DC3958"/>
+                </a:solidFill>
+                <a:latin typeface="Consolas" panose="020B0609020204030204" pitchFamily="49" charset="0"/>
+              </a:rPr>
+              <a:t>a</a:t>
+            </a:r>
+            <a:r>
+              <a:rPr lang="en-US" sz="1800" dirty="0">
+                <a:solidFill>
+                  <a:srgbClr val="D3AF86"/>
+                </a:solidFill>
+                <a:latin typeface="Consolas" panose="020B0609020204030204" pitchFamily="49" charset="0"/>
+              </a:rPr>
+              <a:t>[</a:t>
+            </a:r>
+            <a:r>
+              <a:rPr lang="en-US" sz="1800" dirty="0">
+                <a:solidFill>
+                  <a:srgbClr val="DC3958"/>
+                </a:solidFill>
+                <a:latin typeface="Consolas" panose="020B0609020204030204" pitchFamily="49" charset="0"/>
+              </a:rPr>
+              <a:t>key</a:t>
+            </a:r>
+            <a:r>
+              <a:rPr lang="en-US" sz="1800" dirty="0">
+                <a:solidFill>
+                  <a:srgbClr val="D3AF86"/>
+                </a:solidFill>
+                <a:latin typeface="Consolas" panose="020B0609020204030204" pitchFamily="49" charset="0"/>
+              </a:rPr>
+              <a:t>].length; </a:t>
+            </a:r>
+            <a:r>
+              <a:rPr lang="en-US" sz="1800" dirty="0">
+                <a:solidFill>
+                  <a:srgbClr val="DC3958"/>
+                </a:solidFill>
+                <a:latin typeface="Consolas" panose="020B0609020204030204" pitchFamily="49" charset="0"/>
+              </a:rPr>
+              <a:t>index</a:t>
+            </a:r>
+            <a:r>
+              <a:rPr lang="en-US" sz="1800" dirty="0">
+                <a:solidFill>
+                  <a:srgbClr val="D3AF86"/>
+                </a:solidFill>
+                <a:latin typeface="Consolas" panose="020B0609020204030204" pitchFamily="49" charset="0"/>
+              </a:rPr>
+              <a:t>++) {</a:t>
+            </a:r>
+          </a:p>
+          <a:p>
+            <a:r>
+              <a:rPr lang="en-US" sz="1800" dirty="0" smtClean="0">
+                <a:solidFill>
+                  <a:srgbClr val="98676A"/>
+                </a:solidFill>
+                <a:latin typeface="Consolas" panose="020B0609020204030204" pitchFamily="49" charset="0"/>
+              </a:rPr>
+              <a:t>            const</a:t>
+            </a:r>
+            <a:r>
+              <a:rPr lang="en-US" sz="1800" dirty="0" smtClean="0">
+                <a:solidFill>
+                  <a:srgbClr val="D3AF86"/>
+                </a:solidFill>
+                <a:latin typeface="Consolas" panose="020B0609020204030204" pitchFamily="49" charset="0"/>
+              </a:rPr>
+              <a:t> </a:t>
+            </a:r>
+            <a:r>
+              <a:rPr lang="en-US" sz="1800" dirty="0">
+                <a:solidFill>
+                  <a:srgbClr val="DC3958"/>
+                </a:solidFill>
+                <a:latin typeface="Consolas" panose="020B0609020204030204" pitchFamily="49" charset="0"/>
+              </a:rPr>
+              <a:t>element</a:t>
+            </a:r>
+            <a:r>
+              <a:rPr lang="en-US" sz="1800" dirty="0">
+                <a:solidFill>
+                  <a:srgbClr val="D3AF86"/>
+                </a:solidFill>
+                <a:latin typeface="Consolas" panose="020B0609020204030204" pitchFamily="49" charset="0"/>
+              </a:rPr>
+              <a:t> = </a:t>
+            </a:r>
+            <a:r>
+              <a:rPr lang="en-US" sz="1800" dirty="0">
+                <a:solidFill>
+                  <a:srgbClr val="DC3958"/>
+                </a:solidFill>
+                <a:latin typeface="Consolas" panose="020B0609020204030204" pitchFamily="49" charset="0"/>
+              </a:rPr>
+              <a:t>a</a:t>
+            </a:r>
+            <a:r>
+              <a:rPr lang="en-US" sz="1800" dirty="0">
+                <a:solidFill>
+                  <a:srgbClr val="D3AF86"/>
+                </a:solidFill>
+                <a:latin typeface="Consolas" panose="020B0609020204030204" pitchFamily="49" charset="0"/>
+              </a:rPr>
+              <a:t>[</a:t>
+            </a:r>
+            <a:r>
+              <a:rPr lang="en-US" sz="1800" dirty="0">
+                <a:solidFill>
+                  <a:srgbClr val="DC3958"/>
+                </a:solidFill>
+                <a:latin typeface="Consolas" panose="020B0609020204030204" pitchFamily="49" charset="0"/>
+              </a:rPr>
+              <a:t>key</a:t>
+            </a:r>
+            <a:r>
+              <a:rPr lang="en-US" sz="1800" dirty="0">
+                <a:solidFill>
+                  <a:srgbClr val="D3AF86"/>
+                </a:solidFill>
+                <a:latin typeface="Consolas" panose="020B0609020204030204" pitchFamily="49" charset="0"/>
+              </a:rPr>
+              <a:t>][</a:t>
+            </a:r>
+            <a:r>
+              <a:rPr lang="en-US" sz="1800" dirty="0">
+                <a:solidFill>
+                  <a:srgbClr val="DC3958"/>
+                </a:solidFill>
+                <a:latin typeface="Consolas" panose="020B0609020204030204" pitchFamily="49" charset="0"/>
+              </a:rPr>
+              <a:t>index</a:t>
+            </a:r>
+            <a:r>
+              <a:rPr lang="en-US" sz="1800" dirty="0">
+                <a:solidFill>
+                  <a:srgbClr val="D3AF86"/>
+                </a:solidFill>
+                <a:latin typeface="Consolas" panose="020B0609020204030204" pitchFamily="49" charset="0"/>
+              </a:rPr>
+              <a:t>];</a:t>
+            </a:r>
+          </a:p>
+          <a:p>
+            <a:r>
+              <a:rPr lang="en-US" sz="1800" dirty="0" smtClean="0">
+                <a:solidFill>
+                  <a:srgbClr val="F06431"/>
+                </a:solidFill>
+                <a:latin typeface="Consolas" panose="020B0609020204030204" pitchFamily="49" charset="0"/>
+              </a:rPr>
+              <a:t>            console</a:t>
+            </a:r>
+            <a:r>
+              <a:rPr lang="en-US" sz="1800" dirty="0" smtClean="0">
+                <a:solidFill>
+                  <a:srgbClr val="D3AF86"/>
+                </a:solidFill>
+                <a:latin typeface="Consolas" panose="020B0609020204030204" pitchFamily="49" charset="0"/>
+              </a:rPr>
+              <a:t>.</a:t>
+            </a:r>
+            <a:r>
+              <a:rPr lang="en-US" sz="1800" dirty="0" smtClean="0">
+                <a:solidFill>
+                  <a:srgbClr val="7E602C"/>
+                </a:solidFill>
+                <a:latin typeface="Consolas" panose="020B0609020204030204" pitchFamily="49" charset="0"/>
+              </a:rPr>
+              <a:t>log</a:t>
+            </a:r>
+            <a:r>
+              <a:rPr lang="en-US" sz="1800" dirty="0" smtClean="0">
+                <a:solidFill>
+                  <a:srgbClr val="D3AF86"/>
+                </a:solidFill>
+                <a:latin typeface="Consolas" panose="020B0609020204030204" pitchFamily="49" charset="0"/>
+              </a:rPr>
+              <a:t>(</a:t>
+            </a:r>
+            <a:r>
+              <a:rPr lang="en-US" sz="1800" dirty="0" smtClean="0">
+                <a:solidFill>
+                  <a:srgbClr val="DC3958"/>
+                </a:solidFill>
+                <a:latin typeface="Consolas" panose="020B0609020204030204" pitchFamily="49" charset="0"/>
+              </a:rPr>
+              <a:t>element</a:t>
+            </a:r>
+            <a:r>
+              <a:rPr lang="en-US" sz="1800" dirty="0">
+                <a:solidFill>
+                  <a:srgbClr val="D3AF86"/>
+                </a:solidFill>
+                <a:latin typeface="Consolas" panose="020B0609020204030204" pitchFamily="49" charset="0"/>
+              </a:rPr>
+              <a:t>);</a:t>
+            </a:r>
+          </a:p>
+          <a:p>
+            <a:r>
+              <a:rPr lang="en-US" sz="1800" dirty="0" smtClean="0">
+                <a:solidFill>
+                  <a:srgbClr val="D3AF86"/>
+                </a:solidFill>
+                <a:latin typeface="Consolas" panose="020B0609020204030204" pitchFamily="49" charset="0"/>
+              </a:rPr>
+              <a:t>        }</a:t>
+            </a:r>
+            <a:endParaRPr lang="en-US" sz="1800" dirty="0">
+              <a:solidFill>
+                <a:srgbClr val="D3AF86"/>
+              </a:solidFill>
+              <a:latin typeface="Consolas" panose="020B0609020204030204" pitchFamily="49" charset="0"/>
+            </a:endParaRPr>
+          </a:p>
+          <a:p>
+            <a:r>
+              <a:rPr lang="en-US" sz="1800" dirty="0" smtClean="0">
+                <a:solidFill>
+                  <a:srgbClr val="D3AF86"/>
+                </a:solidFill>
+                <a:latin typeface="Consolas" panose="020B0609020204030204" pitchFamily="49" charset="0"/>
+              </a:rPr>
+              <a:t>    }</a:t>
+            </a:r>
+            <a:endParaRPr lang="en-US" sz="1800" dirty="0">
+              <a:solidFill>
+                <a:srgbClr val="D3AF86"/>
+              </a:solidFill>
+              <a:latin typeface="Consolas" panose="020B0609020204030204" pitchFamily="49" charset="0"/>
+            </a:endParaRPr>
+          </a:p>
+          <a:p>
+            <a:r>
+              <a:rPr lang="en-US" sz="1800" dirty="0">
+                <a:solidFill>
+                  <a:srgbClr val="D3AF86"/>
+                </a:solidFill>
+                <a:latin typeface="Consolas" panose="020B0609020204030204" pitchFamily="49" charset="0"/>
+              </a:rPr>
+              <a:t>}</a:t>
+            </a:r>
+          </a:p>
+          <a:p>
+            <a:r>
+              <a:rPr lang="en-US" sz="1800" dirty="0" smtClean="0">
+                <a:solidFill>
+                  <a:srgbClr val="8AB1B0"/>
+                </a:solidFill>
+                <a:latin typeface="Consolas" panose="020B0609020204030204" pitchFamily="49" charset="0"/>
+              </a:rPr>
+              <a:t>fn</a:t>
+            </a:r>
+            <a:r>
+              <a:rPr lang="en-US" sz="1800" dirty="0" smtClean="0">
+                <a:solidFill>
+                  <a:srgbClr val="D3AF86"/>
+                </a:solidFill>
+                <a:latin typeface="Consolas" panose="020B0609020204030204" pitchFamily="49" charset="0"/>
+              </a:rPr>
+              <a:t>(</a:t>
+            </a:r>
+            <a:r>
+              <a:rPr lang="en-US" sz="1800" dirty="0" smtClean="0">
+                <a:solidFill>
+                  <a:srgbClr val="DC3958"/>
+                </a:solidFill>
+                <a:latin typeface="Consolas" panose="020B0609020204030204" pitchFamily="49" charset="0"/>
+              </a:rPr>
+              <a:t>m</a:t>
+            </a:r>
+            <a:r>
+              <a:rPr lang="en-US" sz="1800" dirty="0" smtClean="0">
+                <a:solidFill>
+                  <a:srgbClr val="D3AF86"/>
+                </a:solidFill>
+                <a:latin typeface="Consolas" panose="020B0609020204030204" pitchFamily="49" charset="0"/>
+              </a:rPr>
+              <a:t>)</a:t>
+            </a:r>
+            <a:endParaRPr lang="en-US" sz="1800" dirty="0">
+              <a:solidFill>
+                <a:srgbClr val="D3AF86"/>
+              </a:solidFill>
+              <a:latin typeface="Consolas" panose="020B0609020204030204" pitchFamily="49" charset="0"/>
+            </a:endParaRPr>
+          </a:p>
+        </p:txBody>
+      </p:sp>
+    </p:spTree>
+    <p:extLst>
+      <p:ext uri="{BB962C8B-B14F-4D97-AF65-F5344CB8AC3E}">
+        <p14:creationId xmlns:p14="http://schemas.microsoft.com/office/powerpoint/2010/main" val="3383462915"/>
       </p:ext>
     </p:extLst>
   </p:cSld>

--- a/TypeScript.pptx
+++ b/TypeScript.pptx
@@ -288,7 +288,7 @@
             <a:fld id="{A7B1724D-A50F-4C38-8BDE-920DAD4008EA}" type="datetimeFigureOut">
               <a:rPr lang="en-US" smtClean="0"/>
               <a:pPr/>
-              <a:t>1/17/2019</a:t>
+              <a:t>1/24/2019</a:t>
             </a:fld>
             <a:endParaRPr lang="en-US"/>
           </a:p>
@@ -18370,6 +18370,205 @@
               </a:rPr>
               <a:t>tsc module1.ts &amp;&amp; node module1.js</a:t>
             </a:r>
+          </a:p>
+        </p:txBody>
+      </p:sp>
+      <p:sp>
+        <p:nvSpPr>
+          <p:cNvPr id="4" name="Rectangle 3"/>
+          <p:cNvSpPr/>
+          <p:nvPr/>
+        </p:nvSpPr>
+        <p:spPr>
+          <a:xfrm>
+            <a:off x="114759" y="1295400"/>
+            <a:ext cx="8914482" cy="1015663"/>
+          </a:xfrm>
+          <a:prstGeom prst="rect">
+            <a:avLst/>
+          </a:prstGeom>
+        </p:spPr>
+        <p:txBody>
+          <a:bodyPr wrap="square">
+            <a:spAutoFit/>
+          </a:bodyPr>
+          <a:lstStyle/>
+          <a:p>
+            <a:pPr>
+              <a:lnSpc>
+                <a:spcPct val="150000"/>
+              </a:lnSpc>
+            </a:pPr>
+            <a:r>
+              <a:rPr lang="en-IN" sz="2000" dirty="0">
+                <a:solidFill>
+                  <a:schemeClr val="accent5">
+                    <a:lumMod val="75000"/>
+                  </a:schemeClr>
+                </a:solidFill>
+                <a:latin typeface="Segoe UI" panose="020B0502040204020203" pitchFamily="34" charset="0"/>
+                <a:ea typeface="Tahoma" panose="020B0604030504040204" pitchFamily="34" charset="0"/>
+                <a:cs typeface="Segoe UI" panose="020B0502040204020203" pitchFamily="34" charset="0"/>
+              </a:rPr>
+              <a:t>C:\&gt; tsc --init	    </a:t>
+            </a:r>
+            <a:r>
+              <a:rPr lang="en-IN" sz="2000" dirty="0" smtClean="0">
+                <a:solidFill>
+                  <a:schemeClr val="accent5">
+                    <a:lumMod val="75000"/>
+                  </a:schemeClr>
+                </a:solidFill>
+                <a:latin typeface="Segoe UI" panose="020B0502040204020203" pitchFamily="34" charset="0"/>
+                <a:ea typeface="Tahoma" panose="020B0604030504040204" pitchFamily="34" charset="0"/>
+                <a:cs typeface="Segoe UI" panose="020B0502040204020203" pitchFamily="34" charset="0"/>
+              </a:rPr>
+              <a:t>	         </a:t>
+            </a:r>
+            <a:r>
+              <a:rPr lang="en-IN" sz="2000" dirty="0" smtClean="0">
+                <a:solidFill>
+                  <a:schemeClr val="accent3">
+                    <a:lumMod val="75000"/>
+                  </a:schemeClr>
+                </a:solidFill>
+                <a:latin typeface="Segoe UI" panose="020B0502040204020203" pitchFamily="34" charset="0"/>
+                <a:ea typeface="Tahoma" panose="020B0604030504040204" pitchFamily="34" charset="0"/>
+                <a:cs typeface="Segoe UI" panose="020B0502040204020203" pitchFamily="34" charset="0"/>
+              </a:rPr>
+              <a:t>// </a:t>
+            </a:r>
+            <a:r>
+              <a:rPr lang="en-IN" sz="2000" dirty="0">
+                <a:solidFill>
+                  <a:schemeClr val="accent3">
+                    <a:lumMod val="75000"/>
+                  </a:schemeClr>
+                </a:solidFill>
+                <a:latin typeface="Segoe UI" panose="020B0502040204020203" pitchFamily="34" charset="0"/>
+                <a:ea typeface="Tahoma" panose="020B0604030504040204" pitchFamily="34" charset="0"/>
+                <a:cs typeface="Segoe UI" panose="020B0502040204020203" pitchFamily="34" charset="0"/>
+              </a:rPr>
+              <a:t>create a tsconfig.json</a:t>
+            </a:r>
+            <a:endParaRPr lang="en-IN" sz="2000" dirty="0" smtClean="0">
+              <a:solidFill>
+                <a:schemeClr val="accent5">
+                  <a:lumMod val="75000"/>
+                </a:schemeClr>
+              </a:solidFill>
+              <a:latin typeface="Segoe UI" panose="020B0502040204020203" pitchFamily="34" charset="0"/>
+              <a:ea typeface="Tahoma" panose="020B0604030504040204" pitchFamily="34" charset="0"/>
+              <a:cs typeface="Segoe UI" panose="020B0502040204020203" pitchFamily="34" charset="0"/>
+            </a:endParaRPr>
+          </a:p>
+          <a:p>
+            <a:pPr>
+              <a:lnSpc>
+                <a:spcPct val="150000"/>
+              </a:lnSpc>
+            </a:pPr>
+            <a:r>
+              <a:rPr lang="en-IN" sz="2000" dirty="0" smtClean="0">
+                <a:solidFill>
+                  <a:schemeClr val="accent5">
+                    <a:lumMod val="75000"/>
+                  </a:schemeClr>
+                </a:solidFill>
+                <a:latin typeface="Segoe UI" panose="020B0502040204020203" pitchFamily="34" charset="0"/>
+                <a:ea typeface="Tahoma" panose="020B0604030504040204" pitchFamily="34" charset="0"/>
+                <a:cs typeface="Segoe UI" panose="020B0502040204020203" pitchFamily="34" charset="0"/>
+              </a:rPr>
+              <a:t>C</a:t>
+            </a:r>
+            <a:r>
+              <a:rPr lang="en-IN" sz="2000" dirty="0">
+                <a:solidFill>
+                  <a:schemeClr val="accent5">
+                    <a:lumMod val="75000"/>
+                  </a:schemeClr>
+                </a:solidFill>
+                <a:latin typeface="Segoe UI" panose="020B0502040204020203" pitchFamily="34" charset="0"/>
+                <a:ea typeface="Tahoma" panose="020B0604030504040204" pitchFamily="34" charset="0"/>
+                <a:cs typeface="Segoe UI" panose="020B0502040204020203" pitchFamily="34" charset="0"/>
+              </a:rPr>
+              <a:t>:\ npm i @types/node  </a:t>
+            </a:r>
+            <a:r>
+              <a:rPr lang="en-IN" sz="2000" dirty="0" smtClean="0">
+                <a:solidFill>
+                  <a:schemeClr val="accent5">
+                    <a:lumMod val="75000"/>
+                  </a:schemeClr>
+                </a:solidFill>
+                <a:latin typeface="Segoe UI" panose="020B0502040204020203" pitchFamily="34" charset="0"/>
+                <a:ea typeface="Tahoma" panose="020B0604030504040204" pitchFamily="34" charset="0"/>
+                <a:cs typeface="Segoe UI" panose="020B0502040204020203" pitchFamily="34" charset="0"/>
+              </a:rPr>
+              <a:t>         </a:t>
+            </a:r>
+            <a:r>
+              <a:rPr lang="en-IN" sz="2000" dirty="0" smtClean="0">
+                <a:solidFill>
+                  <a:schemeClr val="accent3">
+                    <a:lumMod val="75000"/>
+                  </a:schemeClr>
+                </a:solidFill>
+                <a:latin typeface="Segoe UI" panose="020B0502040204020203" pitchFamily="34" charset="0"/>
+                <a:ea typeface="Tahoma" panose="020B0604030504040204" pitchFamily="34" charset="0"/>
+                <a:cs typeface="Segoe UI" panose="020B0502040204020203" pitchFamily="34" charset="0"/>
+              </a:rPr>
+              <a:t>// </a:t>
+            </a:r>
+            <a:r>
+              <a:rPr lang="en-IN" sz="2000" dirty="0">
+                <a:solidFill>
+                  <a:schemeClr val="accent3">
+                    <a:lumMod val="75000"/>
+                  </a:schemeClr>
+                </a:solidFill>
+                <a:latin typeface="Segoe UI" panose="020B0502040204020203" pitchFamily="34" charset="0"/>
+                <a:ea typeface="Tahoma" panose="020B0604030504040204" pitchFamily="34" charset="0"/>
+                <a:cs typeface="Segoe UI" panose="020B0502040204020203" pitchFamily="34" charset="0"/>
+              </a:rPr>
+              <a:t>to use </a:t>
+            </a:r>
+            <a:r>
+              <a:rPr lang="en-US" sz="1800" dirty="0">
+                <a:solidFill>
+                  <a:schemeClr val="accent3">
+                    <a:lumMod val="75000"/>
+                  </a:schemeClr>
+                </a:solidFill>
+                <a:latin typeface="Segoe UI" panose="020B0502040204020203" pitchFamily="34" charset="0"/>
+                <a:ea typeface="Tahoma" panose="020B0604030504040204" pitchFamily="34" charset="0"/>
+                <a:cs typeface="Segoe UI" panose="020B0502040204020203" pitchFamily="34" charset="0"/>
+              </a:rPr>
+              <a:t>module.exports = {} in .ts </a:t>
+            </a:r>
+            <a:r>
+              <a:rPr lang="en-US" sz="1800" dirty="0" smtClean="0">
+                <a:solidFill>
+                  <a:schemeClr val="accent3">
+                    <a:lumMod val="75000"/>
+                  </a:schemeClr>
+                </a:solidFill>
+                <a:latin typeface="Segoe UI" panose="020B0502040204020203" pitchFamily="34" charset="0"/>
+                <a:ea typeface="Tahoma" panose="020B0604030504040204" pitchFamily="34" charset="0"/>
+                <a:cs typeface="Segoe UI" panose="020B0502040204020203" pitchFamily="34" charset="0"/>
+              </a:rPr>
+              <a:t>file</a:t>
+            </a:r>
+            <a:endParaRPr lang="en-IN" sz="2000" dirty="0" smtClean="0">
+              <a:solidFill>
+                <a:schemeClr val="accent5">
+                  <a:lumMod val="75000"/>
+                </a:schemeClr>
+              </a:solidFill>
+              <a:latin typeface="Segoe UI" panose="020B0502040204020203" pitchFamily="34" charset="0"/>
+              <a:ea typeface="Tahoma" panose="020B0604030504040204" pitchFamily="34" charset="0"/>
+              <a:cs typeface="Segoe UI" panose="020B0502040204020203" pitchFamily="34" charset="0"/>
+            </a:endParaRPr>
           </a:p>
         </p:txBody>
       </p:sp>
